--- a/ct/ct-docs/kempe's-chain-color-switch/kempe-reduction-and-kempe's-chain.pptx
+++ b/ct/ct-docs/kempe's-chain-color-switch/kempe-reduction-and-kempe's-chain.pptx
@@ -244,7 +244,7 @@
           <a:p>
             <a:fld id="{2960CB9A-4A82-4DBE-8CC4-6F5EEC924F45}" type="datetimeFigureOut">
               <a:rPr lang="it-IT" smtClean="0"/>
-              <a:t>20/04/2016</a:t>
+              <a:t>16/10/2016</a:t>
             </a:fld>
             <a:endParaRPr lang="it-IT"/>
           </a:p>
@@ -414,7 +414,7 @@
           <a:p>
             <a:fld id="{2960CB9A-4A82-4DBE-8CC4-6F5EEC924F45}" type="datetimeFigureOut">
               <a:rPr lang="it-IT" smtClean="0"/>
-              <a:t>20/04/2016</a:t>
+              <a:t>16/10/2016</a:t>
             </a:fld>
             <a:endParaRPr lang="it-IT"/>
           </a:p>
@@ -594,7 +594,7 @@
           <a:p>
             <a:fld id="{2960CB9A-4A82-4DBE-8CC4-6F5EEC924F45}" type="datetimeFigureOut">
               <a:rPr lang="it-IT" smtClean="0"/>
-              <a:t>20/04/2016</a:t>
+              <a:t>16/10/2016</a:t>
             </a:fld>
             <a:endParaRPr lang="it-IT"/>
           </a:p>
@@ -764,7 +764,7 @@
           <a:p>
             <a:fld id="{2960CB9A-4A82-4DBE-8CC4-6F5EEC924F45}" type="datetimeFigureOut">
               <a:rPr lang="it-IT" smtClean="0"/>
-              <a:t>20/04/2016</a:t>
+              <a:t>16/10/2016</a:t>
             </a:fld>
             <a:endParaRPr lang="it-IT"/>
           </a:p>
@@ -1010,7 +1010,7 @@
           <a:p>
             <a:fld id="{2960CB9A-4A82-4DBE-8CC4-6F5EEC924F45}" type="datetimeFigureOut">
               <a:rPr lang="it-IT" smtClean="0"/>
-              <a:t>20/04/2016</a:t>
+              <a:t>16/10/2016</a:t>
             </a:fld>
             <a:endParaRPr lang="it-IT"/>
           </a:p>
@@ -1242,7 +1242,7 @@
           <a:p>
             <a:fld id="{2960CB9A-4A82-4DBE-8CC4-6F5EEC924F45}" type="datetimeFigureOut">
               <a:rPr lang="it-IT" smtClean="0"/>
-              <a:t>20/04/2016</a:t>
+              <a:t>16/10/2016</a:t>
             </a:fld>
             <a:endParaRPr lang="it-IT"/>
           </a:p>
@@ -1609,7 +1609,7 @@
           <a:p>
             <a:fld id="{2960CB9A-4A82-4DBE-8CC4-6F5EEC924F45}" type="datetimeFigureOut">
               <a:rPr lang="it-IT" smtClean="0"/>
-              <a:t>20/04/2016</a:t>
+              <a:t>16/10/2016</a:t>
             </a:fld>
             <a:endParaRPr lang="it-IT"/>
           </a:p>
@@ -1727,7 +1727,7 @@
           <a:p>
             <a:fld id="{2960CB9A-4A82-4DBE-8CC4-6F5EEC924F45}" type="datetimeFigureOut">
               <a:rPr lang="it-IT" smtClean="0"/>
-              <a:t>20/04/2016</a:t>
+              <a:t>16/10/2016</a:t>
             </a:fld>
             <a:endParaRPr lang="it-IT"/>
           </a:p>
@@ -1822,7 +1822,7 @@
           <a:p>
             <a:fld id="{2960CB9A-4A82-4DBE-8CC4-6F5EEC924F45}" type="datetimeFigureOut">
               <a:rPr lang="it-IT" smtClean="0"/>
-              <a:t>20/04/2016</a:t>
+              <a:t>16/10/2016</a:t>
             </a:fld>
             <a:endParaRPr lang="it-IT"/>
           </a:p>
@@ -2099,7 +2099,7 @@
           <a:p>
             <a:fld id="{2960CB9A-4A82-4DBE-8CC4-6F5EEC924F45}" type="datetimeFigureOut">
               <a:rPr lang="it-IT" smtClean="0"/>
-              <a:t>20/04/2016</a:t>
+              <a:t>16/10/2016</a:t>
             </a:fld>
             <a:endParaRPr lang="it-IT"/>
           </a:p>
@@ -2352,7 +2352,7 @@
           <a:p>
             <a:fld id="{2960CB9A-4A82-4DBE-8CC4-6F5EEC924F45}" type="datetimeFigureOut">
               <a:rPr lang="it-IT" smtClean="0"/>
-              <a:t>20/04/2016</a:t>
+              <a:t>16/10/2016</a:t>
             </a:fld>
             <a:endParaRPr lang="it-IT"/>
           </a:p>
@@ -2565,7 +2565,7 @@
           <a:p>
             <a:fld id="{2960CB9A-4A82-4DBE-8CC4-6F5EEC924F45}" type="datetimeFigureOut">
               <a:rPr lang="it-IT" smtClean="0"/>
-              <a:t>20/04/2016</a:t>
+              <a:t>16/10/2016</a:t>
             </a:fld>
             <a:endParaRPr lang="it-IT"/>
           </a:p>
@@ -14905,647 +14905,5083 @@
           <a:chExt cx="0" cy="0"/>
         </a:xfrm>
       </p:grpSpPr>
-      <p:sp>
-        <p:nvSpPr>
-          <p:cNvPr id="2" name="Arco 1"/>
-          <p:cNvSpPr/>
+      <p:grpSp>
+        <p:nvGrpSpPr>
+          <p:cNvPr id="34" name="Gruppo 33"/>
+          <p:cNvGrpSpPr/>
           <p:nvPr/>
-        </p:nvSpPr>
-        <p:spPr>
+        </p:nvGrpSpPr>
+        <p:grpSpPr>
           <a:xfrm>
-            <a:off x="1794294" y="780691"/>
-            <a:ext cx="4313208" cy="4321834"/>
+            <a:off x="1017740" y="1753465"/>
+            <a:ext cx="1538674" cy="1042290"/>
+            <a:chOff x="4443846" y="1707166"/>
+            <a:chExt cx="1538674" cy="1042290"/>
           </a:xfrm>
-          <a:prstGeom prst="arc">
-            <a:avLst>
-              <a:gd name="adj1" fmla="val 10803503"/>
-              <a:gd name="adj2" fmla="val 0"/>
-            </a:avLst>
-          </a:prstGeom>
-          <a:ln w="38100"/>
-        </p:spPr>
-        <p:style>
-          <a:lnRef idx="3">
-            <a:schemeClr val="dk1"/>
-          </a:lnRef>
-          <a:fillRef idx="0">
-            <a:schemeClr val="dk1"/>
-          </a:fillRef>
-          <a:effectRef idx="2">
-            <a:schemeClr val="dk1"/>
-          </a:effectRef>
-          <a:fontRef idx="minor">
-            <a:schemeClr val="tx1"/>
-          </a:fontRef>
-        </p:style>
-        <p:txBody>
-          <a:bodyPr rtlCol="0" anchor="ctr"/>
-          <a:lstStyle/>
-          <a:p>
-            <a:pPr algn="ctr"/>
-            <a:endParaRPr lang="it-IT"/>
-          </a:p>
-        </p:txBody>
-      </p:sp>
-      <p:cxnSp>
-        <p:nvCxnSpPr>
-          <p:cNvPr id="6" name="Connettore 1 5"/>
-          <p:cNvCxnSpPr>
-            <a:stCxn id="2" idx="0"/>
-          </p:cNvCxnSpPr>
+        </p:grpSpPr>
+        <p:sp>
+          <p:nvSpPr>
+            <p:cNvPr id="5" name="Figura a mano libera 4"/>
+            <p:cNvSpPr/>
+            <p:nvPr/>
+          </p:nvSpPr>
+          <p:spPr>
+            <a:xfrm>
+              <a:off x="4915892" y="1953814"/>
+              <a:ext cx="625166" cy="751805"/>
+            </a:xfrm>
+            <a:custGeom>
+              <a:avLst/>
+              <a:gdLst>
+                <a:gd name="connsiteX0" fmla="*/ 435837 w 2337687"/>
+                <a:gd name="connsiteY0" fmla="*/ 0 h 2648309"/>
+                <a:gd name="connsiteX1" fmla="*/ 4516 w 2337687"/>
+                <a:gd name="connsiteY1" fmla="*/ 923026 h 2648309"/>
+                <a:gd name="connsiteX2" fmla="*/ 677376 w 2337687"/>
+                <a:gd name="connsiteY2" fmla="*/ 1535501 h 2648309"/>
+                <a:gd name="connsiteX3" fmla="*/ 1695293 w 2337687"/>
+                <a:gd name="connsiteY3" fmla="*/ 1647645 h 2648309"/>
+                <a:gd name="connsiteX4" fmla="*/ 2307769 w 2337687"/>
+                <a:gd name="connsiteY4" fmla="*/ 2380890 h 2648309"/>
+                <a:gd name="connsiteX5" fmla="*/ 2238757 w 2337687"/>
+                <a:gd name="connsiteY5" fmla="*/ 2648309 h 2648309"/>
+              </a:gdLst>
+              <a:ahLst/>
+              <a:cxnLst>
+                <a:cxn ang="0">
+                  <a:pos x="connsiteX0" y="connsiteY0"/>
+                </a:cxn>
+                <a:cxn ang="0">
+                  <a:pos x="connsiteX1" y="connsiteY1"/>
+                </a:cxn>
+                <a:cxn ang="0">
+                  <a:pos x="connsiteX2" y="connsiteY2"/>
+                </a:cxn>
+                <a:cxn ang="0">
+                  <a:pos x="connsiteX3" y="connsiteY3"/>
+                </a:cxn>
+                <a:cxn ang="0">
+                  <a:pos x="connsiteX4" y="connsiteY4"/>
+                </a:cxn>
+                <a:cxn ang="0">
+                  <a:pos x="connsiteX5" y="connsiteY5"/>
+                </a:cxn>
+              </a:cxnLst>
+              <a:rect l="l" t="t" r="r" b="b"/>
+              <a:pathLst>
+                <a:path w="2337687" h="2648309">
+                  <a:moveTo>
+                    <a:pt x="435837" y="0"/>
+                  </a:moveTo>
+                  <a:cubicBezTo>
+                    <a:pt x="200048" y="333554"/>
+                    <a:pt x="-35740" y="667109"/>
+                    <a:pt x="4516" y="923026"/>
+                  </a:cubicBezTo>
+                  <a:cubicBezTo>
+                    <a:pt x="44772" y="1178943"/>
+                    <a:pt x="395580" y="1414731"/>
+                    <a:pt x="677376" y="1535501"/>
+                  </a:cubicBezTo>
+                  <a:cubicBezTo>
+                    <a:pt x="959172" y="1656271"/>
+                    <a:pt x="1423561" y="1506747"/>
+                    <a:pt x="1695293" y="1647645"/>
+                  </a:cubicBezTo>
+                  <a:cubicBezTo>
+                    <a:pt x="1967025" y="1788543"/>
+                    <a:pt x="2217192" y="2214113"/>
+                    <a:pt x="2307769" y="2380890"/>
+                  </a:cubicBezTo>
+                  <a:cubicBezTo>
+                    <a:pt x="2398346" y="2547667"/>
+                    <a:pt x="2256010" y="2603739"/>
+                    <a:pt x="2238757" y="2648309"/>
+                  </a:cubicBezTo>
+                </a:path>
+              </a:pathLst>
+            </a:custGeom>
+            <a:noFill/>
+          </p:spPr>
+          <p:style>
+            <a:lnRef idx="2">
+              <a:schemeClr val="accent1">
+                <a:shade val="50000"/>
+              </a:schemeClr>
+            </a:lnRef>
+            <a:fillRef idx="1">
+              <a:schemeClr val="accent1"/>
+            </a:fillRef>
+            <a:effectRef idx="0">
+              <a:schemeClr val="accent1"/>
+            </a:effectRef>
+            <a:fontRef idx="minor">
+              <a:schemeClr val="lt1"/>
+            </a:fontRef>
+          </p:style>
+          <p:txBody>
+            <a:bodyPr rtlCol="0" anchor="ctr"/>
+            <a:lstStyle/>
+            <a:p>
+              <a:pPr algn="ctr"/>
+              <a:endParaRPr lang="it-IT"/>
+            </a:p>
+          </p:txBody>
+        </p:sp>
+        <p:sp>
+          <p:nvSpPr>
+            <p:cNvPr id="6" name="Figura a mano libera 5"/>
+            <p:cNvSpPr/>
+            <p:nvPr/>
+          </p:nvSpPr>
+          <p:spPr>
+            <a:xfrm>
+              <a:off x="5337929" y="2196926"/>
+              <a:ext cx="624866" cy="209833"/>
+            </a:xfrm>
+            <a:custGeom>
+              <a:avLst/>
+              <a:gdLst>
+                <a:gd name="connsiteX0" fmla="*/ 0 w 2340864"/>
+                <a:gd name="connsiteY0" fmla="*/ 738412 h 738412"/>
+                <a:gd name="connsiteX1" fmla="*/ 249936 w 2340864"/>
+                <a:gd name="connsiteY1" fmla="*/ 348268 h 738412"/>
+                <a:gd name="connsiteX2" fmla="*/ 719328 w 2340864"/>
+                <a:gd name="connsiteY2" fmla="*/ 796 h 738412"/>
+                <a:gd name="connsiteX3" fmla="*/ 1554480 w 2340864"/>
+                <a:gd name="connsiteY3" fmla="*/ 250732 h 738412"/>
+                <a:gd name="connsiteX4" fmla="*/ 2023872 w 2340864"/>
+                <a:gd name="connsiteY4" fmla="*/ 171484 h 738412"/>
+                <a:gd name="connsiteX5" fmla="*/ 2340864 w 2340864"/>
+                <a:gd name="connsiteY5" fmla="*/ 244636 h 738412"/>
+              </a:gdLst>
+              <a:ahLst/>
+              <a:cxnLst>
+                <a:cxn ang="0">
+                  <a:pos x="connsiteX0" y="connsiteY0"/>
+                </a:cxn>
+                <a:cxn ang="0">
+                  <a:pos x="connsiteX1" y="connsiteY1"/>
+                </a:cxn>
+                <a:cxn ang="0">
+                  <a:pos x="connsiteX2" y="connsiteY2"/>
+                </a:cxn>
+                <a:cxn ang="0">
+                  <a:pos x="connsiteX3" y="connsiteY3"/>
+                </a:cxn>
+                <a:cxn ang="0">
+                  <a:pos x="connsiteX4" y="connsiteY4"/>
+                </a:cxn>
+                <a:cxn ang="0">
+                  <a:pos x="connsiteX5" y="connsiteY5"/>
+                </a:cxn>
+              </a:cxnLst>
+              <a:rect l="l" t="t" r="r" b="b"/>
+              <a:pathLst>
+                <a:path w="2340864" h="738412">
+                  <a:moveTo>
+                    <a:pt x="0" y="738412"/>
+                  </a:moveTo>
+                  <a:cubicBezTo>
+                    <a:pt x="65024" y="604808"/>
+                    <a:pt x="130048" y="471204"/>
+                    <a:pt x="249936" y="348268"/>
+                  </a:cubicBezTo>
+                  <a:cubicBezTo>
+                    <a:pt x="369824" y="225332"/>
+                    <a:pt x="501904" y="17052"/>
+                    <a:pt x="719328" y="796"/>
+                  </a:cubicBezTo>
+                  <a:cubicBezTo>
+                    <a:pt x="936752" y="-15460"/>
+                    <a:pt x="1337056" y="222284"/>
+                    <a:pt x="1554480" y="250732"/>
+                  </a:cubicBezTo>
+                  <a:cubicBezTo>
+                    <a:pt x="1771904" y="279180"/>
+                    <a:pt x="1892808" y="172500"/>
+                    <a:pt x="2023872" y="171484"/>
+                  </a:cubicBezTo>
+                  <a:cubicBezTo>
+                    <a:pt x="2154936" y="170468"/>
+                    <a:pt x="2247900" y="207552"/>
+                    <a:pt x="2340864" y="244636"/>
+                  </a:cubicBezTo>
+                </a:path>
+              </a:pathLst>
+            </a:custGeom>
+            <a:noFill/>
+          </p:spPr>
+          <p:style>
+            <a:lnRef idx="2">
+              <a:schemeClr val="accent1">
+                <a:shade val="50000"/>
+              </a:schemeClr>
+            </a:lnRef>
+            <a:fillRef idx="1">
+              <a:schemeClr val="accent1"/>
+            </a:fillRef>
+            <a:effectRef idx="0">
+              <a:schemeClr val="accent1"/>
+            </a:effectRef>
+            <a:fontRef idx="minor">
+              <a:schemeClr val="lt1"/>
+            </a:fontRef>
+          </p:style>
+          <p:txBody>
+            <a:bodyPr rtlCol="0" anchor="ctr"/>
+            <a:lstStyle/>
+            <a:p>
+              <a:pPr algn="ctr"/>
+              <a:endParaRPr lang="it-IT"/>
+            </a:p>
+          </p:txBody>
+        </p:sp>
+        <p:sp>
+          <p:nvSpPr>
+            <p:cNvPr id="7" name="Figura a mano libera 6"/>
+            <p:cNvSpPr/>
+            <p:nvPr/>
+          </p:nvSpPr>
+          <p:spPr>
+            <a:xfrm>
+              <a:off x="5574544" y="1803922"/>
+              <a:ext cx="187619" cy="400159"/>
+            </a:xfrm>
+            <a:custGeom>
+              <a:avLst/>
+              <a:gdLst>
+                <a:gd name="connsiteX0" fmla="*/ 52829 w 687998"/>
+                <a:gd name="connsiteY0" fmla="*/ 1408176 h 1408176"/>
+                <a:gd name="connsiteX1" fmla="*/ 58925 w 687998"/>
+                <a:gd name="connsiteY1" fmla="*/ 920496 h 1408176"/>
+                <a:gd name="connsiteX2" fmla="*/ 650237 w 687998"/>
+                <a:gd name="connsiteY2" fmla="*/ 652272 h 1408176"/>
+                <a:gd name="connsiteX3" fmla="*/ 595373 w 687998"/>
+                <a:gd name="connsiteY3" fmla="*/ 225552 h 1408176"/>
+                <a:gd name="connsiteX4" fmla="*/ 327149 w 687998"/>
+                <a:gd name="connsiteY4" fmla="*/ 0 h 1408176"/>
+              </a:gdLst>
+              <a:ahLst/>
+              <a:cxnLst>
+                <a:cxn ang="0">
+                  <a:pos x="connsiteX0" y="connsiteY0"/>
+                </a:cxn>
+                <a:cxn ang="0">
+                  <a:pos x="connsiteX1" y="connsiteY1"/>
+                </a:cxn>
+                <a:cxn ang="0">
+                  <a:pos x="connsiteX2" y="connsiteY2"/>
+                </a:cxn>
+                <a:cxn ang="0">
+                  <a:pos x="connsiteX3" y="connsiteY3"/>
+                </a:cxn>
+                <a:cxn ang="0">
+                  <a:pos x="connsiteX4" y="connsiteY4"/>
+                </a:cxn>
+              </a:cxnLst>
+              <a:rect l="l" t="t" r="r" b="b"/>
+              <a:pathLst>
+                <a:path w="687998" h="1408176">
+                  <a:moveTo>
+                    <a:pt x="52829" y="1408176"/>
+                  </a:moveTo>
+                  <a:cubicBezTo>
+                    <a:pt x="6093" y="1227328"/>
+                    <a:pt x="-40643" y="1046480"/>
+                    <a:pt x="58925" y="920496"/>
+                  </a:cubicBezTo>
+                  <a:cubicBezTo>
+                    <a:pt x="158493" y="794512"/>
+                    <a:pt x="560829" y="768096"/>
+                    <a:pt x="650237" y="652272"/>
+                  </a:cubicBezTo>
+                  <a:cubicBezTo>
+                    <a:pt x="739645" y="536448"/>
+                    <a:pt x="649221" y="334264"/>
+                    <a:pt x="595373" y="225552"/>
+                  </a:cubicBezTo>
+                  <a:cubicBezTo>
+                    <a:pt x="541525" y="116840"/>
+                    <a:pt x="434337" y="58420"/>
+                    <a:pt x="327149" y="0"/>
+                  </a:cubicBezTo>
+                </a:path>
+              </a:pathLst>
+            </a:custGeom>
+            <a:ln>
+              <a:prstDash val="sysDash"/>
+            </a:ln>
+          </p:spPr>
+          <p:style>
+            <a:lnRef idx="1">
+              <a:schemeClr val="accent4"/>
+            </a:lnRef>
+            <a:fillRef idx="0">
+              <a:schemeClr val="accent4"/>
+            </a:fillRef>
+            <a:effectRef idx="0">
+              <a:schemeClr val="accent4"/>
+            </a:effectRef>
+            <a:fontRef idx="minor">
+              <a:schemeClr val="tx1"/>
+            </a:fontRef>
+          </p:style>
+          <p:txBody>
+            <a:bodyPr rtlCol="0" anchor="ctr"/>
+            <a:lstStyle/>
+            <a:p>
+              <a:pPr algn="ctr"/>
+              <a:endParaRPr lang="it-IT"/>
+            </a:p>
+          </p:txBody>
+        </p:sp>
+        <p:sp>
+          <p:nvSpPr>
+            <p:cNvPr id="8" name="Figura a mano libera 7"/>
+            <p:cNvSpPr/>
+            <p:nvPr/>
+          </p:nvSpPr>
+          <p:spPr>
+            <a:xfrm>
+              <a:off x="4772714" y="2340932"/>
+              <a:ext cx="244372" cy="337796"/>
+            </a:xfrm>
+            <a:custGeom>
+              <a:avLst/>
+              <a:gdLst>
+                <a:gd name="connsiteX0" fmla="*/ 896112 w 896112"/>
+                <a:gd name="connsiteY0" fmla="*/ 0 h 1188720"/>
+                <a:gd name="connsiteX1" fmla="*/ 164592 w 896112"/>
+                <a:gd name="connsiteY1" fmla="*/ 481584 h 1188720"/>
+                <a:gd name="connsiteX2" fmla="*/ 0 w 896112"/>
+                <a:gd name="connsiteY2" fmla="*/ 1188720 h 1188720"/>
+              </a:gdLst>
+              <a:ahLst/>
+              <a:cxnLst>
+                <a:cxn ang="0">
+                  <a:pos x="connsiteX0" y="connsiteY0"/>
+                </a:cxn>
+                <a:cxn ang="0">
+                  <a:pos x="connsiteX1" y="connsiteY1"/>
+                </a:cxn>
+                <a:cxn ang="0">
+                  <a:pos x="connsiteX2" y="connsiteY2"/>
+                </a:cxn>
+              </a:cxnLst>
+              <a:rect l="l" t="t" r="r" b="b"/>
+              <a:pathLst>
+                <a:path w="896112" h="1188720">
+                  <a:moveTo>
+                    <a:pt x="896112" y="0"/>
+                  </a:moveTo>
+                  <a:cubicBezTo>
+                    <a:pt x="605028" y="141732"/>
+                    <a:pt x="313944" y="283464"/>
+                    <a:pt x="164592" y="481584"/>
+                  </a:cubicBezTo>
+                  <a:cubicBezTo>
+                    <a:pt x="15240" y="679704"/>
+                    <a:pt x="7620" y="934212"/>
+                    <a:pt x="0" y="1188720"/>
+                  </a:cubicBezTo>
+                </a:path>
+              </a:pathLst>
+            </a:custGeom>
+            <a:noFill/>
+          </p:spPr>
+          <p:style>
+            <a:lnRef idx="2">
+              <a:schemeClr val="accent1">
+                <a:shade val="50000"/>
+              </a:schemeClr>
+            </a:lnRef>
+            <a:fillRef idx="1">
+              <a:schemeClr val="accent1"/>
+            </a:fillRef>
+            <a:effectRef idx="0">
+              <a:schemeClr val="accent1"/>
+            </a:effectRef>
+            <a:fontRef idx="minor">
+              <a:schemeClr val="lt1"/>
+            </a:fontRef>
+          </p:style>
+          <p:txBody>
+            <a:bodyPr rtlCol="0" anchor="ctr"/>
+            <a:lstStyle/>
+            <a:p>
+              <a:pPr algn="ctr"/>
+              <a:endParaRPr lang="it-IT"/>
+            </a:p>
+          </p:txBody>
+        </p:sp>
+        <p:sp>
+          <p:nvSpPr>
+            <p:cNvPr id="9" name="Figura a mano libera 8"/>
+            <p:cNvSpPr/>
+            <p:nvPr/>
+          </p:nvSpPr>
+          <p:spPr>
+            <a:xfrm>
+              <a:off x="4534222" y="2203516"/>
+              <a:ext cx="309975" cy="239621"/>
+            </a:xfrm>
+            <a:custGeom>
+              <a:avLst/>
+              <a:gdLst>
+                <a:gd name="connsiteX0" fmla="*/ 1115568 w 1115568"/>
+                <a:gd name="connsiteY0" fmla="*/ 821643 h 821643"/>
+                <a:gd name="connsiteX1" fmla="*/ 694944 w 1115568"/>
+                <a:gd name="connsiteY1" fmla="*/ 547323 h 821643"/>
+                <a:gd name="connsiteX2" fmla="*/ 597408 w 1115568"/>
+                <a:gd name="connsiteY2" fmla="*/ 41355 h 821643"/>
+                <a:gd name="connsiteX3" fmla="*/ 0 w 1115568"/>
+                <a:gd name="connsiteY3" fmla="*/ 65739 h 821643"/>
+              </a:gdLst>
+              <a:ahLst/>
+              <a:cxnLst>
+                <a:cxn ang="0">
+                  <a:pos x="connsiteX0" y="connsiteY0"/>
+                </a:cxn>
+                <a:cxn ang="0">
+                  <a:pos x="connsiteX1" y="connsiteY1"/>
+                </a:cxn>
+                <a:cxn ang="0">
+                  <a:pos x="connsiteX2" y="connsiteY2"/>
+                </a:cxn>
+                <a:cxn ang="0">
+                  <a:pos x="connsiteX3" y="connsiteY3"/>
+                </a:cxn>
+              </a:cxnLst>
+              <a:rect l="l" t="t" r="r" b="b"/>
+              <a:pathLst>
+                <a:path w="1115568" h="821643">
+                  <a:moveTo>
+                    <a:pt x="1115568" y="821643"/>
+                  </a:moveTo>
+                  <a:cubicBezTo>
+                    <a:pt x="948436" y="749507"/>
+                    <a:pt x="781304" y="677371"/>
+                    <a:pt x="694944" y="547323"/>
+                  </a:cubicBezTo>
+                  <a:cubicBezTo>
+                    <a:pt x="608584" y="417275"/>
+                    <a:pt x="713232" y="121619"/>
+                    <a:pt x="597408" y="41355"/>
+                  </a:cubicBezTo>
+                  <a:cubicBezTo>
+                    <a:pt x="481584" y="-38909"/>
+                    <a:pt x="240792" y="13415"/>
+                    <a:pt x="0" y="65739"/>
+                  </a:cubicBezTo>
+                </a:path>
+              </a:pathLst>
+            </a:custGeom>
+            <a:noFill/>
+          </p:spPr>
+          <p:style>
+            <a:lnRef idx="2">
+              <a:schemeClr val="accent1">
+                <a:shade val="50000"/>
+              </a:schemeClr>
+            </a:lnRef>
+            <a:fillRef idx="1">
+              <a:schemeClr val="accent1"/>
+            </a:fillRef>
+            <a:effectRef idx="0">
+              <a:schemeClr val="accent1"/>
+            </a:effectRef>
+            <a:fontRef idx="minor">
+              <a:schemeClr val="lt1"/>
+            </a:fontRef>
+          </p:style>
+          <p:txBody>
+            <a:bodyPr rtlCol="0" anchor="ctr"/>
+            <a:lstStyle/>
+            <a:p>
+              <a:pPr algn="ctr"/>
+              <a:endParaRPr lang="it-IT"/>
+            </a:p>
+          </p:txBody>
+        </p:sp>
+        <p:sp>
+          <p:nvSpPr>
+            <p:cNvPr id="3" name="CasellaDiTesto 2"/>
+            <p:cNvSpPr txBox="1"/>
+            <p:nvPr/>
+          </p:nvSpPr>
+          <p:spPr>
+            <a:xfrm>
+              <a:off x="5147036" y="2034992"/>
+              <a:ext cx="256802" cy="261610"/>
+            </a:xfrm>
+            <a:prstGeom prst="rect">
+              <a:avLst/>
+            </a:prstGeom>
+            <a:noFill/>
+          </p:spPr>
+          <p:txBody>
+            <a:bodyPr wrap="none" rtlCol="0">
+              <a:spAutoFit/>
+            </a:bodyPr>
+            <a:lstStyle/>
+            <a:p>
+              <a:r>
+                <a:rPr lang="en-GB" sz="1050" dirty="0" smtClean="0"/>
+                <a:t>5</a:t>
+              </a:r>
+              <a:endParaRPr lang="en-GB" sz="1050" dirty="0"/>
+            </a:p>
+          </p:txBody>
+        </p:sp>
+        <p:sp>
+          <p:nvSpPr>
+            <p:cNvPr id="94" name="CasellaDiTesto 93"/>
+            <p:cNvSpPr txBox="1"/>
+            <p:nvPr/>
+          </p:nvSpPr>
+          <p:spPr>
+            <a:xfrm>
+              <a:off x="5717042" y="1975263"/>
+              <a:ext cx="256802" cy="261610"/>
+            </a:xfrm>
+            <a:prstGeom prst="rect">
+              <a:avLst/>
+            </a:prstGeom>
+            <a:noFill/>
+          </p:spPr>
+          <p:txBody>
+            <a:bodyPr wrap="none" rtlCol="0">
+              <a:spAutoFit/>
+            </a:bodyPr>
+            <a:lstStyle/>
+            <a:p>
+              <a:r>
+                <a:rPr lang="en-GB" sz="1050" dirty="0" smtClean="0"/>
+                <a:t>3</a:t>
+              </a:r>
+              <a:endParaRPr lang="en-GB" sz="1050" dirty="0"/>
+            </a:p>
+          </p:txBody>
+        </p:sp>
+        <p:sp>
+          <p:nvSpPr>
+            <p:cNvPr id="101" name="CasellaDiTesto 100"/>
+            <p:cNvSpPr txBox="1"/>
+            <p:nvPr/>
+          </p:nvSpPr>
+          <p:spPr>
+            <a:xfrm>
+              <a:off x="5524764" y="2333269"/>
+              <a:ext cx="256802" cy="261610"/>
+            </a:xfrm>
+            <a:prstGeom prst="rect">
+              <a:avLst/>
+            </a:prstGeom>
+            <a:noFill/>
+          </p:spPr>
+          <p:txBody>
+            <a:bodyPr wrap="none" rtlCol="0">
+              <a:spAutoFit/>
+            </a:bodyPr>
+            <a:lstStyle/>
+            <a:p>
+              <a:r>
+                <a:rPr lang="en-GB" sz="1050" dirty="0" smtClean="0"/>
+                <a:t>4</a:t>
+              </a:r>
+              <a:endParaRPr lang="en-GB" sz="1050" dirty="0"/>
+            </a:p>
+          </p:txBody>
+        </p:sp>
+        <p:sp>
+          <p:nvSpPr>
+            <p:cNvPr id="102" name="CasellaDiTesto 101"/>
+            <p:cNvSpPr txBox="1"/>
+            <p:nvPr/>
+          </p:nvSpPr>
+          <p:spPr>
+            <a:xfrm>
+              <a:off x="5014197" y="2487846"/>
+              <a:ext cx="256802" cy="261610"/>
+            </a:xfrm>
+            <a:prstGeom prst="rect">
+              <a:avLst/>
+            </a:prstGeom>
+            <a:noFill/>
+          </p:spPr>
+          <p:txBody>
+            <a:bodyPr wrap="none" rtlCol="0">
+              <a:spAutoFit/>
+            </a:bodyPr>
+            <a:lstStyle/>
+            <a:p>
+              <a:r>
+                <a:rPr lang="en-GB" sz="1050" dirty="0"/>
+                <a:t>5</a:t>
+              </a:r>
+            </a:p>
+          </p:txBody>
+        </p:sp>
+        <p:sp>
+          <p:nvSpPr>
+            <p:cNvPr id="103" name="CasellaDiTesto 102"/>
+            <p:cNvSpPr txBox="1"/>
+            <p:nvPr/>
+          </p:nvSpPr>
+          <p:spPr>
+            <a:xfrm>
+              <a:off x="4646955" y="2006134"/>
+              <a:ext cx="256802" cy="261610"/>
+            </a:xfrm>
+            <a:prstGeom prst="rect">
+              <a:avLst/>
+            </a:prstGeom>
+            <a:noFill/>
+          </p:spPr>
+          <p:txBody>
+            <a:bodyPr wrap="none" rtlCol="0">
+              <a:spAutoFit/>
+            </a:bodyPr>
+            <a:lstStyle/>
+            <a:p>
+              <a:r>
+                <a:rPr lang="en-GB" sz="1050" dirty="0" smtClean="0"/>
+                <a:t>4</a:t>
+              </a:r>
+              <a:endParaRPr lang="en-GB" sz="1050" dirty="0"/>
+            </a:p>
+          </p:txBody>
+        </p:sp>
+        <p:sp>
+          <p:nvSpPr>
+            <p:cNvPr id="104" name="CasellaDiTesto 103"/>
+            <p:cNvSpPr txBox="1"/>
+            <p:nvPr/>
+          </p:nvSpPr>
+          <p:spPr>
+            <a:xfrm>
+              <a:off x="4557739" y="2351352"/>
+              <a:ext cx="256802" cy="261610"/>
+            </a:xfrm>
+            <a:prstGeom prst="rect">
+              <a:avLst/>
+            </a:prstGeom>
+            <a:noFill/>
+          </p:spPr>
+          <p:txBody>
+            <a:bodyPr wrap="none" rtlCol="0">
+              <a:spAutoFit/>
+            </a:bodyPr>
+            <a:lstStyle/>
+            <a:p>
+              <a:r>
+                <a:rPr lang="en-GB" sz="1050" dirty="0" smtClean="0"/>
+                <a:t>3</a:t>
+              </a:r>
+              <a:endParaRPr lang="en-GB" sz="1050" dirty="0"/>
+            </a:p>
+          </p:txBody>
+        </p:sp>
+        <p:sp>
+          <p:nvSpPr>
+            <p:cNvPr id="105" name="CasellaDiTesto 104"/>
+            <p:cNvSpPr txBox="1"/>
+            <p:nvPr/>
+          </p:nvSpPr>
+          <p:spPr>
+            <a:xfrm>
+              <a:off x="4443846" y="1707166"/>
+              <a:ext cx="256802" cy="261610"/>
+            </a:xfrm>
+            <a:prstGeom prst="rect">
+              <a:avLst/>
+            </a:prstGeom>
+            <a:noFill/>
+          </p:spPr>
+          <p:txBody>
+            <a:bodyPr wrap="none" rtlCol="0">
+              <a:spAutoFit/>
+            </a:bodyPr>
+            <a:lstStyle/>
+            <a:p>
+              <a:r>
+                <a:rPr lang="en-GB" sz="1050" dirty="0" smtClean="0"/>
+                <a:t>6</a:t>
+              </a:r>
+              <a:endParaRPr lang="en-GB" sz="1050" dirty="0"/>
+            </a:p>
+          </p:txBody>
+        </p:sp>
+        <p:sp>
+          <p:nvSpPr>
+            <p:cNvPr id="107" name="Figura a mano libera 106"/>
+            <p:cNvSpPr/>
+            <p:nvPr/>
+          </p:nvSpPr>
+          <p:spPr>
+            <a:xfrm>
+              <a:off x="4770728" y="2672860"/>
+              <a:ext cx="764540" cy="56025"/>
+            </a:xfrm>
+            <a:custGeom>
+              <a:avLst/>
+              <a:gdLst>
+                <a:gd name="connsiteX0" fmla="*/ 0 w 764540"/>
+                <a:gd name="connsiteY0" fmla="*/ 0 h 56025"/>
+                <a:gd name="connsiteX1" fmla="*/ 236220 w 764540"/>
+                <a:gd name="connsiteY1" fmla="*/ 40640 h 56025"/>
+                <a:gd name="connsiteX2" fmla="*/ 487680 w 764540"/>
+                <a:gd name="connsiteY2" fmla="*/ 55880 h 56025"/>
+                <a:gd name="connsiteX3" fmla="*/ 764540 w 764540"/>
+                <a:gd name="connsiteY3" fmla="*/ 33020 h 56025"/>
+              </a:gdLst>
+              <a:ahLst/>
+              <a:cxnLst>
+                <a:cxn ang="0">
+                  <a:pos x="connsiteX0" y="connsiteY0"/>
+                </a:cxn>
+                <a:cxn ang="0">
+                  <a:pos x="connsiteX1" y="connsiteY1"/>
+                </a:cxn>
+                <a:cxn ang="0">
+                  <a:pos x="connsiteX2" y="connsiteY2"/>
+                </a:cxn>
+                <a:cxn ang="0">
+                  <a:pos x="connsiteX3" y="connsiteY3"/>
+                </a:cxn>
+              </a:cxnLst>
+              <a:rect l="l" t="t" r="r" b="b"/>
+              <a:pathLst>
+                <a:path w="764540" h="56025">
+                  <a:moveTo>
+                    <a:pt x="0" y="0"/>
+                  </a:moveTo>
+                  <a:cubicBezTo>
+                    <a:pt x="77470" y="15663"/>
+                    <a:pt x="154940" y="31327"/>
+                    <a:pt x="236220" y="40640"/>
+                  </a:cubicBezTo>
+                  <a:cubicBezTo>
+                    <a:pt x="317500" y="49953"/>
+                    <a:pt x="399627" y="57150"/>
+                    <a:pt x="487680" y="55880"/>
+                  </a:cubicBezTo>
+                  <a:cubicBezTo>
+                    <a:pt x="575733" y="54610"/>
+                    <a:pt x="670136" y="43815"/>
+                    <a:pt x="764540" y="33020"/>
+                  </a:cubicBezTo>
+                </a:path>
+              </a:pathLst>
+            </a:custGeom>
+            <a:noFill/>
+          </p:spPr>
+          <p:style>
+            <a:lnRef idx="2">
+              <a:schemeClr val="accent1">
+                <a:shade val="50000"/>
+              </a:schemeClr>
+            </a:lnRef>
+            <a:fillRef idx="1">
+              <a:schemeClr val="accent1"/>
+            </a:fillRef>
+            <a:effectRef idx="0">
+              <a:schemeClr val="accent1"/>
+            </a:effectRef>
+            <a:fontRef idx="minor">
+              <a:schemeClr val="lt1"/>
+            </a:fontRef>
+          </p:style>
+          <p:txBody>
+            <a:bodyPr rtlCol="0" anchor="ctr"/>
+            <a:lstStyle/>
+            <a:p>
+              <a:pPr algn="ctr"/>
+              <a:endParaRPr lang="it-IT"/>
+            </a:p>
+          </p:txBody>
+        </p:sp>
+        <p:sp>
+          <p:nvSpPr>
+            <p:cNvPr id="108" name="Figura a mano libera 107"/>
+            <p:cNvSpPr/>
+            <p:nvPr/>
+          </p:nvSpPr>
+          <p:spPr>
+            <a:xfrm>
+              <a:off x="4528184" y="2219960"/>
+              <a:ext cx="246677" cy="453535"/>
+            </a:xfrm>
+            <a:custGeom>
+              <a:avLst/>
+              <a:gdLst>
+                <a:gd name="connsiteX0" fmla="*/ 0 w 233680"/>
+                <a:gd name="connsiteY0" fmla="*/ 0 h 452120"/>
+                <a:gd name="connsiteX1" fmla="*/ 27940 w 233680"/>
+                <a:gd name="connsiteY1" fmla="*/ 116840 h 452120"/>
+                <a:gd name="connsiteX2" fmla="*/ 50800 w 233680"/>
+                <a:gd name="connsiteY2" fmla="*/ 203200 h 452120"/>
+                <a:gd name="connsiteX3" fmla="*/ 76200 w 233680"/>
+                <a:gd name="connsiteY3" fmla="*/ 325120 h 452120"/>
+                <a:gd name="connsiteX4" fmla="*/ 96520 w 233680"/>
+                <a:gd name="connsiteY4" fmla="*/ 393700 h 452120"/>
+                <a:gd name="connsiteX5" fmla="*/ 144780 w 233680"/>
+                <a:gd name="connsiteY5" fmla="*/ 416560 h 452120"/>
+                <a:gd name="connsiteX6" fmla="*/ 233680 w 233680"/>
+                <a:gd name="connsiteY6" fmla="*/ 452120 h 452120"/>
+              </a:gdLst>
+              <a:ahLst/>
+              <a:cxnLst>
+                <a:cxn ang="0">
+                  <a:pos x="connsiteX0" y="connsiteY0"/>
+                </a:cxn>
+                <a:cxn ang="0">
+                  <a:pos x="connsiteX1" y="connsiteY1"/>
+                </a:cxn>
+                <a:cxn ang="0">
+                  <a:pos x="connsiteX2" y="connsiteY2"/>
+                </a:cxn>
+                <a:cxn ang="0">
+                  <a:pos x="connsiteX3" y="connsiteY3"/>
+                </a:cxn>
+                <a:cxn ang="0">
+                  <a:pos x="connsiteX4" y="connsiteY4"/>
+                </a:cxn>
+                <a:cxn ang="0">
+                  <a:pos x="connsiteX5" y="connsiteY5"/>
+                </a:cxn>
+                <a:cxn ang="0">
+                  <a:pos x="connsiteX6" y="connsiteY6"/>
+                </a:cxn>
+              </a:cxnLst>
+              <a:rect l="l" t="t" r="r" b="b"/>
+              <a:pathLst>
+                <a:path w="233680" h="452120">
+                  <a:moveTo>
+                    <a:pt x="0" y="0"/>
+                  </a:moveTo>
+                  <a:cubicBezTo>
+                    <a:pt x="9736" y="41486"/>
+                    <a:pt x="19473" y="82973"/>
+                    <a:pt x="27940" y="116840"/>
+                  </a:cubicBezTo>
+                  <a:cubicBezTo>
+                    <a:pt x="36407" y="150707"/>
+                    <a:pt x="42757" y="168487"/>
+                    <a:pt x="50800" y="203200"/>
+                  </a:cubicBezTo>
+                  <a:cubicBezTo>
+                    <a:pt x="58843" y="237913"/>
+                    <a:pt x="68580" y="293370"/>
+                    <a:pt x="76200" y="325120"/>
+                  </a:cubicBezTo>
+                  <a:cubicBezTo>
+                    <a:pt x="83820" y="356870"/>
+                    <a:pt x="85090" y="378460"/>
+                    <a:pt x="96520" y="393700"/>
+                  </a:cubicBezTo>
+                  <a:cubicBezTo>
+                    <a:pt x="107950" y="408940"/>
+                    <a:pt x="121920" y="406823"/>
+                    <a:pt x="144780" y="416560"/>
+                  </a:cubicBezTo>
+                  <a:cubicBezTo>
+                    <a:pt x="167640" y="426297"/>
+                    <a:pt x="200660" y="439208"/>
+                    <a:pt x="233680" y="452120"/>
+                  </a:cubicBezTo>
+                </a:path>
+              </a:pathLst>
+            </a:custGeom>
+            <a:noFill/>
+          </p:spPr>
+          <p:style>
+            <a:lnRef idx="2">
+              <a:schemeClr val="accent1">
+                <a:shade val="50000"/>
+              </a:schemeClr>
+            </a:lnRef>
+            <a:fillRef idx="1">
+              <a:schemeClr val="accent1"/>
+            </a:fillRef>
+            <a:effectRef idx="0">
+              <a:schemeClr val="accent1"/>
+            </a:effectRef>
+            <a:fontRef idx="minor">
+              <a:schemeClr val="lt1"/>
+            </a:fontRef>
+          </p:style>
+          <p:txBody>
+            <a:bodyPr rtlCol="0" anchor="ctr"/>
+            <a:lstStyle/>
+            <a:p>
+              <a:pPr algn="ctr"/>
+              <a:endParaRPr lang="it-IT"/>
+            </a:p>
+          </p:txBody>
+        </p:sp>
+        <p:sp>
+          <p:nvSpPr>
+            <p:cNvPr id="109" name="Figura a mano libera 108"/>
+            <p:cNvSpPr/>
+            <p:nvPr/>
+          </p:nvSpPr>
+          <p:spPr>
+            <a:xfrm>
+              <a:off x="5530995" y="2261119"/>
+              <a:ext cx="431800" cy="444500"/>
+            </a:xfrm>
+            <a:custGeom>
+              <a:avLst/>
+              <a:gdLst>
+                <a:gd name="connsiteX0" fmla="*/ 0 w 431800"/>
+                <a:gd name="connsiteY0" fmla="*/ 444500 h 444500"/>
+                <a:gd name="connsiteX1" fmla="*/ 154940 w 431800"/>
+                <a:gd name="connsiteY1" fmla="*/ 421640 h 444500"/>
+                <a:gd name="connsiteX2" fmla="*/ 304800 w 431800"/>
+                <a:gd name="connsiteY2" fmla="*/ 345440 h 444500"/>
+                <a:gd name="connsiteX3" fmla="*/ 401320 w 431800"/>
+                <a:gd name="connsiteY3" fmla="*/ 144780 h 444500"/>
+                <a:gd name="connsiteX4" fmla="*/ 431800 w 431800"/>
+                <a:gd name="connsiteY4" fmla="*/ 0 h 444500"/>
+                <a:gd name="connsiteX0" fmla="*/ 0 w 431800"/>
+                <a:gd name="connsiteY0" fmla="*/ 444500 h 444500"/>
+                <a:gd name="connsiteX1" fmla="*/ 154940 w 431800"/>
+                <a:gd name="connsiteY1" fmla="*/ 421640 h 444500"/>
+                <a:gd name="connsiteX2" fmla="*/ 281940 w 431800"/>
+                <a:gd name="connsiteY2" fmla="*/ 326390 h 444500"/>
+                <a:gd name="connsiteX3" fmla="*/ 401320 w 431800"/>
+                <a:gd name="connsiteY3" fmla="*/ 144780 h 444500"/>
+                <a:gd name="connsiteX4" fmla="*/ 431800 w 431800"/>
+                <a:gd name="connsiteY4" fmla="*/ 0 h 444500"/>
+                <a:gd name="connsiteX0" fmla="*/ 0 w 431800"/>
+                <a:gd name="connsiteY0" fmla="*/ 444500 h 444500"/>
+                <a:gd name="connsiteX1" fmla="*/ 154940 w 431800"/>
+                <a:gd name="connsiteY1" fmla="*/ 421640 h 444500"/>
+                <a:gd name="connsiteX2" fmla="*/ 308610 w 431800"/>
+                <a:gd name="connsiteY2" fmla="*/ 322580 h 444500"/>
+                <a:gd name="connsiteX3" fmla="*/ 401320 w 431800"/>
+                <a:gd name="connsiteY3" fmla="*/ 144780 h 444500"/>
+                <a:gd name="connsiteX4" fmla="*/ 431800 w 431800"/>
+                <a:gd name="connsiteY4" fmla="*/ 0 h 444500"/>
+                <a:gd name="connsiteX0" fmla="*/ 0 w 431800"/>
+                <a:gd name="connsiteY0" fmla="*/ 444500 h 444500"/>
+                <a:gd name="connsiteX1" fmla="*/ 154940 w 431800"/>
+                <a:gd name="connsiteY1" fmla="*/ 406400 h 444500"/>
+                <a:gd name="connsiteX2" fmla="*/ 308610 w 431800"/>
+                <a:gd name="connsiteY2" fmla="*/ 322580 h 444500"/>
+                <a:gd name="connsiteX3" fmla="*/ 401320 w 431800"/>
+                <a:gd name="connsiteY3" fmla="*/ 144780 h 444500"/>
+                <a:gd name="connsiteX4" fmla="*/ 431800 w 431800"/>
+                <a:gd name="connsiteY4" fmla="*/ 0 h 444500"/>
+                <a:gd name="connsiteX0" fmla="*/ 0 w 431800"/>
+                <a:gd name="connsiteY0" fmla="*/ 444500 h 444500"/>
+                <a:gd name="connsiteX1" fmla="*/ 154940 w 431800"/>
+                <a:gd name="connsiteY1" fmla="*/ 406400 h 444500"/>
+                <a:gd name="connsiteX2" fmla="*/ 316230 w 431800"/>
+                <a:gd name="connsiteY2" fmla="*/ 307340 h 444500"/>
+                <a:gd name="connsiteX3" fmla="*/ 401320 w 431800"/>
+                <a:gd name="connsiteY3" fmla="*/ 144780 h 444500"/>
+                <a:gd name="connsiteX4" fmla="*/ 431800 w 431800"/>
+                <a:gd name="connsiteY4" fmla="*/ 0 h 444500"/>
+              </a:gdLst>
+              <a:ahLst/>
+              <a:cxnLst>
+                <a:cxn ang="0">
+                  <a:pos x="connsiteX0" y="connsiteY0"/>
+                </a:cxn>
+                <a:cxn ang="0">
+                  <a:pos x="connsiteX1" y="connsiteY1"/>
+                </a:cxn>
+                <a:cxn ang="0">
+                  <a:pos x="connsiteX2" y="connsiteY2"/>
+                </a:cxn>
+                <a:cxn ang="0">
+                  <a:pos x="connsiteX3" y="connsiteY3"/>
+                </a:cxn>
+                <a:cxn ang="0">
+                  <a:pos x="connsiteX4" y="connsiteY4"/>
+                </a:cxn>
+              </a:cxnLst>
+              <a:rect l="l" t="t" r="r" b="b"/>
+              <a:pathLst>
+                <a:path w="431800" h="444500">
+                  <a:moveTo>
+                    <a:pt x="0" y="444500"/>
+                  </a:moveTo>
+                  <a:cubicBezTo>
+                    <a:pt x="52070" y="441325"/>
+                    <a:pt x="102235" y="429260"/>
+                    <a:pt x="154940" y="406400"/>
+                  </a:cubicBezTo>
+                  <a:cubicBezTo>
+                    <a:pt x="207645" y="383540"/>
+                    <a:pt x="275167" y="350943"/>
+                    <a:pt x="316230" y="307340"/>
+                  </a:cubicBezTo>
+                  <a:cubicBezTo>
+                    <a:pt x="357293" y="263737"/>
+                    <a:pt x="382058" y="196003"/>
+                    <a:pt x="401320" y="144780"/>
+                  </a:cubicBezTo>
+                  <a:cubicBezTo>
+                    <a:pt x="420582" y="93557"/>
+                    <a:pt x="427143" y="43603"/>
+                    <a:pt x="431800" y="0"/>
+                  </a:cubicBezTo>
+                </a:path>
+              </a:pathLst>
+            </a:custGeom>
+            <a:noFill/>
+          </p:spPr>
+          <p:style>
+            <a:lnRef idx="2">
+              <a:schemeClr val="accent1">
+                <a:shade val="50000"/>
+              </a:schemeClr>
+            </a:lnRef>
+            <a:fillRef idx="1">
+              <a:schemeClr val="accent1"/>
+            </a:fillRef>
+            <a:effectRef idx="0">
+              <a:schemeClr val="accent1"/>
+            </a:effectRef>
+            <a:fontRef idx="minor">
+              <a:schemeClr val="lt1"/>
+            </a:fontRef>
+          </p:style>
+          <p:txBody>
+            <a:bodyPr rtlCol="0" anchor="ctr"/>
+            <a:lstStyle/>
+            <a:p>
+              <a:pPr algn="ctr"/>
+              <a:endParaRPr lang="it-IT"/>
+            </a:p>
+          </p:txBody>
+        </p:sp>
+        <p:sp>
+          <p:nvSpPr>
+            <p:cNvPr id="110" name="Figura a mano libera 109"/>
+            <p:cNvSpPr/>
+            <p:nvPr/>
+          </p:nvSpPr>
+          <p:spPr>
+            <a:xfrm>
+              <a:off x="5663027" y="1796430"/>
+              <a:ext cx="319493" cy="471314"/>
+            </a:xfrm>
+            <a:custGeom>
+              <a:avLst/>
+              <a:gdLst>
+                <a:gd name="connsiteX0" fmla="*/ 0 w 366213"/>
+                <a:gd name="connsiteY0" fmla="*/ 11430 h 468630"/>
+                <a:gd name="connsiteX1" fmla="*/ 99060 w 366213"/>
+                <a:gd name="connsiteY1" fmla="*/ 0 h 468630"/>
+                <a:gd name="connsiteX2" fmla="*/ 186690 w 366213"/>
+                <a:gd name="connsiteY2" fmla="*/ 11430 h 468630"/>
+                <a:gd name="connsiteX3" fmla="*/ 281940 w 366213"/>
+                <a:gd name="connsiteY3" fmla="*/ 60960 h 468630"/>
+                <a:gd name="connsiteX4" fmla="*/ 342900 w 366213"/>
+                <a:gd name="connsiteY4" fmla="*/ 133350 h 468630"/>
+                <a:gd name="connsiteX5" fmla="*/ 365760 w 366213"/>
+                <a:gd name="connsiteY5" fmla="*/ 240030 h 468630"/>
+                <a:gd name="connsiteX6" fmla="*/ 358140 w 366213"/>
+                <a:gd name="connsiteY6" fmla="*/ 339090 h 468630"/>
+                <a:gd name="connsiteX7" fmla="*/ 358140 w 366213"/>
+                <a:gd name="connsiteY7" fmla="*/ 415290 h 468630"/>
+                <a:gd name="connsiteX8" fmla="*/ 342900 w 366213"/>
+                <a:gd name="connsiteY8" fmla="*/ 468630 h 468630"/>
+              </a:gdLst>
+              <a:ahLst/>
+              <a:cxnLst>
+                <a:cxn ang="0">
+                  <a:pos x="connsiteX0" y="connsiteY0"/>
+                </a:cxn>
+                <a:cxn ang="0">
+                  <a:pos x="connsiteX1" y="connsiteY1"/>
+                </a:cxn>
+                <a:cxn ang="0">
+                  <a:pos x="connsiteX2" y="connsiteY2"/>
+                </a:cxn>
+                <a:cxn ang="0">
+                  <a:pos x="connsiteX3" y="connsiteY3"/>
+                </a:cxn>
+                <a:cxn ang="0">
+                  <a:pos x="connsiteX4" y="connsiteY4"/>
+                </a:cxn>
+                <a:cxn ang="0">
+                  <a:pos x="connsiteX5" y="connsiteY5"/>
+                </a:cxn>
+                <a:cxn ang="0">
+                  <a:pos x="connsiteX6" y="connsiteY6"/>
+                </a:cxn>
+                <a:cxn ang="0">
+                  <a:pos x="connsiteX7" y="connsiteY7"/>
+                </a:cxn>
+                <a:cxn ang="0">
+                  <a:pos x="connsiteX8" y="connsiteY8"/>
+                </a:cxn>
+              </a:cxnLst>
+              <a:rect l="l" t="t" r="r" b="b"/>
+              <a:pathLst>
+                <a:path w="366213" h="468630">
+                  <a:moveTo>
+                    <a:pt x="0" y="11430"/>
+                  </a:moveTo>
+                  <a:cubicBezTo>
+                    <a:pt x="33972" y="5715"/>
+                    <a:pt x="67945" y="0"/>
+                    <a:pt x="99060" y="0"/>
+                  </a:cubicBezTo>
+                  <a:cubicBezTo>
+                    <a:pt x="130175" y="0"/>
+                    <a:pt x="156210" y="1270"/>
+                    <a:pt x="186690" y="11430"/>
+                  </a:cubicBezTo>
+                  <a:cubicBezTo>
+                    <a:pt x="217170" y="21590"/>
+                    <a:pt x="255905" y="40640"/>
+                    <a:pt x="281940" y="60960"/>
+                  </a:cubicBezTo>
+                  <a:cubicBezTo>
+                    <a:pt x="307975" y="81280"/>
+                    <a:pt x="328930" y="103505"/>
+                    <a:pt x="342900" y="133350"/>
+                  </a:cubicBezTo>
+                  <a:cubicBezTo>
+                    <a:pt x="356870" y="163195"/>
+                    <a:pt x="363220" y="205740"/>
+                    <a:pt x="365760" y="240030"/>
+                  </a:cubicBezTo>
+                  <a:cubicBezTo>
+                    <a:pt x="368300" y="274320"/>
+                    <a:pt x="359410" y="309880"/>
+                    <a:pt x="358140" y="339090"/>
+                  </a:cubicBezTo>
+                  <a:cubicBezTo>
+                    <a:pt x="356870" y="368300"/>
+                    <a:pt x="360680" y="393700"/>
+                    <a:pt x="358140" y="415290"/>
+                  </a:cubicBezTo>
+                  <a:cubicBezTo>
+                    <a:pt x="355600" y="436880"/>
+                    <a:pt x="349250" y="452755"/>
+                    <a:pt x="342900" y="468630"/>
+                  </a:cubicBezTo>
+                </a:path>
+              </a:pathLst>
+            </a:custGeom>
+            <a:noFill/>
+          </p:spPr>
+          <p:style>
+            <a:lnRef idx="2">
+              <a:schemeClr val="accent1">
+                <a:shade val="50000"/>
+              </a:schemeClr>
+            </a:lnRef>
+            <a:fillRef idx="1">
+              <a:schemeClr val="accent1"/>
+            </a:fillRef>
+            <a:effectRef idx="0">
+              <a:schemeClr val="accent1"/>
+            </a:effectRef>
+            <a:fontRef idx="minor">
+              <a:schemeClr val="lt1"/>
+            </a:fontRef>
+          </p:style>
+          <p:txBody>
+            <a:bodyPr rtlCol="0" anchor="ctr"/>
+            <a:lstStyle/>
+            <a:p>
+              <a:pPr algn="ctr"/>
+              <a:endParaRPr lang="it-IT">
+                <a:solidFill>
+                  <a:schemeClr val="lt1"/>
+                </a:solidFill>
+              </a:endParaRPr>
+            </a:p>
+          </p:txBody>
+        </p:sp>
+        <p:sp>
+          <p:nvSpPr>
+            <p:cNvPr id="22" name="Figura a mano libera 21"/>
+            <p:cNvSpPr/>
+            <p:nvPr/>
+          </p:nvSpPr>
+          <p:spPr>
+            <a:xfrm>
+              <a:off x="4530548" y="1897317"/>
+              <a:ext cx="503755" cy="335343"/>
+            </a:xfrm>
+            <a:custGeom>
+              <a:avLst/>
+              <a:gdLst>
+                <a:gd name="connsiteX0" fmla="*/ 177 w 495477"/>
+                <a:gd name="connsiteY0" fmla="*/ 335343 h 335343"/>
+                <a:gd name="connsiteX1" fmla="*/ 30657 w 495477"/>
+                <a:gd name="connsiteY1" fmla="*/ 175323 h 335343"/>
+                <a:gd name="connsiteX2" fmla="*/ 190677 w 495477"/>
+                <a:gd name="connsiteY2" fmla="*/ 45783 h 335343"/>
+                <a:gd name="connsiteX3" fmla="*/ 373557 w 495477"/>
+                <a:gd name="connsiteY3" fmla="*/ 63 h 335343"/>
+                <a:gd name="connsiteX4" fmla="*/ 495477 w 495477"/>
+                <a:gd name="connsiteY4" fmla="*/ 53403 h 335343"/>
+              </a:gdLst>
+              <a:ahLst/>
+              <a:cxnLst>
+                <a:cxn ang="0">
+                  <a:pos x="connsiteX0" y="connsiteY0"/>
+                </a:cxn>
+                <a:cxn ang="0">
+                  <a:pos x="connsiteX1" y="connsiteY1"/>
+                </a:cxn>
+                <a:cxn ang="0">
+                  <a:pos x="connsiteX2" y="connsiteY2"/>
+                </a:cxn>
+                <a:cxn ang="0">
+                  <a:pos x="connsiteX3" y="connsiteY3"/>
+                </a:cxn>
+                <a:cxn ang="0">
+                  <a:pos x="connsiteX4" y="connsiteY4"/>
+                </a:cxn>
+              </a:cxnLst>
+              <a:rect l="l" t="t" r="r" b="b"/>
+              <a:pathLst>
+                <a:path w="495477" h="335343">
+                  <a:moveTo>
+                    <a:pt x="177" y="335343"/>
+                  </a:moveTo>
+                  <a:cubicBezTo>
+                    <a:pt x="-458" y="279463"/>
+                    <a:pt x="-1093" y="223583"/>
+                    <a:pt x="30657" y="175323"/>
+                  </a:cubicBezTo>
+                  <a:cubicBezTo>
+                    <a:pt x="62407" y="127063"/>
+                    <a:pt x="133527" y="74993"/>
+                    <a:pt x="190677" y="45783"/>
+                  </a:cubicBezTo>
+                  <a:cubicBezTo>
+                    <a:pt x="247827" y="16573"/>
+                    <a:pt x="322757" y="-1207"/>
+                    <a:pt x="373557" y="63"/>
+                  </a:cubicBezTo>
+                  <a:cubicBezTo>
+                    <a:pt x="424357" y="1333"/>
+                    <a:pt x="459917" y="27368"/>
+                    <a:pt x="495477" y="53403"/>
+                  </a:cubicBezTo>
+                </a:path>
+              </a:pathLst>
+            </a:custGeom>
+            <a:noFill/>
+          </p:spPr>
+          <p:style>
+            <a:lnRef idx="2">
+              <a:schemeClr val="accent1">
+                <a:shade val="50000"/>
+              </a:schemeClr>
+            </a:lnRef>
+            <a:fillRef idx="1">
+              <a:schemeClr val="accent1"/>
+            </a:fillRef>
+            <a:effectRef idx="0">
+              <a:schemeClr val="accent1"/>
+            </a:effectRef>
+            <a:fontRef idx="minor">
+              <a:schemeClr val="lt1"/>
+            </a:fontRef>
+          </p:style>
+          <p:txBody>
+            <a:bodyPr rtlCol="0" anchor="ctr"/>
+            <a:lstStyle/>
+            <a:p>
+              <a:pPr algn="ctr"/>
+              <a:endParaRPr lang="en-GB"/>
+            </a:p>
+          </p:txBody>
+        </p:sp>
+        <p:sp>
+          <p:nvSpPr>
+            <p:cNvPr id="30" name="Figura a mano libera 29"/>
+            <p:cNvSpPr/>
+            <p:nvPr/>
+          </p:nvSpPr>
+          <p:spPr>
+            <a:xfrm>
+              <a:off x="5034914" y="1807732"/>
+              <a:ext cx="630028" cy="172753"/>
+            </a:xfrm>
+            <a:custGeom>
+              <a:avLst/>
+              <a:gdLst>
+                <a:gd name="connsiteX0" fmla="*/ 0 w 632460"/>
+                <a:gd name="connsiteY0" fmla="*/ 142875 h 173137"/>
+                <a:gd name="connsiteX1" fmla="*/ 163830 w 632460"/>
+                <a:gd name="connsiteY1" fmla="*/ 169545 h 173137"/>
+                <a:gd name="connsiteX2" fmla="*/ 493395 w 632460"/>
+                <a:gd name="connsiteY2" fmla="*/ 72390 h 173137"/>
+                <a:gd name="connsiteX3" fmla="*/ 558165 w 632460"/>
+                <a:gd name="connsiteY3" fmla="*/ 19050 h 173137"/>
+                <a:gd name="connsiteX4" fmla="*/ 632460 w 632460"/>
+                <a:gd name="connsiteY4" fmla="*/ 0 h 173137"/>
+                <a:gd name="connsiteX0" fmla="*/ 0 w 632460"/>
+                <a:gd name="connsiteY0" fmla="*/ 142875 h 172640"/>
+                <a:gd name="connsiteX1" fmla="*/ 163830 w 632460"/>
+                <a:gd name="connsiteY1" fmla="*/ 169545 h 172640"/>
+                <a:gd name="connsiteX2" fmla="*/ 386334 w 632460"/>
+                <a:gd name="connsiteY2" fmla="*/ 80005 h 172640"/>
+                <a:gd name="connsiteX3" fmla="*/ 558165 w 632460"/>
+                <a:gd name="connsiteY3" fmla="*/ 19050 h 172640"/>
+                <a:gd name="connsiteX4" fmla="*/ 632460 w 632460"/>
+                <a:gd name="connsiteY4" fmla="*/ 0 h 172640"/>
+                <a:gd name="connsiteX0" fmla="*/ 0 w 632460"/>
+                <a:gd name="connsiteY0" fmla="*/ 142875 h 172640"/>
+                <a:gd name="connsiteX1" fmla="*/ 163830 w 632460"/>
+                <a:gd name="connsiteY1" fmla="*/ 169545 h 172640"/>
+                <a:gd name="connsiteX2" fmla="*/ 386334 w 632460"/>
+                <a:gd name="connsiteY2" fmla="*/ 80005 h 172640"/>
+                <a:gd name="connsiteX3" fmla="*/ 520599 w 632460"/>
+                <a:gd name="connsiteY3" fmla="*/ 19050 h 172640"/>
+                <a:gd name="connsiteX4" fmla="*/ 632460 w 632460"/>
+                <a:gd name="connsiteY4" fmla="*/ 0 h 172640"/>
+                <a:gd name="connsiteX0" fmla="*/ 0 w 626825"/>
+                <a:gd name="connsiteY0" fmla="*/ 140971 h 170736"/>
+                <a:gd name="connsiteX1" fmla="*/ 163830 w 626825"/>
+                <a:gd name="connsiteY1" fmla="*/ 167641 h 170736"/>
+                <a:gd name="connsiteX2" fmla="*/ 386334 w 626825"/>
+                <a:gd name="connsiteY2" fmla="*/ 78101 h 170736"/>
+                <a:gd name="connsiteX3" fmla="*/ 520599 w 626825"/>
+                <a:gd name="connsiteY3" fmla="*/ 17146 h 170736"/>
+                <a:gd name="connsiteX4" fmla="*/ 626825 w 626825"/>
+                <a:gd name="connsiteY4" fmla="*/ 0 h 170736"/>
+                <a:gd name="connsiteX0" fmla="*/ 0 w 626825"/>
+                <a:gd name="connsiteY0" fmla="*/ 137163 h 166928"/>
+                <a:gd name="connsiteX1" fmla="*/ 163830 w 626825"/>
+                <a:gd name="connsiteY1" fmla="*/ 163833 h 166928"/>
+                <a:gd name="connsiteX2" fmla="*/ 386334 w 626825"/>
+                <a:gd name="connsiteY2" fmla="*/ 74293 h 166928"/>
+                <a:gd name="connsiteX3" fmla="*/ 520599 w 626825"/>
+                <a:gd name="connsiteY3" fmla="*/ 13338 h 166928"/>
+                <a:gd name="connsiteX4" fmla="*/ 626825 w 626825"/>
+                <a:gd name="connsiteY4" fmla="*/ 0 h 166928"/>
+                <a:gd name="connsiteX0" fmla="*/ 0 w 617434"/>
+                <a:gd name="connsiteY0" fmla="*/ 158104 h 187869"/>
+                <a:gd name="connsiteX1" fmla="*/ 163830 w 617434"/>
+                <a:gd name="connsiteY1" fmla="*/ 184774 h 187869"/>
+                <a:gd name="connsiteX2" fmla="*/ 386334 w 617434"/>
+                <a:gd name="connsiteY2" fmla="*/ 95234 h 187869"/>
+                <a:gd name="connsiteX3" fmla="*/ 520599 w 617434"/>
+                <a:gd name="connsiteY3" fmla="*/ 34279 h 187869"/>
+                <a:gd name="connsiteX4" fmla="*/ 617434 w 617434"/>
+                <a:gd name="connsiteY4" fmla="*/ 0 h 187869"/>
+                <a:gd name="connsiteX0" fmla="*/ 0 w 621191"/>
+                <a:gd name="connsiteY0" fmla="*/ 142874 h 172639"/>
+                <a:gd name="connsiteX1" fmla="*/ 163830 w 621191"/>
+                <a:gd name="connsiteY1" fmla="*/ 169544 h 172639"/>
+                <a:gd name="connsiteX2" fmla="*/ 386334 w 621191"/>
+                <a:gd name="connsiteY2" fmla="*/ 80004 h 172639"/>
+                <a:gd name="connsiteX3" fmla="*/ 520599 w 621191"/>
+                <a:gd name="connsiteY3" fmla="*/ 19049 h 172639"/>
+                <a:gd name="connsiteX4" fmla="*/ 621191 w 621191"/>
+                <a:gd name="connsiteY4" fmla="*/ 0 h 172639"/>
+              </a:gdLst>
+              <a:ahLst/>
+              <a:cxnLst>
+                <a:cxn ang="0">
+                  <a:pos x="connsiteX0" y="connsiteY0"/>
+                </a:cxn>
+                <a:cxn ang="0">
+                  <a:pos x="connsiteX1" y="connsiteY1"/>
+                </a:cxn>
+                <a:cxn ang="0">
+                  <a:pos x="connsiteX2" y="connsiteY2"/>
+                </a:cxn>
+                <a:cxn ang="0">
+                  <a:pos x="connsiteX3" y="connsiteY3"/>
+                </a:cxn>
+                <a:cxn ang="0">
+                  <a:pos x="connsiteX4" y="connsiteY4"/>
+                </a:cxn>
+              </a:cxnLst>
+              <a:rect l="l" t="t" r="r" b="b"/>
+              <a:pathLst>
+                <a:path w="621191" h="172639">
+                  <a:moveTo>
+                    <a:pt x="0" y="142874"/>
+                  </a:moveTo>
+                  <a:cubicBezTo>
+                    <a:pt x="40798" y="162083"/>
+                    <a:pt x="99441" y="180022"/>
+                    <a:pt x="163830" y="169544"/>
+                  </a:cubicBezTo>
+                  <a:cubicBezTo>
+                    <a:pt x="228219" y="159066"/>
+                    <a:pt x="326873" y="105086"/>
+                    <a:pt x="386334" y="80004"/>
+                  </a:cubicBezTo>
+                  <a:cubicBezTo>
+                    <a:pt x="445795" y="54922"/>
+                    <a:pt x="481456" y="32383"/>
+                    <a:pt x="520599" y="19049"/>
+                  </a:cubicBezTo>
+                  <a:cubicBezTo>
+                    <a:pt x="559742" y="5715"/>
+                    <a:pt x="595632" y="3492"/>
+                    <a:pt x="621191" y="0"/>
+                  </a:cubicBezTo>
+                </a:path>
+              </a:pathLst>
+            </a:custGeom>
+            <a:noFill/>
+          </p:spPr>
+          <p:style>
+            <a:lnRef idx="2">
+              <a:schemeClr val="accent1">
+                <a:shade val="50000"/>
+              </a:schemeClr>
+            </a:lnRef>
+            <a:fillRef idx="1">
+              <a:schemeClr val="accent1"/>
+            </a:fillRef>
+            <a:effectRef idx="0">
+              <a:schemeClr val="accent1"/>
+            </a:effectRef>
+            <a:fontRef idx="minor">
+              <a:schemeClr val="lt1"/>
+            </a:fontRef>
+          </p:style>
+          <p:txBody>
+            <a:bodyPr rtlCol="0" anchor="ctr"/>
+            <a:lstStyle/>
+            <a:p>
+              <a:pPr algn="ctr"/>
+              <a:endParaRPr lang="en-GB"/>
+            </a:p>
+          </p:txBody>
+        </p:sp>
+      </p:grpSp>
+      <p:grpSp>
+        <p:nvGrpSpPr>
+          <p:cNvPr id="39" name="Gruppo 38"/>
+          <p:cNvGrpSpPr/>
           <p:nvPr/>
-        </p:nvCxnSpPr>
-        <p:spPr>
+        </p:nvGrpSpPr>
+        <p:grpSpPr>
           <a:xfrm>
-            <a:off x="1794295" y="2939410"/>
-            <a:ext cx="1391919" cy="0"/>
+            <a:off x="2705486" y="1753465"/>
+            <a:ext cx="1538674" cy="1042290"/>
+            <a:chOff x="2940111" y="1732894"/>
+            <a:chExt cx="1538674" cy="1042290"/>
           </a:xfrm>
-          <a:prstGeom prst="line">
-            <a:avLst/>
-          </a:prstGeom>
-          <a:ln w="38100"/>
-        </p:spPr>
-        <p:style>
-          <a:lnRef idx="3">
-            <a:schemeClr val="dk1"/>
-          </a:lnRef>
-          <a:fillRef idx="0">
-            <a:schemeClr val="dk1"/>
-          </a:fillRef>
-          <a:effectRef idx="2">
-            <a:schemeClr val="dk1"/>
-          </a:effectRef>
-          <a:fontRef idx="minor">
-            <a:schemeClr val="tx1"/>
-          </a:fontRef>
-        </p:style>
-      </p:cxnSp>
-      <p:cxnSp>
-        <p:nvCxnSpPr>
-          <p:cNvPr id="8" name="Connettore 1 7"/>
-          <p:cNvCxnSpPr/>
+        </p:grpSpPr>
+        <p:sp>
+          <p:nvSpPr>
+            <p:cNvPr id="131" name="Figura a mano libera 130"/>
+            <p:cNvSpPr/>
+            <p:nvPr/>
+          </p:nvSpPr>
+          <p:spPr>
+            <a:xfrm>
+              <a:off x="3412157" y="1979542"/>
+              <a:ext cx="625166" cy="751805"/>
+            </a:xfrm>
+            <a:custGeom>
+              <a:avLst/>
+              <a:gdLst>
+                <a:gd name="connsiteX0" fmla="*/ 435837 w 2337687"/>
+                <a:gd name="connsiteY0" fmla="*/ 0 h 2648309"/>
+                <a:gd name="connsiteX1" fmla="*/ 4516 w 2337687"/>
+                <a:gd name="connsiteY1" fmla="*/ 923026 h 2648309"/>
+                <a:gd name="connsiteX2" fmla="*/ 677376 w 2337687"/>
+                <a:gd name="connsiteY2" fmla="*/ 1535501 h 2648309"/>
+                <a:gd name="connsiteX3" fmla="*/ 1695293 w 2337687"/>
+                <a:gd name="connsiteY3" fmla="*/ 1647645 h 2648309"/>
+                <a:gd name="connsiteX4" fmla="*/ 2307769 w 2337687"/>
+                <a:gd name="connsiteY4" fmla="*/ 2380890 h 2648309"/>
+                <a:gd name="connsiteX5" fmla="*/ 2238757 w 2337687"/>
+                <a:gd name="connsiteY5" fmla="*/ 2648309 h 2648309"/>
+              </a:gdLst>
+              <a:ahLst/>
+              <a:cxnLst>
+                <a:cxn ang="0">
+                  <a:pos x="connsiteX0" y="connsiteY0"/>
+                </a:cxn>
+                <a:cxn ang="0">
+                  <a:pos x="connsiteX1" y="connsiteY1"/>
+                </a:cxn>
+                <a:cxn ang="0">
+                  <a:pos x="connsiteX2" y="connsiteY2"/>
+                </a:cxn>
+                <a:cxn ang="0">
+                  <a:pos x="connsiteX3" y="connsiteY3"/>
+                </a:cxn>
+                <a:cxn ang="0">
+                  <a:pos x="connsiteX4" y="connsiteY4"/>
+                </a:cxn>
+                <a:cxn ang="0">
+                  <a:pos x="connsiteX5" y="connsiteY5"/>
+                </a:cxn>
+              </a:cxnLst>
+              <a:rect l="l" t="t" r="r" b="b"/>
+              <a:pathLst>
+                <a:path w="2337687" h="2648309">
+                  <a:moveTo>
+                    <a:pt x="435837" y="0"/>
+                  </a:moveTo>
+                  <a:cubicBezTo>
+                    <a:pt x="200048" y="333554"/>
+                    <a:pt x="-35740" y="667109"/>
+                    <a:pt x="4516" y="923026"/>
+                  </a:cubicBezTo>
+                  <a:cubicBezTo>
+                    <a:pt x="44772" y="1178943"/>
+                    <a:pt x="395580" y="1414731"/>
+                    <a:pt x="677376" y="1535501"/>
+                  </a:cubicBezTo>
+                  <a:cubicBezTo>
+                    <a:pt x="959172" y="1656271"/>
+                    <a:pt x="1423561" y="1506747"/>
+                    <a:pt x="1695293" y="1647645"/>
+                  </a:cubicBezTo>
+                  <a:cubicBezTo>
+                    <a:pt x="1967025" y="1788543"/>
+                    <a:pt x="2217192" y="2214113"/>
+                    <a:pt x="2307769" y="2380890"/>
+                  </a:cubicBezTo>
+                  <a:cubicBezTo>
+                    <a:pt x="2398346" y="2547667"/>
+                    <a:pt x="2256010" y="2603739"/>
+                    <a:pt x="2238757" y="2648309"/>
+                  </a:cubicBezTo>
+                </a:path>
+              </a:pathLst>
+            </a:custGeom>
+            <a:noFill/>
+          </p:spPr>
+          <p:style>
+            <a:lnRef idx="2">
+              <a:schemeClr val="accent1">
+                <a:shade val="50000"/>
+              </a:schemeClr>
+            </a:lnRef>
+            <a:fillRef idx="1">
+              <a:schemeClr val="accent1"/>
+            </a:fillRef>
+            <a:effectRef idx="0">
+              <a:schemeClr val="accent1"/>
+            </a:effectRef>
+            <a:fontRef idx="minor">
+              <a:schemeClr val="lt1"/>
+            </a:fontRef>
+          </p:style>
+          <p:txBody>
+            <a:bodyPr rtlCol="0" anchor="ctr"/>
+            <a:lstStyle/>
+            <a:p>
+              <a:pPr algn="ctr"/>
+              <a:endParaRPr lang="it-IT"/>
+            </a:p>
+          </p:txBody>
+        </p:sp>
+        <p:sp>
+          <p:nvSpPr>
+            <p:cNvPr id="132" name="Figura a mano libera 131"/>
+            <p:cNvSpPr/>
+            <p:nvPr/>
+          </p:nvSpPr>
+          <p:spPr>
+            <a:xfrm>
+              <a:off x="3834194" y="2222654"/>
+              <a:ext cx="624866" cy="209833"/>
+            </a:xfrm>
+            <a:custGeom>
+              <a:avLst/>
+              <a:gdLst>
+                <a:gd name="connsiteX0" fmla="*/ 0 w 2340864"/>
+                <a:gd name="connsiteY0" fmla="*/ 738412 h 738412"/>
+                <a:gd name="connsiteX1" fmla="*/ 249936 w 2340864"/>
+                <a:gd name="connsiteY1" fmla="*/ 348268 h 738412"/>
+                <a:gd name="connsiteX2" fmla="*/ 719328 w 2340864"/>
+                <a:gd name="connsiteY2" fmla="*/ 796 h 738412"/>
+                <a:gd name="connsiteX3" fmla="*/ 1554480 w 2340864"/>
+                <a:gd name="connsiteY3" fmla="*/ 250732 h 738412"/>
+                <a:gd name="connsiteX4" fmla="*/ 2023872 w 2340864"/>
+                <a:gd name="connsiteY4" fmla="*/ 171484 h 738412"/>
+                <a:gd name="connsiteX5" fmla="*/ 2340864 w 2340864"/>
+                <a:gd name="connsiteY5" fmla="*/ 244636 h 738412"/>
+              </a:gdLst>
+              <a:ahLst/>
+              <a:cxnLst>
+                <a:cxn ang="0">
+                  <a:pos x="connsiteX0" y="connsiteY0"/>
+                </a:cxn>
+                <a:cxn ang="0">
+                  <a:pos x="connsiteX1" y="connsiteY1"/>
+                </a:cxn>
+                <a:cxn ang="0">
+                  <a:pos x="connsiteX2" y="connsiteY2"/>
+                </a:cxn>
+                <a:cxn ang="0">
+                  <a:pos x="connsiteX3" y="connsiteY3"/>
+                </a:cxn>
+                <a:cxn ang="0">
+                  <a:pos x="connsiteX4" y="connsiteY4"/>
+                </a:cxn>
+                <a:cxn ang="0">
+                  <a:pos x="connsiteX5" y="connsiteY5"/>
+                </a:cxn>
+              </a:cxnLst>
+              <a:rect l="l" t="t" r="r" b="b"/>
+              <a:pathLst>
+                <a:path w="2340864" h="738412">
+                  <a:moveTo>
+                    <a:pt x="0" y="738412"/>
+                  </a:moveTo>
+                  <a:cubicBezTo>
+                    <a:pt x="65024" y="604808"/>
+                    <a:pt x="130048" y="471204"/>
+                    <a:pt x="249936" y="348268"/>
+                  </a:cubicBezTo>
+                  <a:cubicBezTo>
+                    <a:pt x="369824" y="225332"/>
+                    <a:pt x="501904" y="17052"/>
+                    <a:pt x="719328" y="796"/>
+                  </a:cubicBezTo>
+                  <a:cubicBezTo>
+                    <a:pt x="936752" y="-15460"/>
+                    <a:pt x="1337056" y="222284"/>
+                    <a:pt x="1554480" y="250732"/>
+                  </a:cubicBezTo>
+                  <a:cubicBezTo>
+                    <a:pt x="1771904" y="279180"/>
+                    <a:pt x="1892808" y="172500"/>
+                    <a:pt x="2023872" y="171484"/>
+                  </a:cubicBezTo>
+                  <a:cubicBezTo>
+                    <a:pt x="2154936" y="170468"/>
+                    <a:pt x="2247900" y="207552"/>
+                    <a:pt x="2340864" y="244636"/>
+                  </a:cubicBezTo>
+                </a:path>
+              </a:pathLst>
+            </a:custGeom>
+            <a:noFill/>
+          </p:spPr>
+          <p:style>
+            <a:lnRef idx="2">
+              <a:schemeClr val="accent1">
+                <a:shade val="50000"/>
+              </a:schemeClr>
+            </a:lnRef>
+            <a:fillRef idx="1">
+              <a:schemeClr val="accent1"/>
+            </a:fillRef>
+            <a:effectRef idx="0">
+              <a:schemeClr val="accent1"/>
+            </a:effectRef>
+            <a:fontRef idx="minor">
+              <a:schemeClr val="lt1"/>
+            </a:fontRef>
+          </p:style>
+          <p:txBody>
+            <a:bodyPr rtlCol="0" anchor="ctr"/>
+            <a:lstStyle/>
+            <a:p>
+              <a:pPr algn="ctr"/>
+              <a:endParaRPr lang="it-IT"/>
+            </a:p>
+          </p:txBody>
+        </p:sp>
+        <p:sp>
+          <p:nvSpPr>
+            <p:cNvPr id="134" name="Figura a mano libera 133"/>
+            <p:cNvSpPr/>
+            <p:nvPr/>
+          </p:nvSpPr>
+          <p:spPr>
+            <a:xfrm>
+              <a:off x="3268979" y="2366660"/>
+              <a:ext cx="244372" cy="337796"/>
+            </a:xfrm>
+            <a:custGeom>
+              <a:avLst/>
+              <a:gdLst>
+                <a:gd name="connsiteX0" fmla="*/ 896112 w 896112"/>
+                <a:gd name="connsiteY0" fmla="*/ 0 h 1188720"/>
+                <a:gd name="connsiteX1" fmla="*/ 164592 w 896112"/>
+                <a:gd name="connsiteY1" fmla="*/ 481584 h 1188720"/>
+                <a:gd name="connsiteX2" fmla="*/ 0 w 896112"/>
+                <a:gd name="connsiteY2" fmla="*/ 1188720 h 1188720"/>
+              </a:gdLst>
+              <a:ahLst/>
+              <a:cxnLst>
+                <a:cxn ang="0">
+                  <a:pos x="connsiteX0" y="connsiteY0"/>
+                </a:cxn>
+                <a:cxn ang="0">
+                  <a:pos x="connsiteX1" y="connsiteY1"/>
+                </a:cxn>
+                <a:cxn ang="0">
+                  <a:pos x="connsiteX2" y="connsiteY2"/>
+                </a:cxn>
+              </a:cxnLst>
+              <a:rect l="l" t="t" r="r" b="b"/>
+              <a:pathLst>
+                <a:path w="896112" h="1188720">
+                  <a:moveTo>
+                    <a:pt x="896112" y="0"/>
+                  </a:moveTo>
+                  <a:cubicBezTo>
+                    <a:pt x="605028" y="141732"/>
+                    <a:pt x="313944" y="283464"/>
+                    <a:pt x="164592" y="481584"/>
+                  </a:cubicBezTo>
+                  <a:cubicBezTo>
+                    <a:pt x="15240" y="679704"/>
+                    <a:pt x="7620" y="934212"/>
+                    <a:pt x="0" y="1188720"/>
+                  </a:cubicBezTo>
+                </a:path>
+              </a:pathLst>
+            </a:custGeom>
+            <a:noFill/>
+          </p:spPr>
+          <p:style>
+            <a:lnRef idx="2">
+              <a:schemeClr val="accent1">
+                <a:shade val="50000"/>
+              </a:schemeClr>
+            </a:lnRef>
+            <a:fillRef idx="1">
+              <a:schemeClr val="accent1"/>
+            </a:fillRef>
+            <a:effectRef idx="0">
+              <a:schemeClr val="accent1"/>
+            </a:effectRef>
+            <a:fontRef idx="minor">
+              <a:schemeClr val="lt1"/>
+            </a:fontRef>
+          </p:style>
+          <p:txBody>
+            <a:bodyPr rtlCol="0" anchor="ctr"/>
+            <a:lstStyle/>
+            <a:p>
+              <a:pPr algn="ctr"/>
+              <a:endParaRPr lang="it-IT"/>
+            </a:p>
+          </p:txBody>
+        </p:sp>
+        <p:sp>
+          <p:nvSpPr>
+            <p:cNvPr id="135" name="Figura a mano libera 134"/>
+            <p:cNvSpPr/>
+            <p:nvPr/>
+          </p:nvSpPr>
+          <p:spPr>
+            <a:xfrm>
+              <a:off x="3030487" y="2229244"/>
+              <a:ext cx="309975" cy="239621"/>
+            </a:xfrm>
+            <a:custGeom>
+              <a:avLst/>
+              <a:gdLst>
+                <a:gd name="connsiteX0" fmla="*/ 1115568 w 1115568"/>
+                <a:gd name="connsiteY0" fmla="*/ 821643 h 821643"/>
+                <a:gd name="connsiteX1" fmla="*/ 694944 w 1115568"/>
+                <a:gd name="connsiteY1" fmla="*/ 547323 h 821643"/>
+                <a:gd name="connsiteX2" fmla="*/ 597408 w 1115568"/>
+                <a:gd name="connsiteY2" fmla="*/ 41355 h 821643"/>
+                <a:gd name="connsiteX3" fmla="*/ 0 w 1115568"/>
+                <a:gd name="connsiteY3" fmla="*/ 65739 h 821643"/>
+              </a:gdLst>
+              <a:ahLst/>
+              <a:cxnLst>
+                <a:cxn ang="0">
+                  <a:pos x="connsiteX0" y="connsiteY0"/>
+                </a:cxn>
+                <a:cxn ang="0">
+                  <a:pos x="connsiteX1" y="connsiteY1"/>
+                </a:cxn>
+                <a:cxn ang="0">
+                  <a:pos x="connsiteX2" y="connsiteY2"/>
+                </a:cxn>
+                <a:cxn ang="0">
+                  <a:pos x="connsiteX3" y="connsiteY3"/>
+                </a:cxn>
+              </a:cxnLst>
+              <a:rect l="l" t="t" r="r" b="b"/>
+              <a:pathLst>
+                <a:path w="1115568" h="821643">
+                  <a:moveTo>
+                    <a:pt x="1115568" y="821643"/>
+                  </a:moveTo>
+                  <a:cubicBezTo>
+                    <a:pt x="948436" y="749507"/>
+                    <a:pt x="781304" y="677371"/>
+                    <a:pt x="694944" y="547323"/>
+                  </a:cubicBezTo>
+                  <a:cubicBezTo>
+                    <a:pt x="608584" y="417275"/>
+                    <a:pt x="713232" y="121619"/>
+                    <a:pt x="597408" y="41355"/>
+                  </a:cubicBezTo>
+                  <a:cubicBezTo>
+                    <a:pt x="481584" y="-38909"/>
+                    <a:pt x="240792" y="13415"/>
+                    <a:pt x="0" y="65739"/>
+                  </a:cubicBezTo>
+                </a:path>
+              </a:pathLst>
+            </a:custGeom>
+            <a:ln>
+              <a:prstDash val="sysDash"/>
+            </a:ln>
+          </p:spPr>
+          <p:style>
+            <a:lnRef idx="1">
+              <a:schemeClr val="accent4"/>
+            </a:lnRef>
+            <a:fillRef idx="0">
+              <a:schemeClr val="accent4"/>
+            </a:fillRef>
+            <a:effectRef idx="0">
+              <a:schemeClr val="accent4"/>
+            </a:effectRef>
+            <a:fontRef idx="minor">
+              <a:schemeClr val="tx1"/>
+            </a:fontRef>
+          </p:style>
+          <p:txBody>
+            <a:bodyPr rtlCol="0" anchor="ctr"/>
+            <a:lstStyle/>
+            <a:p>
+              <a:pPr algn="ctr"/>
+              <a:endParaRPr lang="it-IT">
+                <a:solidFill>
+                  <a:schemeClr val="tx1"/>
+                </a:solidFill>
+              </a:endParaRPr>
+            </a:p>
+          </p:txBody>
+        </p:sp>
+        <p:sp>
+          <p:nvSpPr>
+            <p:cNvPr id="136" name="CasellaDiTesto 135"/>
+            <p:cNvSpPr txBox="1"/>
+            <p:nvPr/>
+          </p:nvSpPr>
+          <p:spPr>
+            <a:xfrm>
+              <a:off x="3643301" y="2060720"/>
+              <a:ext cx="256802" cy="261610"/>
+            </a:xfrm>
+            <a:prstGeom prst="rect">
+              <a:avLst/>
+            </a:prstGeom>
+            <a:noFill/>
+          </p:spPr>
+          <p:txBody>
+            <a:bodyPr wrap="none" rtlCol="0">
+              <a:spAutoFit/>
+            </a:bodyPr>
+            <a:lstStyle/>
+            <a:p>
+              <a:r>
+                <a:rPr lang="en-GB" sz="1050" dirty="0" smtClean="0"/>
+                <a:t>4</a:t>
+              </a:r>
+              <a:endParaRPr lang="en-GB" sz="1050" dirty="0"/>
+            </a:p>
+          </p:txBody>
+        </p:sp>
+        <p:sp>
+          <p:nvSpPr>
+            <p:cNvPr id="138" name="CasellaDiTesto 137"/>
+            <p:cNvSpPr txBox="1"/>
+            <p:nvPr/>
+          </p:nvSpPr>
+          <p:spPr>
+            <a:xfrm>
+              <a:off x="4021029" y="2358997"/>
+              <a:ext cx="256802" cy="261610"/>
+            </a:xfrm>
+            <a:prstGeom prst="rect">
+              <a:avLst/>
+            </a:prstGeom>
+            <a:noFill/>
+          </p:spPr>
+          <p:txBody>
+            <a:bodyPr wrap="none" rtlCol="0">
+              <a:spAutoFit/>
+            </a:bodyPr>
+            <a:lstStyle/>
+            <a:p>
+              <a:r>
+                <a:rPr lang="en-GB" sz="1050" dirty="0" smtClean="0"/>
+                <a:t>3</a:t>
+              </a:r>
+              <a:endParaRPr lang="en-GB" sz="1050" dirty="0"/>
+            </a:p>
+          </p:txBody>
+        </p:sp>
+        <p:sp>
+          <p:nvSpPr>
+            <p:cNvPr id="139" name="CasellaDiTesto 138"/>
+            <p:cNvSpPr txBox="1"/>
+            <p:nvPr/>
+          </p:nvSpPr>
+          <p:spPr>
+            <a:xfrm>
+              <a:off x="3510462" y="2513574"/>
+              <a:ext cx="256802" cy="261610"/>
+            </a:xfrm>
+            <a:prstGeom prst="rect">
+              <a:avLst/>
+            </a:prstGeom>
+            <a:noFill/>
+          </p:spPr>
+          <p:txBody>
+            <a:bodyPr wrap="none" rtlCol="0">
+              <a:spAutoFit/>
+            </a:bodyPr>
+            <a:lstStyle/>
+            <a:p>
+              <a:r>
+                <a:rPr lang="en-GB" sz="1050" dirty="0"/>
+                <a:t>5</a:t>
+              </a:r>
+            </a:p>
+          </p:txBody>
+        </p:sp>
+        <p:sp>
+          <p:nvSpPr>
+            <p:cNvPr id="140" name="CasellaDiTesto 139"/>
+            <p:cNvSpPr txBox="1"/>
+            <p:nvPr/>
+          </p:nvSpPr>
+          <p:spPr>
+            <a:xfrm>
+              <a:off x="3143220" y="2031862"/>
+              <a:ext cx="256802" cy="261610"/>
+            </a:xfrm>
+            <a:prstGeom prst="rect">
+              <a:avLst/>
+            </a:prstGeom>
+            <a:noFill/>
+          </p:spPr>
+          <p:txBody>
+            <a:bodyPr wrap="none" rtlCol="0">
+              <a:spAutoFit/>
+            </a:bodyPr>
+            <a:lstStyle/>
+            <a:p>
+              <a:r>
+                <a:rPr lang="en-GB" sz="1050" dirty="0" smtClean="0"/>
+                <a:t>4</a:t>
+              </a:r>
+              <a:endParaRPr lang="en-GB" sz="1050" dirty="0"/>
+            </a:p>
+          </p:txBody>
+        </p:sp>
+        <p:sp>
+          <p:nvSpPr>
+            <p:cNvPr id="141" name="CasellaDiTesto 140"/>
+            <p:cNvSpPr txBox="1"/>
+            <p:nvPr/>
+          </p:nvSpPr>
+          <p:spPr>
+            <a:xfrm>
+              <a:off x="3054004" y="2377080"/>
+              <a:ext cx="256802" cy="261610"/>
+            </a:xfrm>
+            <a:prstGeom prst="rect">
+              <a:avLst/>
+            </a:prstGeom>
+            <a:noFill/>
+          </p:spPr>
+          <p:txBody>
+            <a:bodyPr wrap="none" rtlCol="0">
+              <a:spAutoFit/>
+            </a:bodyPr>
+            <a:lstStyle/>
+            <a:p>
+              <a:r>
+                <a:rPr lang="en-GB" sz="1050" dirty="0" smtClean="0"/>
+                <a:t>3</a:t>
+              </a:r>
+              <a:endParaRPr lang="en-GB" sz="1050" dirty="0"/>
+            </a:p>
+          </p:txBody>
+        </p:sp>
+        <p:sp>
+          <p:nvSpPr>
+            <p:cNvPr id="142" name="CasellaDiTesto 141"/>
+            <p:cNvSpPr txBox="1"/>
+            <p:nvPr/>
+          </p:nvSpPr>
+          <p:spPr>
+            <a:xfrm>
+              <a:off x="2940111" y="1732894"/>
+              <a:ext cx="253596" cy="253916"/>
+            </a:xfrm>
+            <a:prstGeom prst="rect">
+              <a:avLst/>
+            </a:prstGeom>
+            <a:noFill/>
+          </p:spPr>
+          <p:txBody>
+            <a:bodyPr wrap="none" rtlCol="0">
+              <a:spAutoFit/>
+            </a:bodyPr>
+            <a:lstStyle/>
+            <a:p>
+              <a:r>
+                <a:rPr lang="en-GB" sz="1050" dirty="0"/>
+                <a:t>5</a:t>
+              </a:r>
+            </a:p>
+          </p:txBody>
+        </p:sp>
+        <p:sp>
+          <p:nvSpPr>
+            <p:cNvPr id="143" name="Figura a mano libera 142"/>
+            <p:cNvSpPr/>
+            <p:nvPr/>
+          </p:nvSpPr>
+          <p:spPr>
+            <a:xfrm>
+              <a:off x="3266993" y="2698588"/>
+              <a:ext cx="764540" cy="56025"/>
+            </a:xfrm>
+            <a:custGeom>
+              <a:avLst/>
+              <a:gdLst>
+                <a:gd name="connsiteX0" fmla="*/ 0 w 764540"/>
+                <a:gd name="connsiteY0" fmla="*/ 0 h 56025"/>
+                <a:gd name="connsiteX1" fmla="*/ 236220 w 764540"/>
+                <a:gd name="connsiteY1" fmla="*/ 40640 h 56025"/>
+                <a:gd name="connsiteX2" fmla="*/ 487680 w 764540"/>
+                <a:gd name="connsiteY2" fmla="*/ 55880 h 56025"/>
+                <a:gd name="connsiteX3" fmla="*/ 764540 w 764540"/>
+                <a:gd name="connsiteY3" fmla="*/ 33020 h 56025"/>
+              </a:gdLst>
+              <a:ahLst/>
+              <a:cxnLst>
+                <a:cxn ang="0">
+                  <a:pos x="connsiteX0" y="connsiteY0"/>
+                </a:cxn>
+                <a:cxn ang="0">
+                  <a:pos x="connsiteX1" y="connsiteY1"/>
+                </a:cxn>
+                <a:cxn ang="0">
+                  <a:pos x="connsiteX2" y="connsiteY2"/>
+                </a:cxn>
+                <a:cxn ang="0">
+                  <a:pos x="connsiteX3" y="connsiteY3"/>
+                </a:cxn>
+              </a:cxnLst>
+              <a:rect l="l" t="t" r="r" b="b"/>
+              <a:pathLst>
+                <a:path w="764540" h="56025">
+                  <a:moveTo>
+                    <a:pt x="0" y="0"/>
+                  </a:moveTo>
+                  <a:cubicBezTo>
+                    <a:pt x="77470" y="15663"/>
+                    <a:pt x="154940" y="31327"/>
+                    <a:pt x="236220" y="40640"/>
+                  </a:cubicBezTo>
+                  <a:cubicBezTo>
+                    <a:pt x="317500" y="49953"/>
+                    <a:pt x="399627" y="57150"/>
+                    <a:pt x="487680" y="55880"/>
+                  </a:cubicBezTo>
+                  <a:cubicBezTo>
+                    <a:pt x="575733" y="54610"/>
+                    <a:pt x="670136" y="43815"/>
+                    <a:pt x="764540" y="33020"/>
+                  </a:cubicBezTo>
+                </a:path>
+              </a:pathLst>
+            </a:custGeom>
+            <a:noFill/>
+          </p:spPr>
+          <p:style>
+            <a:lnRef idx="2">
+              <a:schemeClr val="accent1">
+                <a:shade val="50000"/>
+              </a:schemeClr>
+            </a:lnRef>
+            <a:fillRef idx="1">
+              <a:schemeClr val="accent1"/>
+            </a:fillRef>
+            <a:effectRef idx="0">
+              <a:schemeClr val="accent1"/>
+            </a:effectRef>
+            <a:fontRef idx="minor">
+              <a:schemeClr val="lt1"/>
+            </a:fontRef>
+          </p:style>
+          <p:txBody>
+            <a:bodyPr rtlCol="0" anchor="ctr"/>
+            <a:lstStyle/>
+            <a:p>
+              <a:pPr algn="ctr"/>
+              <a:endParaRPr lang="it-IT"/>
+            </a:p>
+          </p:txBody>
+        </p:sp>
+        <p:sp>
+          <p:nvSpPr>
+            <p:cNvPr id="144" name="Figura a mano libera 143"/>
+            <p:cNvSpPr/>
+            <p:nvPr/>
+          </p:nvSpPr>
+          <p:spPr>
+            <a:xfrm>
+              <a:off x="3024449" y="2245688"/>
+              <a:ext cx="246677" cy="453535"/>
+            </a:xfrm>
+            <a:custGeom>
+              <a:avLst/>
+              <a:gdLst>
+                <a:gd name="connsiteX0" fmla="*/ 0 w 233680"/>
+                <a:gd name="connsiteY0" fmla="*/ 0 h 452120"/>
+                <a:gd name="connsiteX1" fmla="*/ 27940 w 233680"/>
+                <a:gd name="connsiteY1" fmla="*/ 116840 h 452120"/>
+                <a:gd name="connsiteX2" fmla="*/ 50800 w 233680"/>
+                <a:gd name="connsiteY2" fmla="*/ 203200 h 452120"/>
+                <a:gd name="connsiteX3" fmla="*/ 76200 w 233680"/>
+                <a:gd name="connsiteY3" fmla="*/ 325120 h 452120"/>
+                <a:gd name="connsiteX4" fmla="*/ 96520 w 233680"/>
+                <a:gd name="connsiteY4" fmla="*/ 393700 h 452120"/>
+                <a:gd name="connsiteX5" fmla="*/ 144780 w 233680"/>
+                <a:gd name="connsiteY5" fmla="*/ 416560 h 452120"/>
+                <a:gd name="connsiteX6" fmla="*/ 233680 w 233680"/>
+                <a:gd name="connsiteY6" fmla="*/ 452120 h 452120"/>
+              </a:gdLst>
+              <a:ahLst/>
+              <a:cxnLst>
+                <a:cxn ang="0">
+                  <a:pos x="connsiteX0" y="connsiteY0"/>
+                </a:cxn>
+                <a:cxn ang="0">
+                  <a:pos x="connsiteX1" y="connsiteY1"/>
+                </a:cxn>
+                <a:cxn ang="0">
+                  <a:pos x="connsiteX2" y="connsiteY2"/>
+                </a:cxn>
+                <a:cxn ang="0">
+                  <a:pos x="connsiteX3" y="connsiteY3"/>
+                </a:cxn>
+                <a:cxn ang="0">
+                  <a:pos x="connsiteX4" y="connsiteY4"/>
+                </a:cxn>
+                <a:cxn ang="0">
+                  <a:pos x="connsiteX5" y="connsiteY5"/>
+                </a:cxn>
+                <a:cxn ang="0">
+                  <a:pos x="connsiteX6" y="connsiteY6"/>
+                </a:cxn>
+              </a:cxnLst>
+              <a:rect l="l" t="t" r="r" b="b"/>
+              <a:pathLst>
+                <a:path w="233680" h="452120">
+                  <a:moveTo>
+                    <a:pt x="0" y="0"/>
+                  </a:moveTo>
+                  <a:cubicBezTo>
+                    <a:pt x="9736" y="41486"/>
+                    <a:pt x="19473" y="82973"/>
+                    <a:pt x="27940" y="116840"/>
+                  </a:cubicBezTo>
+                  <a:cubicBezTo>
+                    <a:pt x="36407" y="150707"/>
+                    <a:pt x="42757" y="168487"/>
+                    <a:pt x="50800" y="203200"/>
+                  </a:cubicBezTo>
+                  <a:cubicBezTo>
+                    <a:pt x="58843" y="237913"/>
+                    <a:pt x="68580" y="293370"/>
+                    <a:pt x="76200" y="325120"/>
+                  </a:cubicBezTo>
+                  <a:cubicBezTo>
+                    <a:pt x="83820" y="356870"/>
+                    <a:pt x="85090" y="378460"/>
+                    <a:pt x="96520" y="393700"/>
+                  </a:cubicBezTo>
+                  <a:cubicBezTo>
+                    <a:pt x="107950" y="408940"/>
+                    <a:pt x="121920" y="406823"/>
+                    <a:pt x="144780" y="416560"/>
+                  </a:cubicBezTo>
+                  <a:cubicBezTo>
+                    <a:pt x="167640" y="426297"/>
+                    <a:pt x="200660" y="439208"/>
+                    <a:pt x="233680" y="452120"/>
+                  </a:cubicBezTo>
+                </a:path>
+              </a:pathLst>
+            </a:custGeom>
+            <a:noFill/>
+          </p:spPr>
+          <p:style>
+            <a:lnRef idx="2">
+              <a:schemeClr val="accent1">
+                <a:shade val="50000"/>
+              </a:schemeClr>
+            </a:lnRef>
+            <a:fillRef idx="1">
+              <a:schemeClr val="accent1"/>
+            </a:fillRef>
+            <a:effectRef idx="0">
+              <a:schemeClr val="accent1"/>
+            </a:effectRef>
+            <a:fontRef idx="minor">
+              <a:schemeClr val="lt1"/>
+            </a:fontRef>
+          </p:style>
+          <p:txBody>
+            <a:bodyPr rtlCol="0" anchor="ctr"/>
+            <a:lstStyle/>
+            <a:p>
+              <a:pPr algn="ctr"/>
+              <a:endParaRPr lang="it-IT"/>
+            </a:p>
+          </p:txBody>
+        </p:sp>
+        <p:sp>
+          <p:nvSpPr>
+            <p:cNvPr id="145" name="Figura a mano libera 144"/>
+            <p:cNvSpPr/>
+            <p:nvPr/>
+          </p:nvSpPr>
+          <p:spPr>
+            <a:xfrm>
+              <a:off x="4027260" y="2286847"/>
+              <a:ext cx="431800" cy="444500"/>
+            </a:xfrm>
+            <a:custGeom>
+              <a:avLst/>
+              <a:gdLst>
+                <a:gd name="connsiteX0" fmla="*/ 0 w 431800"/>
+                <a:gd name="connsiteY0" fmla="*/ 444500 h 444500"/>
+                <a:gd name="connsiteX1" fmla="*/ 154940 w 431800"/>
+                <a:gd name="connsiteY1" fmla="*/ 421640 h 444500"/>
+                <a:gd name="connsiteX2" fmla="*/ 304800 w 431800"/>
+                <a:gd name="connsiteY2" fmla="*/ 345440 h 444500"/>
+                <a:gd name="connsiteX3" fmla="*/ 401320 w 431800"/>
+                <a:gd name="connsiteY3" fmla="*/ 144780 h 444500"/>
+                <a:gd name="connsiteX4" fmla="*/ 431800 w 431800"/>
+                <a:gd name="connsiteY4" fmla="*/ 0 h 444500"/>
+                <a:gd name="connsiteX0" fmla="*/ 0 w 431800"/>
+                <a:gd name="connsiteY0" fmla="*/ 444500 h 444500"/>
+                <a:gd name="connsiteX1" fmla="*/ 154940 w 431800"/>
+                <a:gd name="connsiteY1" fmla="*/ 421640 h 444500"/>
+                <a:gd name="connsiteX2" fmla="*/ 281940 w 431800"/>
+                <a:gd name="connsiteY2" fmla="*/ 326390 h 444500"/>
+                <a:gd name="connsiteX3" fmla="*/ 401320 w 431800"/>
+                <a:gd name="connsiteY3" fmla="*/ 144780 h 444500"/>
+                <a:gd name="connsiteX4" fmla="*/ 431800 w 431800"/>
+                <a:gd name="connsiteY4" fmla="*/ 0 h 444500"/>
+                <a:gd name="connsiteX0" fmla="*/ 0 w 431800"/>
+                <a:gd name="connsiteY0" fmla="*/ 444500 h 444500"/>
+                <a:gd name="connsiteX1" fmla="*/ 154940 w 431800"/>
+                <a:gd name="connsiteY1" fmla="*/ 421640 h 444500"/>
+                <a:gd name="connsiteX2" fmla="*/ 308610 w 431800"/>
+                <a:gd name="connsiteY2" fmla="*/ 322580 h 444500"/>
+                <a:gd name="connsiteX3" fmla="*/ 401320 w 431800"/>
+                <a:gd name="connsiteY3" fmla="*/ 144780 h 444500"/>
+                <a:gd name="connsiteX4" fmla="*/ 431800 w 431800"/>
+                <a:gd name="connsiteY4" fmla="*/ 0 h 444500"/>
+                <a:gd name="connsiteX0" fmla="*/ 0 w 431800"/>
+                <a:gd name="connsiteY0" fmla="*/ 444500 h 444500"/>
+                <a:gd name="connsiteX1" fmla="*/ 154940 w 431800"/>
+                <a:gd name="connsiteY1" fmla="*/ 406400 h 444500"/>
+                <a:gd name="connsiteX2" fmla="*/ 308610 w 431800"/>
+                <a:gd name="connsiteY2" fmla="*/ 322580 h 444500"/>
+                <a:gd name="connsiteX3" fmla="*/ 401320 w 431800"/>
+                <a:gd name="connsiteY3" fmla="*/ 144780 h 444500"/>
+                <a:gd name="connsiteX4" fmla="*/ 431800 w 431800"/>
+                <a:gd name="connsiteY4" fmla="*/ 0 h 444500"/>
+                <a:gd name="connsiteX0" fmla="*/ 0 w 431800"/>
+                <a:gd name="connsiteY0" fmla="*/ 444500 h 444500"/>
+                <a:gd name="connsiteX1" fmla="*/ 154940 w 431800"/>
+                <a:gd name="connsiteY1" fmla="*/ 406400 h 444500"/>
+                <a:gd name="connsiteX2" fmla="*/ 316230 w 431800"/>
+                <a:gd name="connsiteY2" fmla="*/ 307340 h 444500"/>
+                <a:gd name="connsiteX3" fmla="*/ 401320 w 431800"/>
+                <a:gd name="connsiteY3" fmla="*/ 144780 h 444500"/>
+                <a:gd name="connsiteX4" fmla="*/ 431800 w 431800"/>
+                <a:gd name="connsiteY4" fmla="*/ 0 h 444500"/>
+              </a:gdLst>
+              <a:ahLst/>
+              <a:cxnLst>
+                <a:cxn ang="0">
+                  <a:pos x="connsiteX0" y="connsiteY0"/>
+                </a:cxn>
+                <a:cxn ang="0">
+                  <a:pos x="connsiteX1" y="connsiteY1"/>
+                </a:cxn>
+                <a:cxn ang="0">
+                  <a:pos x="connsiteX2" y="connsiteY2"/>
+                </a:cxn>
+                <a:cxn ang="0">
+                  <a:pos x="connsiteX3" y="connsiteY3"/>
+                </a:cxn>
+                <a:cxn ang="0">
+                  <a:pos x="connsiteX4" y="connsiteY4"/>
+                </a:cxn>
+              </a:cxnLst>
+              <a:rect l="l" t="t" r="r" b="b"/>
+              <a:pathLst>
+                <a:path w="431800" h="444500">
+                  <a:moveTo>
+                    <a:pt x="0" y="444500"/>
+                  </a:moveTo>
+                  <a:cubicBezTo>
+                    <a:pt x="52070" y="441325"/>
+                    <a:pt x="102235" y="429260"/>
+                    <a:pt x="154940" y="406400"/>
+                  </a:cubicBezTo>
+                  <a:cubicBezTo>
+                    <a:pt x="207645" y="383540"/>
+                    <a:pt x="275167" y="350943"/>
+                    <a:pt x="316230" y="307340"/>
+                  </a:cubicBezTo>
+                  <a:cubicBezTo>
+                    <a:pt x="357293" y="263737"/>
+                    <a:pt x="382058" y="196003"/>
+                    <a:pt x="401320" y="144780"/>
+                  </a:cubicBezTo>
+                  <a:cubicBezTo>
+                    <a:pt x="420582" y="93557"/>
+                    <a:pt x="427143" y="43603"/>
+                    <a:pt x="431800" y="0"/>
+                  </a:cubicBezTo>
+                </a:path>
+              </a:pathLst>
+            </a:custGeom>
+            <a:noFill/>
+          </p:spPr>
+          <p:style>
+            <a:lnRef idx="2">
+              <a:schemeClr val="accent1">
+                <a:shade val="50000"/>
+              </a:schemeClr>
+            </a:lnRef>
+            <a:fillRef idx="1">
+              <a:schemeClr val="accent1"/>
+            </a:fillRef>
+            <a:effectRef idx="0">
+              <a:schemeClr val="accent1"/>
+            </a:effectRef>
+            <a:fontRef idx="minor">
+              <a:schemeClr val="lt1"/>
+            </a:fontRef>
+          </p:style>
+          <p:txBody>
+            <a:bodyPr rtlCol="0" anchor="ctr"/>
+            <a:lstStyle/>
+            <a:p>
+              <a:pPr algn="ctr"/>
+              <a:endParaRPr lang="it-IT"/>
+            </a:p>
+          </p:txBody>
+        </p:sp>
+        <p:sp>
+          <p:nvSpPr>
+            <p:cNvPr id="146" name="Figura a mano libera 145"/>
+            <p:cNvSpPr/>
+            <p:nvPr/>
+          </p:nvSpPr>
+          <p:spPr>
+            <a:xfrm>
+              <a:off x="4159292" y="1822158"/>
+              <a:ext cx="319493" cy="471314"/>
+            </a:xfrm>
+            <a:custGeom>
+              <a:avLst/>
+              <a:gdLst>
+                <a:gd name="connsiteX0" fmla="*/ 0 w 366213"/>
+                <a:gd name="connsiteY0" fmla="*/ 11430 h 468630"/>
+                <a:gd name="connsiteX1" fmla="*/ 99060 w 366213"/>
+                <a:gd name="connsiteY1" fmla="*/ 0 h 468630"/>
+                <a:gd name="connsiteX2" fmla="*/ 186690 w 366213"/>
+                <a:gd name="connsiteY2" fmla="*/ 11430 h 468630"/>
+                <a:gd name="connsiteX3" fmla="*/ 281940 w 366213"/>
+                <a:gd name="connsiteY3" fmla="*/ 60960 h 468630"/>
+                <a:gd name="connsiteX4" fmla="*/ 342900 w 366213"/>
+                <a:gd name="connsiteY4" fmla="*/ 133350 h 468630"/>
+                <a:gd name="connsiteX5" fmla="*/ 365760 w 366213"/>
+                <a:gd name="connsiteY5" fmla="*/ 240030 h 468630"/>
+                <a:gd name="connsiteX6" fmla="*/ 358140 w 366213"/>
+                <a:gd name="connsiteY6" fmla="*/ 339090 h 468630"/>
+                <a:gd name="connsiteX7" fmla="*/ 358140 w 366213"/>
+                <a:gd name="connsiteY7" fmla="*/ 415290 h 468630"/>
+                <a:gd name="connsiteX8" fmla="*/ 342900 w 366213"/>
+                <a:gd name="connsiteY8" fmla="*/ 468630 h 468630"/>
+              </a:gdLst>
+              <a:ahLst/>
+              <a:cxnLst>
+                <a:cxn ang="0">
+                  <a:pos x="connsiteX0" y="connsiteY0"/>
+                </a:cxn>
+                <a:cxn ang="0">
+                  <a:pos x="connsiteX1" y="connsiteY1"/>
+                </a:cxn>
+                <a:cxn ang="0">
+                  <a:pos x="connsiteX2" y="connsiteY2"/>
+                </a:cxn>
+                <a:cxn ang="0">
+                  <a:pos x="connsiteX3" y="connsiteY3"/>
+                </a:cxn>
+                <a:cxn ang="0">
+                  <a:pos x="connsiteX4" y="connsiteY4"/>
+                </a:cxn>
+                <a:cxn ang="0">
+                  <a:pos x="connsiteX5" y="connsiteY5"/>
+                </a:cxn>
+                <a:cxn ang="0">
+                  <a:pos x="connsiteX6" y="connsiteY6"/>
+                </a:cxn>
+                <a:cxn ang="0">
+                  <a:pos x="connsiteX7" y="connsiteY7"/>
+                </a:cxn>
+                <a:cxn ang="0">
+                  <a:pos x="connsiteX8" y="connsiteY8"/>
+                </a:cxn>
+              </a:cxnLst>
+              <a:rect l="l" t="t" r="r" b="b"/>
+              <a:pathLst>
+                <a:path w="366213" h="468630">
+                  <a:moveTo>
+                    <a:pt x="0" y="11430"/>
+                  </a:moveTo>
+                  <a:cubicBezTo>
+                    <a:pt x="33972" y="5715"/>
+                    <a:pt x="67945" y="0"/>
+                    <a:pt x="99060" y="0"/>
+                  </a:cubicBezTo>
+                  <a:cubicBezTo>
+                    <a:pt x="130175" y="0"/>
+                    <a:pt x="156210" y="1270"/>
+                    <a:pt x="186690" y="11430"/>
+                  </a:cubicBezTo>
+                  <a:cubicBezTo>
+                    <a:pt x="217170" y="21590"/>
+                    <a:pt x="255905" y="40640"/>
+                    <a:pt x="281940" y="60960"/>
+                  </a:cubicBezTo>
+                  <a:cubicBezTo>
+                    <a:pt x="307975" y="81280"/>
+                    <a:pt x="328930" y="103505"/>
+                    <a:pt x="342900" y="133350"/>
+                  </a:cubicBezTo>
+                  <a:cubicBezTo>
+                    <a:pt x="356870" y="163195"/>
+                    <a:pt x="363220" y="205740"/>
+                    <a:pt x="365760" y="240030"/>
+                  </a:cubicBezTo>
+                  <a:cubicBezTo>
+                    <a:pt x="368300" y="274320"/>
+                    <a:pt x="359410" y="309880"/>
+                    <a:pt x="358140" y="339090"/>
+                  </a:cubicBezTo>
+                  <a:cubicBezTo>
+                    <a:pt x="356870" y="368300"/>
+                    <a:pt x="360680" y="393700"/>
+                    <a:pt x="358140" y="415290"/>
+                  </a:cubicBezTo>
+                  <a:cubicBezTo>
+                    <a:pt x="355600" y="436880"/>
+                    <a:pt x="349250" y="452755"/>
+                    <a:pt x="342900" y="468630"/>
+                  </a:cubicBezTo>
+                </a:path>
+              </a:pathLst>
+            </a:custGeom>
+            <a:noFill/>
+          </p:spPr>
+          <p:style>
+            <a:lnRef idx="2">
+              <a:schemeClr val="accent1">
+                <a:shade val="50000"/>
+              </a:schemeClr>
+            </a:lnRef>
+            <a:fillRef idx="1">
+              <a:schemeClr val="accent1"/>
+            </a:fillRef>
+            <a:effectRef idx="0">
+              <a:schemeClr val="accent1"/>
+            </a:effectRef>
+            <a:fontRef idx="minor">
+              <a:schemeClr val="lt1"/>
+            </a:fontRef>
+          </p:style>
+          <p:txBody>
+            <a:bodyPr rtlCol="0" anchor="ctr"/>
+            <a:lstStyle/>
+            <a:p>
+              <a:pPr algn="ctr"/>
+              <a:endParaRPr lang="it-IT">
+                <a:solidFill>
+                  <a:schemeClr val="lt1"/>
+                </a:solidFill>
+              </a:endParaRPr>
+            </a:p>
+          </p:txBody>
+        </p:sp>
+        <p:sp>
+          <p:nvSpPr>
+            <p:cNvPr id="147" name="Figura a mano libera 146"/>
+            <p:cNvSpPr/>
+            <p:nvPr/>
+          </p:nvSpPr>
+          <p:spPr>
+            <a:xfrm>
+              <a:off x="3026813" y="1923045"/>
+              <a:ext cx="503755" cy="335343"/>
+            </a:xfrm>
+            <a:custGeom>
+              <a:avLst/>
+              <a:gdLst>
+                <a:gd name="connsiteX0" fmla="*/ 177 w 495477"/>
+                <a:gd name="connsiteY0" fmla="*/ 335343 h 335343"/>
+                <a:gd name="connsiteX1" fmla="*/ 30657 w 495477"/>
+                <a:gd name="connsiteY1" fmla="*/ 175323 h 335343"/>
+                <a:gd name="connsiteX2" fmla="*/ 190677 w 495477"/>
+                <a:gd name="connsiteY2" fmla="*/ 45783 h 335343"/>
+                <a:gd name="connsiteX3" fmla="*/ 373557 w 495477"/>
+                <a:gd name="connsiteY3" fmla="*/ 63 h 335343"/>
+                <a:gd name="connsiteX4" fmla="*/ 495477 w 495477"/>
+                <a:gd name="connsiteY4" fmla="*/ 53403 h 335343"/>
+              </a:gdLst>
+              <a:ahLst/>
+              <a:cxnLst>
+                <a:cxn ang="0">
+                  <a:pos x="connsiteX0" y="connsiteY0"/>
+                </a:cxn>
+                <a:cxn ang="0">
+                  <a:pos x="connsiteX1" y="connsiteY1"/>
+                </a:cxn>
+                <a:cxn ang="0">
+                  <a:pos x="connsiteX2" y="connsiteY2"/>
+                </a:cxn>
+                <a:cxn ang="0">
+                  <a:pos x="connsiteX3" y="connsiteY3"/>
+                </a:cxn>
+                <a:cxn ang="0">
+                  <a:pos x="connsiteX4" y="connsiteY4"/>
+                </a:cxn>
+              </a:cxnLst>
+              <a:rect l="l" t="t" r="r" b="b"/>
+              <a:pathLst>
+                <a:path w="495477" h="335343">
+                  <a:moveTo>
+                    <a:pt x="177" y="335343"/>
+                  </a:moveTo>
+                  <a:cubicBezTo>
+                    <a:pt x="-458" y="279463"/>
+                    <a:pt x="-1093" y="223583"/>
+                    <a:pt x="30657" y="175323"/>
+                  </a:cubicBezTo>
+                  <a:cubicBezTo>
+                    <a:pt x="62407" y="127063"/>
+                    <a:pt x="133527" y="74993"/>
+                    <a:pt x="190677" y="45783"/>
+                  </a:cubicBezTo>
+                  <a:cubicBezTo>
+                    <a:pt x="247827" y="16573"/>
+                    <a:pt x="322757" y="-1207"/>
+                    <a:pt x="373557" y="63"/>
+                  </a:cubicBezTo>
+                  <a:cubicBezTo>
+                    <a:pt x="424357" y="1333"/>
+                    <a:pt x="459917" y="27368"/>
+                    <a:pt x="495477" y="53403"/>
+                  </a:cubicBezTo>
+                </a:path>
+              </a:pathLst>
+            </a:custGeom>
+            <a:noFill/>
+          </p:spPr>
+          <p:style>
+            <a:lnRef idx="2">
+              <a:schemeClr val="accent1">
+                <a:shade val="50000"/>
+              </a:schemeClr>
+            </a:lnRef>
+            <a:fillRef idx="1">
+              <a:schemeClr val="accent1"/>
+            </a:fillRef>
+            <a:effectRef idx="0">
+              <a:schemeClr val="accent1"/>
+            </a:effectRef>
+            <a:fontRef idx="minor">
+              <a:schemeClr val="lt1"/>
+            </a:fontRef>
+          </p:style>
+          <p:txBody>
+            <a:bodyPr rtlCol="0" anchor="ctr"/>
+            <a:lstStyle/>
+            <a:p>
+              <a:pPr algn="ctr"/>
+              <a:endParaRPr lang="en-GB"/>
+            </a:p>
+          </p:txBody>
+        </p:sp>
+        <p:sp>
+          <p:nvSpPr>
+            <p:cNvPr id="148" name="Figura a mano libera 147"/>
+            <p:cNvSpPr/>
+            <p:nvPr/>
+          </p:nvSpPr>
+          <p:spPr>
+            <a:xfrm>
+              <a:off x="3531179" y="1833460"/>
+              <a:ext cx="630028" cy="172753"/>
+            </a:xfrm>
+            <a:custGeom>
+              <a:avLst/>
+              <a:gdLst>
+                <a:gd name="connsiteX0" fmla="*/ 0 w 632460"/>
+                <a:gd name="connsiteY0" fmla="*/ 142875 h 173137"/>
+                <a:gd name="connsiteX1" fmla="*/ 163830 w 632460"/>
+                <a:gd name="connsiteY1" fmla="*/ 169545 h 173137"/>
+                <a:gd name="connsiteX2" fmla="*/ 493395 w 632460"/>
+                <a:gd name="connsiteY2" fmla="*/ 72390 h 173137"/>
+                <a:gd name="connsiteX3" fmla="*/ 558165 w 632460"/>
+                <a:gd name="connsiteY3" fmla="*/ 19050 h 173137"/>
+                <a:gd name="connsiteX4" fmla="*/ 632460 w 632460"/>
+                <a:gd name="connsiteY4" fmla="*/ 0 h 173137"/>
+                <a:gd name="connsiteX0" fmla="*/ 0 w 632460"/>
+                <a:gd name="connsiteY0" fmla="*/ 142875 h 172640"/>
+                <a:gd name="connsiteX1" fmla="*/ 163830 w 632460"/>
+                <a:gd name="connsiteY1" fmla="*/ 169545 h 172640"/>
+                <a:gd name="connsiteX2" fmla="*/ 386334 w 632460"/>
+                <a:gd name="connsiteY2" fmla="*/ 80005 h 172640"/>
+                <a:gd name="connsiteX3" fmla="*/ 558165 w 632460"/>
+                <a:gd name="connsiteY3" fmla="*/ 19050 h 172640"/>
+                <a:gd name="connsiteX4" fmla="*/ 632460 w 632460"/>
+                <a:gd name="connsiteY4" fmla="*/ 0 h 172640"/>
+                <a:gd name="connsiteX0" fmla="*/ 0 w 632460"/>
+                <a:gd name="connsiteY0" fmla="*/ 142875 h 172640"/>
+                <a:gd name="connsiteX1" fmla="*/ 163830 w 632460"/>
+                <a:gd name="connsiteY1" fmla="*/ 169545 h 172640"/>
+                <a:gd name="connsiteX2" fmla="*/ 386334 w 632460"/>
+                <a:gd name="connsiteY2" fmla="*/ 80005 h 172640"/>
+                <a:gd name="connsiteX3" fmla="*/ 520599 w 632460"/>
+                <a:gd name="connsiteY3" fmla="*/ 19050 h 172640"/>
+                <a:gd name="connsiteX4" fmla="*/ 632460 w 632460"/>
+                <a:gd name="connsiteY4" fmla="*/ 0 h 172640"/>
+                <a:gd name="connsiteX0" fmla="*/ 0 w 626825"/>
+                <a:gd name="connsiteY0" fmla="*/ 140971 h 170736"/>
+                <a:gd name="connsiteX1" fmla="*/ 163830 w 626825"/>
+                <a:gd name="connsiteY1" fmla="*/ 167641 h 170736"/>
+                <a:gd name="connsiteX2" fmla="*/ 386334 w 626825"/>
+                <a:gd name="connsiteY2" fmla="*/ 78101 h 170736"/>
+                <a:gd name="connsiteX3" fmla="*/ 520599 w 626825"/>
+                <a:gd name="connsiteY3" fmla="*/ 17146 h 170736"/>
+                <a:gd name="connsiteX4" fmla="*/ 626825 w 626825"/>
+                <a:gd name="connsiteY4" fmla="*/ 0 h 170736"/>
+                <a:gd name="connsiteX0" fmla="*/ 0 w 626825"/>
+                <a:gd name="connsiteY0" fmla="*/ 137163 h 166928"/>
+                <a:gd name="connsiteX1" fmla="*/ 163830 w 626825"/>
+                <a:gd name="connsiteY1" fmla="*/ 163833 h 166928"/>
+                <a:gd name="connsiteX2" fmla="*/ 386334 w 626825"/>
+                <a:gd name="connsiteY2" fmla="*/ 74293 h 166928"/>
+                <a:gd name="connsiteX3" fmla="*/ 520599 w 626825"/>
+                <a:gd name="connsiteY3" fmla="*/ 13338 h 166928"/>
+                <a:gd name="connsiteX4" fmla="*/ 626825 w 626825"/>
+                <a:gd name="connsiteY4" fmla="*/ 0 h 166928"/>
+                <a:gd name="connsiteX0" fmla="*/ 0 w 617434"/>
+                <a:gd name="connsiteY0" fmla="*/ 158104 h 187869"/>
+                <a:gd name="connsiteX1" fmla="*/ 163830 w 617434"/>
+                <a:gd name="connsiteY1" fmla="*/ 184774 h 187869"/>
+                <a:gd name="connsiteX2" fmla="*/ 386334 w 617434"/>
+                <a:gd name="connsiteY2" fmla="*/ 95234 h 187869"/>
+                <a:gd name="connsiteX3" fmla="*/ 520599 w 617434"/>
+                <a:gd name="connsiteY3" fmla="*/ 34279 h 187869"/>
+                <a:gd name="connsiteX4" fmla="*/ 617434 w 617434"/>
+                <a:gd name="connsiteY4" fmla="*/ 0 h 187869"/>
+                <a:gd name="connsiteX0" fmla="*/ 0 w 621191"/>
+                <a:gd name="connsiteY0" fmla="*/ 142874 h 172639"/>
+                <a:gd name="connsiteX1" fmla="*/ 163830 w 621191"/>
+                <a:gd name="connsiteY1" fmla="*/ 169544 h 172639"/>
+                <a:gd name="connsiteX2" fmla="*/ 386334 w 621191"/>
+                <a:gd name="connsiteY2" fmla="*/ 80004 h 172639"/>
+                <a:gd name="connsiteX3" fmla="*/ 520599 w 621191"/>
+                <a:gd name="connsiteY3" fmla="*/ 19049 h 172639"/>
+                <a:gd name="connsiteX4" fmla="*/ 621191 w 621191"/>
+                <a:gd name="connsiteY4" fmla="*/ 0 h 172639"/>
+              </a:gdLst>
+              <a:ahLst/>
+              <a:cxnLst>
+                <a:cxn ang="0">
+                  <a:pos x="connsiteX0" y="connsiteY0"/>
+                </a:cxn>
+                <a:cxn ang="0">
+                  <a:pos x="connsiteX1" y="connsiteY1"/>
+                </a:cxn>
+                <a:cxn ang="0">
+                  <a:pos x="connsiteX2" y="connsiteY2"/>
+                </a:cxn>
+                <a:cxn ang="0">
+                  <a:pos x="connsiteX3" y="connsiteY3"/>
+                </a:cxn>
+                <a:cxn ang="0">
+                  <a:pos x="connsiteX4" y="connsiteY4"/>
+                </a:cxn>
+              </a:cxnLst>
+              <a:rect l="l" t="t" r="r" b="b"/>
+              <a:pathLst>
+                <a:path w="621191" h="172639">
+                  <a:moveTo>
+                    <a:pt x="0" y="142874"/>
+                  </a:moveTo>
+                  <a:cubicBezTo>
+                    <a:pt x="40798" y="162083"/>
+                    <a:pt x="99441" y="180022"/>
+                    <a:pt x="163830" y="169544"/>
+                  </a:cubicBezTo>
+                  <a:cubicBezTo>
+                    <a:pt x="228219" y="159066"/>
+                    <a:pt x="326873" y="105086"/>
+                    <a:pt x="386334" y="80004"/>
+                  </a:cubicBezTo>
+                  <a:cubicBezTo>
+                    <a:pt x="445795" y="54922"/>
+                    <a:pt x="481456" y="32383"/>
+                    <a:pt x="520599" y="19049"/>
+                  </a:cubicBezTo>
+                  <a:cubicBezTo>
+                    <a:pt x="559742" y="5715"/>
+                    <a:pt x="595632" y="3492"/>
+                    <a:pt x="621191" y="0"/>
+                  </a:cubicBezTo>
+                </a:path>
+              </a:pathLst>
+            </a:custGeom>
+            <a:noFill/>
+          </p:spPr>
+          <p:style>
+            <a:lnRef idx="2">
+              <a:schemeClr val="accent1">
+                <a:shade val="50000"/>
+              </a:schemeClr>
+            </a:lnRef>
+            <a:fillRef idx="1">
+              <a:schemeClr val="accent1"/>
+            </a:fillRef>
+            <a:effectRef idx="0">
+              <a:schemeClr val="accent1"/>
+            </a:effectRef>
+            <a:fontRef idx="minor">
+              <a:schemeClr val="lt1"/>
+            </a:fontRef>
+          </p:style>
+          <p:txBody>
+            <a:bodyPr rtlCol="0" anchor="ctr"/>
+            <a:lstStyle/>
+            <a:p>
+              <a:pPr algn="ctr"/>
+              <a:endParaRPr lang="en-GB"/>
+            </a:p>
+          </p:txBody>
+        </p:sp>
+      </p:grpSp>
+      <p:grpSp>
+        <p:nvGrpSpPr>
+          <p:cNvPr id="40" name="Gruppo 39"/>
+          <p:cNvGrpSpPr/>
           <p:nvPr/>
-        </p:nvCxnSpPr>
-        <p:spPr>
-          <a:xfrm flipH="1">
-            <a:off x="1361440" y="2939410"/>
-            <a:ext cx="432854" cy="738510"/>
+        </p:nvGrpSpPr>
+        <p:grpSpPr>
+          <a:xfrm>
+            <a:off x="4393232" y="1753465"/>
+            <a:ext cx="1538674" cy="1042290"/>
+            <a:chOff x="4905944" y="1732894"/>
+            <a:chExt cx="1538674" cy="1042290"/>
           </a:xfrm>
-          <a:prstGeom prst="line">
-            <a:avLst/>
-          </a:prstGeom>
-          <a:ln w="38100"/>
-        </p:spPr>
-        <p:style>
-          <a:lnRef idx="3">
-            <a:schemeClr val="dk1"/>
-          </a:lnRef>
-          <a:fillRef idx="0">
-            <a:schemeClr val="dk1"/>
-          </a:fillRef>
-          <a:effectRef idx="2">
-            <a:schemeClr val="dk1"/>
-          </a:effectRef>
-          <a:fontRef idx="minor">
-            <a:schemeClr val="tx1"/>
-          </a:fontRef>
-        </p:style>
-      </p:cxnSp>
-      <p:cxnSp>
-        <p:nvCxnSpPr>
-          <p:cNvPr id="11" name="Connettore 1 10"/>
-          <p:cNvCxnSpPr/>
+        </p:grpSpPr>
+        <p:sp>
+          <p:nvSpPr>
+            <p:cNvPr id="169" name="Figura a mano libera 168"/>
+            <p:cNvSpPr/>
+            <p:nvPr/>
+          </p:nvSpPr>
+          <p:spPr>
+            <a:xfrm>
+              <a:off x="5377990" y="1979542"/>
+              <a:ext cx="625166" cy="751805"/>
+            </a:xfrm>
+            <a:custGeom>
+              <a:avLst/>
+              <a:gdLst>
+                <a:gd name="connsiteX0" fmla="*/ 435837 w 2337687"/>
+                <a:gd name="connsiteY0" fmla="*/ 0 h 2648309"/>
+                <a:gd name="connsiteX1" fmla="*/ 4516 w 2337687"/>
+                <a:gd name="connsiteY1" fmla="*/ 923026 h 2648309"/>
+                <a:gd name="connsiteX2" fmla="*/ 677376 w 2337687"/>
+                <a:gd name="connsiteY2" fmla="*/ 1535501 h 2648309"/>
+                <a:gd name="connsiteX3" fmla="*/ 1695293 w 2337687"/>
+                <a:gd name="connsiteY3" fmla="*/ 1647645 h 2648309"/>
+                <a:gd name="connsiteX4" fmla="*/ 2307769 w 2337687"/>
+                <a:gd name="connsiteY4" fmla="*/ 2380890 h 2648309"/>
+                <a:gd name="connsiteX5" fmla="*/ 2238757 w 2337687"/>
+                <a:gd name="connsiteY5" fmla="*/ 2648309 h 2648309"/>
+              </a:gdLst>
+              <a:ahLst/>
+              <a:cxnLst>
+                <a:cxn ang="0">
+                  <a:pos x="connsiteX0" y="connsiteY0"/>
+                </a:cxn>
+                <a:cxn ang="0">
+                  <a:pos x="connsiteX1" y="connsiteY1"/>
+                </a:cxn>
+                <a:cxn ang="0">
+                  <a:pos x="connsiteX2" y="connsiteY2"/>
+                </a:cxn>
+                <a:cxn ang="0">
+                  <a:pos x="connsiteX3" y="connsiteY3"/>
+                </a:cxn>
+                <a:cxn ang="0">
+                  <a:pos x="connsiteX4" y="connsiteY4"/>
+                </a:cxn>
+                <a:cxn ang="0">
+                  <a:pos x="connsiteX5" y="connsiteY5"/>
+                </a:cxn>
+              </a:cxnLst>
+              <a:rect l="l" t="t" r="r" b="b"/>
+              <a:pathLst>
+                <a:path w="2337687" h="2648309">
+                  <a:moveTo>
+                    <a:pt x="435837" y="0"/>
+                  </a:moveTo>
+                  <a:cubicBezTo>
+                    <a:pt x="200048" y="333554"/>
+                    <a:pt x="-35740" y="667109"/>
+                    <a:pt x="4516" y="923026"/>
+                  </a:cubicBezTo>
+                  <a:cubicBezTo>
+                    <a:pt x="44772" y="1178943"/>
+                    <a:pt x="395580" y="1414731"/>
+                    <a:pt x="677376" y="1535501"/>
+                  </a:cubicBezTo>
+                  <a:cubicBezTo>
+                    <a:pt x="959172" y="1656271"/>
+                    <a:pt x="1423561" y="1506747"/>
+                    <a:pt x="1695293" y="1647645"/>
+                  </a:cubicBezTo>
+                  <a:cubicBezTo>
+                    <a:pt x="1967025" y="1788543"/>
+                    <a:pt x="2217192" y="2214113"/>
+                    <a:pt x="2307769" y="2380890"/>
+                  </a:cubicBezTo>
+                  <a:cubicBezTo>
+                    <a:pt x="2398346" y="2547667"/>
+                    <a:pt x="2256010" y="2603739"/>
+                    <a:pt x="2238757" y="2648309"/>
+                  </a:cubicBezTo>
+                </a:path>
+              </a:pathLst>
+            </a:custGeom>
+            <a:noFill/>
+          </p:spPr>
+          <p:style>
+            <a:lnRef idx="2">
+              <a:schemeClr val="accent1">
+                <a:shade val="50000"/>
+              </a:schemeClr>
+            </a:lnRef>
+            <a:fillRef idx="1">
+              <a:schemeClr val="accent1"/>
+            </a:fillRef>
+            <a:effectRef idx="0">
+              <a:schemeClr val="accent1"/>
+            </a:effectRef>
+            <a:fontRef idx="minor">
+              <a:schemeClr val="lt1"/>
+            </a:fontRef>
+          </p:style>
+          <p:txBody>
+            <a:bodyPr rtlCol="0" anchor="ctr"/>
+            <a:lstStyle/>
+            <a:p>
+              <a:pPr algn="ctr"/>
+              <a:endParaRPr lang="it-IT"/>
+            </a:p>
+          </p:txBody>
+        </p:sp>
+        <p:sp>
+          <p:nvSpPr>
+            <p:cNvPr id="170" name="Figura a mano libera 169"/>
+            <p:cNvSpPr/>
+            <p:nvPr/>
+          </p:nvSpPr>
+          <p:spPr>
+            <a:xfrm>
+              <a:off x="5800027" y="2222654"/>
+              <a:ext cx="624866" cy="209833"/>
+            </a:xfrm>
+            <a:custGeom>
+              <a:avLst/>
+              <a:gdLst>
+                <a:gd name="connsiteX0" fmla="*/ 0 w 2340864"/>
+                <a:gd name="connsiteY0" fmla="*/ 738412 h 738412"/>
+                <a:gd name="connsiteX1" fmla="*/ 249936 w 2340864"/>
+                <a:gd name="connsiteY1" fmla="*/ 348268 h 738412"/>
+                <a:gd name="connsiteX2" fmla="*/ 719328 w 2340864"/>
+                <a:gd name="connsiteY2" fmla="*/ 796 h 738412"/>
+                <a:gd name="connsiteX3" fmla="*/ 1554480 w 2340864"/>
+                <a:gd name="connsiteY3" fmla="*/ 250732 h 738412"/>
+                <a:gd name="connsiteX4" fmla="*/ 2023872 w 2340864"/>
+                <a:gd name="connsiteY4" fmla="*/ 171484 h 738412"/>
+                <a:gd name="connsiteX5" fmla="*/ 2340864 w 2340864"/>
+                <a:gd name="connsiteY5" fmla="*/ 244636 h 738412"/>
+              </a:gdLst>
+              <a:ahLst/>
+              <a:cxnLst>
+                <a:cxn ang="0">
+                  <a:pos x="connsiteX0" y="connsiteY0"/>
+                </a:cxn>
+                <a:cxn ang="0">
+                  <a:pos x="connsiteX1" y="connsiteY1"/>
+                </a:cxn>
+                <a:cxn ang="0">
+                  <a:pos x="connsiteX2" y="connsiteY2"/>
+                </a:cxn>
+                <a:cxn ang="0">
+                  <a:pos x="connsiteX3" y="connsiteY3"/>
+                </a:cxn>
+                <a:cxn ang="0">
+                  <a:pos x="connsiteX4" y="connsiteY4"/>
+                </a:cxn>
+                <a:cxn ang="0">
+                  <a:pos x="connsiteX5" y="connsiteY5"/>
+                </a:cxn>
+              </a:cxnLst>
+              <a:rect l="l" t="t" r="r" b="b"/>
+              <a:pathLst>
+                <a:path w="2340864" h="738412">
+                  <a:moveTo>
+                    <a:pt x="0" y="738412"/>
+                  </a:moveTo>
+                  <a:cubicBezTo>
+                    <a:pt x="65024" y="604808"/>
+                    <a:pt x="130048" y="471204"/>
+                    <a:pt x="249936" y="348268"/>
+                  </a:cubicBezTo>
+                  <a:cubicBezTo>
+                    <a:pt x="369824" y="225332"/>
+                    <a:pt x="501904" y="17052"/>
+                    <a:pt x="719328" y="796"/>
+                  </a:cubicBezTo>
+                  <a:cubicBezTo>
+                    <a:pt x="936752" y="-15460"/>
+                    <a:pt x="1337056" y="222284"/>
+                    <a:pt x="1554480" y="250732"/>
+                  </a:cubicBezTo>
+                  <a:cubicBezTo>
+                    <a:pt x="1771904" y="279180"/>
+                    <a:pt x="1892808" y="172500"/>
+                    <a:pt x="2023872" y="171484"/>
+                  </a:cubicBezTo>
+                  <a:cubicBezTo>
+                    <a:pt x="2154936" y="170468"/>
+                    <a:pt x="2247900" y="207552"/>
+                    <a:pt x="2340864" y="244636"/>
+                  </a:cubicBezTo>
+                </a:path>
+              </a:pathLst>
+            </a:custGeom>
+            <a:ln>
+              <a:prstDash val="sysDash"/>
+            </a:ln>
+          </p:spPr>
+          <p:style>
+            <a:lnRef idx="1">
+              <a:schemeClr val="accent4"/>
+            </a:lnRef>
+            <a:fillRef idx="0">
+              <a:schemeClr val="accent4"/>
+            </a:fillRef>
+            <a:effectRef idx="0">
+              <a:schemeClr val="accent4"/>
+            </a:effectRef>
+            <a:fontRef idx="minor">
+              <a:schemeClr val="tx1"/>
+            </a:fontRef>
+          </p:style>
+          <p:txBody>
+            <a:bodyPr rtlCol="0" anchor="ctr"/>
+            <a:lstStyle/>
+            <a:p>
+              <a:pPr algn="ctr"/>
+              <a:endParaRPr lang="it-IT">
+                <a:solidFill>
+                  <a:schemeClr val="tx1"/>
+                </a:solidFill>
+              </a:endParaRPr>
+            </a:p>
+          </p:txBody>
+        </p:sp>
+        <p:sp>
+          <p:nvSpPr>
+            <p:cNvPr id="171" name="Figura a mano libera 170"/>
+            <p:cNvSpPr/>
+            <p:nvPr/>
+          </p:nvSpPr>
+          <p:spPr>
+            <a:xfrm>
+              <a:off x="5234812" y="2366660"/>
+              <a:ext cx="244372" cy="337796"/>
+            </a:xfrm>
+            <a:custGeom>
+              <a:avLst/>
+              <a:gdLst>
+                <a:gd name="connsiteX0" fmla="*/ 896112 w 896112"/>
+                <a:gd name="connsiteY0" fmla="*/ 0 h 1188720"/>
+                <a:gd name="connsiteX1" fmla="*/ 164592 w 896112"/>
+                <a:gd name="connsiteY1" fmla="*/ 481584 h 1188720"/>
+                <a:gd name="connsiteX2" fmla="*/ 0 w 896112"/>
+                <a:gd name="connsiteY2" fmla="*/ 1188720 h 1188720"/>
+              </a:gdLst>
+              <a:ahLst/>
+              <a:cxnLst>
+                <a:cxn ang="0">
+                  <a:pos x="connsiteX0" y="connsiteY0"/>
+                </a:cxn>
+                <a:cxn ang="0">
+                  <a:pos x="connsiteX1" y="connsiteY1"/>
+                </a:cxn>
+                <a:cxn ang="0">
+                  <a:pos x="connsiteX2" y="connsiteY2"/>
+                </a:cxn>
+              </a:cxnLst>
+              <a:rect l="l" t="t" r="r" b="b"/>
+              <a:pathLst>
+                <a:path w="896112" h="1188720">
+                  <a:moveTo>
+                    <a:pt x="896112" y="0"/>
+                  </a:moveTo>
+                  <a:cubicBezTo>
+                    <a:pt x="605028" y="141732"/>
+                    <a:pt x="313944" y="283464"/>
+                    <a:pt x="164592" y="481584"/>
+                  </a:cubicBezTo>
+                  <a:cubicBezTo>
+                    <a:pt x="15240" y="679704"/>
+                    <a:pt x="7620" y="934212"/>
+                    <a:pt x="0" y="1188720"/>
+                  </a:cubicBezTo>
+                </a:path>
+              </a:pathLst>
+            </a:custGeom>
+            <a:noFill/>
+          </p:spPr>
+          <p:style>
+            <a:lnRef idx="2">
+              <a:schemeClr val="accent1">
+                <a:shade val="50000"/>
+              </a:schemeClr>
+            </a:lnRef>
+            <a:fillRef idx="1">
+              <a:schemeClr val="accent1"/>
+            </a:fillRef>
+            <a:effectRef idx="0">
+              <a:schemeClr val="accent1"/>
+            </a:effectRef>
+            <a:fontRef idx="minor">
+              <a:schemeClr val="lt1"/>
+            </a:fontRef>
+          </p:style>
+          <p:txBody>
+            <a:bodyPr rtlCol="0" anchor="ctr"/>
+            <a:lstStyle/>
+            <a:p>
+              <a:pPr algn="ctr"/>
+              <a:endParaRPr lang="it-IT"/>
+            </a:p>
+          </p:txBody>
+        </p:sp>
+        <p:sp>
+          <p:nvSpPr>
+            <p:cNvPr id="173" name="CasellaDiTesto 172"/>
+            <p:cNvSpPr txBox="1"/>
+            <p:nvPr/>
+          </p:nvSpPr>
+          <p:spPr>
+            <a:xfrm>
+              <a:off x="5609134" y="2060720"/>
+              <a:ext cx="256802" cy="261610"/>
+            </a:xfrm>
+            <a:prstGeom prst="rect">
+              <a:avLst/>
+            </a:prstGeom>
+            <a:noFill/>
+          </p:spPr>
+          <p:txBody>
+            <a:bodyPr wrap="none" rtlCol="0">
+              <a:spAutoFit/>
+            </a:bodyPr>
+            <a:lstStyle/>
+            <a:p>
+              <a:r>
+                <a:rPr lang="en-GB" sz="1050" dirty="0" smtClean="0"/>
+                <a:t>4</a:t>
+              </a:r>
+              <a:endParaRPr lang="en-GB" sz="1050" dirty="0"/>
+            </a:p>
+          </p:txBody>
+        </p:sp>
+        <p:sp>
+          <p:nvSpPr>
+            <p:cNvPr id="174" name="CasellaDiTesto 173"/>
+            <p:cNvSpPr txBox="1"/>
+            <p:nvPr/>
+          </p:nvSpPr>
+          <p:spPr>
+            <a:xfrm>
+              <a:off x="5986862" y="2358997"/>
+              <a:ext cx="256802" cy="261610"/>
+            </a:xfrm>
+            <a:prstGeom prst="rect">
+              <a:avLst/>
+            </a:prstGeom>
+            <a:noFill/>
+          </p:spPr>
+          <p:txBody>
+            <a:bodyPr wrap="none" rtlCol="0">
+              <a:spAutoFit/>
+            </a:bodyPr>
+            <a:lstStyle/>
+            <a:p>
+              <a:r>
+                <a:rPr lang="en-GB" sz="1050" dirty="0" smtClean="0"/>
+                <a:t>3</a:t>
+              </a:r>
+              <a:endParaRPr lang="en-GB" sz="1050" dirty="0"/>
+            </a:p>
+          </p:txBody>
+        </p:sp>
+        <p:sp>
+          <p:nvSpPr>
+            <p:cNvPr id="175" name="CasellaDiTesto 174"/>
+            <p:cNvSpPr txBox="1"/>
+            <p:nvPr/>
+          </p:nvSpPr>
+          <p:spPr>
+            <a:xfrm>
+              <a:off x="5476295" y="2513574"/>
+              <a:ext cx="256802" cy="261610"/>
+            </a:xfrm>
+            <a:prstGeom prst="rect">
+              <a:avLst/>
+            </a:prstGeom>
+            <a:noFill/>
+          </p:spPr>
+          <p:txBody>
+            <a:bodyPr wrap="none" rtlCol="0">
+              <a:spAutoFit/>
+            </a:bodyPr>
+            <a:lstStyle/>
+            <a:p>
+              <a:r>
+                <a:rPr lang="en-GB" sz="1050" dirty="0" smtClean="0"/>
+                <a:t>4</a:t>
+              </a:r>
+              <a:endParaRPr lang="en-GB" sz="1050" dirty="0"/>
+            </a:p>
+          </p:txBody>
+        </p:sp>
+        <p:sp>
+          <p:nvSpPr>
+            <p:cNvPr id="176" name="CasellaDiTesto 175"/>
+            <p:cNvSpPr txBox="1"/>
+            <p:nvPr/>
+          </p:nvSpPr>
+          <p:spPr>
+            <a:xfrm>
+              <a:off x="5109053" y="2031862"/>
+              <a:ext cx="256802" cy="261610"/>
+            </a:xfrm>
+            <a:prstGeom prst="rect">
+              <a:avLst/>
+            </a:prstGeom>
+            <a:noFill/>
+          </p:spPr>
+          <p:txBody>
+            <a:bodyPr wrap="none" rtlCol="0">
+              <a:spAutoFit/>
+            </a:bodyPr>
+            <a:lstStyle/>
+            <a:p>
+              <a:r>
+                <a:rPr lang="en-GB" sz="1050" dirty="0" smtClean="0"/>
+                <a:t>3</a:t>
+              </a:r>
+              <a:endParaRPr lang="en-GB" sz="1050" dirty="0"/>
+            </a:p>
+          </p:txBody>
+        </p:sp>
+        <p:sp>
+          <p:nvSpPr>
+            <p:cNvPr id="178" name="CasellaDiTesto 177"/>
+            <p:cNvSpPr txBox="1"/>
+            <p:nvPr/>
+          </p:nvSpPr>
+          <p:spPr>
+            <a:xfrm>
+              <a:off x="4905944" y="1732894"/>
+              <a:ext cx="253596" cy="253916"/>
+            </a:xfrm>
+            <a:prstGeom prst="rect">
+              <a:avLst/>
+            </a:prstGeom>
+            <a:noFill/>
+          </p:spPr>
+          <p:txBody>
+            <a:bodyPr wrap="none" rtlCol="0">
+              <a:spAutoFit/>
+            </a:bodyPr>
+            <a:lstStyle/>
+            <a:p>
+              <a:r>
+                <a:rPr lang="en-GB" sz="1050" dirty="0" smtClean="0"/>
+                <a:t>4</a:t>
+              </a:r>
+              <a:endParaRPr lang="en-GB" sz="1050" dirty="0"/>
+            </a:p>
+          </p:txBody>
+        </p:sp>
+        <p:sp>
+          <p:nvSpPr>
+            <p:cNvPr id="179" name="Figura a mano libera 178"/>
+            <p:cNvSpPr/>
+            <p:nvPr/>
+          </p:nvSpPr>
+          <p:spPr>
+            <a:xfrm>
+              <a:off x="5232826" y="2698588"/>
+              <a:ext cx="764540" cy="56025"/>
+            </a:xfrm>
+            <a:custGeom>
+              <a:avLst/>
+              <a:gdLst>
+                <a:gd name="connsiteX0" fmla="*/ 0 w 764540"/>
+                <a:gd name="connsiteY0" fmla="*/ 0 h 56025"/>
+                <a:gd name="connsiteX1" fmla="*/ 236220 w 764540"/>
+                <a:gd name="connsiteY1" fmla="*/ 40640 h 56025"/>
+                <a:gd name="connsiteX2" fmla="*/ 487680 w 764540"/>
+                <a:gd name="connsiteY2" fmla="*/ 55880 h 56025"/>
+                <a:gd name="connsiteX3" fmla="*/ 764540 w 764540"/>
+                <a:gd name="connsiteY3" fmla="*/ 33020 h 56025"/>
+              </a:gdLst>
+              <a:ahLst/>
+              <a:cxnLst>
+                <a:cxn ang="0">
+                  <a:pos x="connsiteX0" y="connsiteY0"/>
+                </a:cxn>
+                <a:cxn ang="0">
+                  <a:pos x="connsiteX1" y="connsiteY1"/>
+                </a:cxn>
+                <a:cxn ang="0">
+                  <a:pos x="connsiteX2" y="connsiteY2"/>
+                </a:cxn>
+                <a:cxn ang="0">
+                  <a:pos x="connsiteX3" y="connsiteY3"/>
+                </a:cxn>
+              </a:cxnLst>
+              <a:rect l="l" t="t" r="r" b="b"/>
+              <a:pathLst>
+                <a:path w="764540" h="56025">
+                  <a:moveTo>
+                    <a:pt x="0" y="0"/>
+                  </a:moveTo>
+                  <a:cubicBezTo>
+                    <a:pt x="77470" y="15663"/>
+                    <a:pt x="154940" y="31327"/>
+                    <a:pt x="236220" y="40640"/>
+                  </a:cubicBezTo>
+                  <a:cubicBezTo>
+                    <a:pt x="317500" y="49953"/>
+                    <a:pt x="399627" y="57150"/>
+                    <a:pt x="487680" y="55880"/>
+                  </a:cubicBezTo>
+                  <a:cubicBezTo>
+                    <a:pt x="575733" y="54610"/>
+                    <a:pt x="670136" y="43815"/>
+                    <a:pt x="764540" y="33020"/>
+                  </a:cubicBezTo>
+                </a:path>
+              </a:pathLst>
+            </a:custGeom>
+            <a:noFill/>
+          </p:spPr>
+          <p:style>
+            <a:lnRef idx="2">
+              <a:schemeClr val="accent1">
+                <a:shade val="50000"/>
+              </a:schemeClr>
+            </a:lnRef>
+            <a:fillRef idx="1">
+              <a:schemeClr val="accent1"/>
+            </a:fillRef>
+            <a:effectRef idx="0">
+              <a:schemeClr val="accent1"/>
+            </a:effectRef>
+            <a:fontRef idx="minor">
+              <a:schemeClr val="lt1"/>
+            </a:fontRef>
+          </p:style>
+          <p:txBody>
+            <a:bodyPr rtlCol="0" anchor="ctr"/>
+            <a:lstStyle/>
+            <a:p>
+              <a:pPr algn="ctr"/>
+              <a:endParaRPr lang="it-IT"/>
+            </a:p>
+          </p:txBody>
+        </p:sp>
+        <p:sp>
+          <p:nvSpPr>
+            <p:cNvPr id="180" name="Figura a mano libera 179"/>
+            <p:cNvSpPr/>
+            <p:nvPr/>
+          </p:nvSpPr>
+          <p:spPr>
+            <a:xfrm>
+              <a:off x="4990282" y="2245688"/>
+              <a:ext cx="246677" cy="453535"/>
+            </a:xfrm>
+            <a:custGeom>
+              <a:avLst/>
+              <a:gdLst>
+                <a:gd name="connsiteX0" fmla="*/ 0 w 233680"/>
+                <a:gd name="connsiteY0" fmla="*/ 0 h 452120"/>
+                <a:gd name="connsiteX1" fmla="*/ 27940 w 233680"/>
+                <a:gd name="connsiteY1" fmla="*/ 116840 h 452120"/>
+                <a:gd name="connsiteX2" fmla="*/ 50800 w 233680"/>
+                <a:gd name="connsiteY2" fmla="*/ 203200 h 452120"/>
+                <a:gd name="connsiteX3" fmla="*/ 76200 w 233680"/>
+                <a:gd name="connsiteY3" fmla="*/ 325120 h 452120"/>
+                <a:gd name="connsiteX4" fmla="*/ 96520 w 233680"/>
+                <a:gd name="connsiteY4" fmla="*/ 393700 h 452120"/>
+                <a:gd name="connsiteX5" fmla="*/ 144780 w 233680"/>
+                <a:gd name="connsiteY5" fmla="*/ 416560 h 452120"/>
+                <a:gd name="connsiteX6" fmla="*/ 233680 w 233680"/>
+                <a:gd name="connsiteY6" fmla="*/ 452120 h 452120"/>
+              </a:gdLst>
+              <a:ahLst/>
+              <a:cxnLst>
+                <a:cxn ang="0">
+                  <a:pos x="connsiteX0" y="connsiteY0"/>
+                </a:cxn>
+                <a:cxn ang="0">
+                  <a:pos x="connsiteX1" y="connsiteY1"/>
+                </a:cxn>
+                <a:cxn ang="0">
+                  <a:pos x="connsiteX2" y="connsiteY2"/>
+                </a:cxn>
+                <a:cxn ang="0">
+                  <a:pos x="connsiteX3" y="connsiteY3"/>
+                </a:cxn>
+                <a:cxn ang="0">
+                  <a:pos x="connsiteX4" y="connsiteY4"/>
+                </a:cxn>
+                <a:cxn ang="0">
+                  <a:pos x="connsiteX5" y="connsiteY5"/>
+                </a:cxn>
+                <a:cxn ang="0">
+                  <a:pos x="connsiteX6" y="connsiteY6"/>
+                </a:cxn>
+              </a:cxnLst>
+              <a:rect l="l" t="t" r="r" b="b"/>
+              <a:pathLst>
+                <a:path w="233680" h="452120">
+                  <a:moveTo>
+                    <a:pt x="0" y="0"/>
+                  </a:moveTo>
+                  <a:cubicBezTo>
+                    <a:pt x="9736" y="41486"/>
+                    <a:pt x="19473" y="82973"/>
+                    <a:pt x="27940" y="116840"/>
+                  </a:cubicBezTo>
+                  <a:cubicBezTo>
+                    <a:pt x="36407" y="150707"/>
+                    <a:pt x="42757" y="168487"/>
+                    <a:pt x="50800" y="203200"/>
+                  </a:cubicBezTo>
+                  <a:cubicBezTo>
+                    <a:pt x="58843" y="237913"/>
+                    <a:pt x="68580" y="293370"/>
+                    <a:pt x="76200" y="325120"/>
+                  </a:cubicBezTo>
+                  <a:cubicBezTo>
+                    <a:pt x="83820" y="356870"/>
+                    <a:pt x="85090" y="378460"/>
+                    <a:pt x="96520" y="393700"/>
+                  </a:cubicBezTo>
+                  <a:cubicBezTo>
+                    <a:pt x="107950" y="408940"/>
+                    <a:pt x="121920" y="406823"/>
+                    <a:pt x="144780" y="416560"/>
+                  </a:cubicBezTo>
+                  <a:cubicBezTo>
+                    <a:pt x="167640" y="426297"/>
+                    <a:pt x="200660" y="439208"/>
+                    <a:pt x="233680" y="452120"/>
+                  </a:cubicBezTo>
+                </a:path>
+              </a:pathLst>
+            </a:custGeom>
+            <a:noFill/>
+          </p:spPr>
+          <p:style>
+            <a:lnRef idx="2">
+              <a:schemeClr val="accent1">
+                <a:shade val="50000"/>
+              </a:schemeClr>
+            </a:lnRef>
+            <a:fillRef idx="1">
+              <a:schemeClr val="accent1"/>
+            </a:fillRef>
+            <a:effectRef idx="0">
+              <a:schemeClr val="accent1"/>
+            </a:effectRef>
+            <a:fontRef idx="minor">
+              <a:schemeClr val="lt1"/>
+            </a:fontRef>
+          </p:style>
+          <p:txBody>
+            <a:bodyPr rtlCol="0" anchor="ctr"/>
+            <a:lstStyle/>
+            <a:p>
+              <a:pPr algn="ctr"/>
+              <a:endParaRPr lang="it-IT"/>
+            </a:p>
+          </p:txBody>
+        </p:sp>
+        <p:sp>
+          <p:nvSpPr>
+            <p:cNvPr id="181" name="Figura a mano libera 180"/>
+            <p:cNvSpPr/>
+            <p:nvPr/>
+          </p:nvSpPr>
+          <p:spPr>
+            <a:xfrm>
+              <a:off x="5993093" y="2286847"/>
+              <a:ext cx="431800" cy="444500"/>
+            </a:xfrm>
+            <a:custGeom>
+              <a:avLst/>
+              <a:gdLst>
+                <a:gd name="connsiteX0" fmla="*/ 0 w 431800"/>
+                <a:gd name="connsiteY0" fmla="*/ 444500 h 444500"/>
+                <a:gd name="connsiteX1" fmla="*/ 154940 w 431800"/>
+                <a:gd name="connsiteY1" fmla="*/ 421640 h 444500"/>
+                <a:gd name="connsiteX2" fmla="*/ 304800 w 431800"/>
+                <a:gd name="connsiteY2" fmla="*/ 345440 h 444500"/>
+                <a:gd name="connsiteX3" fmla="*/ 401320 w 431800"/>
+                <a:gd name="connsiteY3" fmla="*/ 144780 h 444500"/>
+                <a:gd name="connsiteX4" fmla="*/ 431800 w 431800"/>
+                <a:gd name="connsiteY4" fmla="*/ 0 h 444500"/>
+                <a:gd name="connsiteX0" fmla="*/ 0 w 431800"/>
+                <a:gd name="connsiteY0" fmla="*/ 444500 h 444500"/>
+                <a:gd name="connsiteX1" fmla="*/ 154940 w 431800"/>
+                <a:gd name="connsiteY1" fmla="*/ 421640 h 444500"/>
+                <a:gd name="connsiteX2" fmla="*/ 281940 w 431800"/>
+                <a:gd name="connsiteY2" fmla="*/ 326390 h 444500"/>
+                <a:gd name="connsiteX3" fmla="*/ 401320 w 431800"/>
+                <a:gd name="connsiteY3" fmla="*/ 144780 h 444500"/>
+                <a:gd name="connsiteX4" fmla="*/ 431800 w 431800"/>
+                <a:gd name="connsiteY4" fmla="*/ 0 h 444500"/>
+                <a:gd name="connsiteX0" fmla="*/ 0 w 431800"/>
+                <a:gd name="connsiteY0" fmla="*/ 444500 h 444500"/>
+                <a:gd name="connsiteX1" fmla="*/ 154940 w 431800"/>
+                <a:gd name="connsiteY1" fmla="*/ 421640 h 444500"/>
+                <a:gd name="connsiteX2" fmla="*/ 308610 w 431800"/>
+                <a:gd name="connsiteY2" fmla="*/ 322580 h 444500"/>
+                <a:gd name="connsiteX3" fmla="*/ 401320 w 431800"/>
+                <a:gd name="connsiteY3" fmla="*/ 144780 h 444500"/>
+                <a:gd name="connsiteX4" fmla="*/ 431800 w 431800"/>
+                <a:gd name="connsiteY4" fmla="*/ 0 h 444500"/>
+                <a:gd name="connsiteX0" fmla="*/ 0 w 431800"/>
+                <a:gd name="connsiteY0" fmla="*/ 444500 h 444500"/>
+                <a:gd name="connsiteX1" fmla="*/ 154940 w 431800"/>
+                <a:gd name="connsiteY1" fmla="*/ 406400 h 444500"/>
+                <a:gd name="connsiteX2" fmla="*/ 308610 w 431800"/>
+                <a:gd name="connsiteY2" fmla="*/ 322580 h 444500"/>
+                <a:gd name="connsiteX3" fmla="*/ 401320 w 431800"/>
+                <a:gd name="connsiteY3" fmla="*/ 144780 h 444500"/>
+                <a:gd name="connsiteX4" fmla="*/ 431800 w 431800"/>
+                <a:gd name="connsiteY4" fmla="*/ 0 h 444500"/>
+                <a:gd name="connsiteX0" fmla="*/ 0 w 431800"/>
+                <a:gd name="connsiteY0" fmla="*/ 444500 h 444500"/>
+                <a:gd name="connsiteX1" fmla="*/ 154940 w 431800"/>
+                <a:gd name="connsiteY1" fmla="*/ 406400 h 444500"/>
+                <a:gd name="connsiteX2" fmla="*/ 316230 w 431800"/>
+                <a:gd name="connsiteY2" fmla="*/ 307340 h 444500"/>
+                <a:gd name="connsiteX3" fmla="*/ 401320 w 431800"/>
+                <a:gd name="connsiteY3" fmla="*/ 144780 h 444500"/>
+                <a:gd name="connsiteX4" fmla="*/ 431800 w 431800"/>
+                <a:gd name="connsiteY4" fmla="*/ 0 h 444500"/>
+              </a:gdLst>
+              <a:ahLst/>
+              <a:cxnLst>
+                <a:cxn ang="0">
+                  <a:pos x="connsiteX0" y="connsiteY0"/>
+                </a:cxn>
+                <a:cxn ang="0">
+                  <a:pos x="connsiteX1" y="connsiteY1"/>
+                </a:cxn>
+                <a:cxn ang="0">
+                  <a:pos x="connsiteX2" y="connsiteY2"/>
+                </a:cxn>
+                <a:cxn ang="0">
+                  <a:pos x="connsiteX3" y="connsiteY3"/>
+                </a:cxn>
+                <a:cxn ang="0">
+                  <a:pos x="connsiteX4" y="connsiteY4"/>
+                </a:cxn>
+              </a:cxnLst>
+              <a:rect l="l" t="t" r="r" b="b"/>
+              <a:pathLst>
+                <a:path w="431800" h="444500">
+                  <a:moveTo>
+                    <a:pt x="0" y="444500"/>
+                  </a:moveTo>
+                  <a:cubicBezTo>
+                    <a:pt x="52070" y="441325"/>
+                    <a:pt x="102235" y="429260"/>
+                    <a:pt x="154940" y="406400"/>
+                  </a:cubicBezTo>
+                  <a:cubicBezTo>
+                    <a:pt x="207645" y="383540"/>
+                    <a:pt x="275167" y="350943"/>
+                    <a:pt x="316230" y="307340"/>
+                  </a:cubicBezTo>
+                  <a:cubicBezTo>
+                    <a:pt x="357293" y="263737"/>
+                    <a:pt x="382058" y="196003"/>
+                    <a:pt x="401320" y="144780"/>
+                  </a:cubicBezTo>
+                  <a:cubicBezTo>
+                    <a:pt x="420582" y="93557"/>
+                    <a:pt x="427143" y="43603"/>
+                    <a:pt x="431800" y="0"/>
+                  </a:cubicBezTo>
+                </a:path>
+              </a:pathLst>
+            </a:custGeom>
+            <a:noFill/>
+          </p:spPr>
+          <p:style>
+            <a:lnRef idx="2">
+              <a:schemeClr val="accent1">
+                <a:shade val="50000"/>
+              </a:schemeClr>
+            </a:lnRef>
+            <a:fillRef idx="1">
+              <a:schemeClr val="accent1"/>
+            </a:fillRef>
+            <a:effectRef idx="0">
+              <a:schemeClr val="accent1"/>
+            </a:effectRef>
+            <a:fontRef idx="minor">
+              <a:schemeClr val="lt1"/>
+            </a:fontRef>
+          </p:style>
+          <p:txBody>
+            <a:bodyPr rtlCol="0" anchor="ctr"/>
+            <a:lstStyle/>
+            <a:p>
+              <a:pPr algn="ctr"/>
+              <a:endParaRPr lang="it-IT"/>
+            </a:p>
+          </p:txBody>
+        </p:sp>
+        <p:sp>
+          <p:nvSpPr>
+            <p:cNvPr id="182" name="Figura a mano libera 181"/>
+            <p:cNvSpPr/>
+            <p:nvPr/>
+          </p:nvSpPr>
+          <p:spPr>
+            <a:xfrm>
+              <a:off x="6125125" y="1822158"/>
+              <a:ext cx="319493" cy="471314"/>
+            </a:xfrm>
+            <a:custGeom>
+              <a:avLst/>
+              <a:gdLst>
+                <a:gd name="connsiteX0" fmla="*/ 0 w 366213"/>
+                <a:gd name="connsiteY0" fmla="*/ 11430 h 468630"/>
+                <a:gd name="connsiteX1" fmla="*/ 99060 w 366213"/>
+                <a:gd name="connsiteY1" fmla="*/ 0 h 468630"/>
+                <a:gd name="connsiteX2" fmla="*/ 186690 w 366213"/>
+                <a:gd name="connsiteY2" fmla="*/ 11430 h 468630"/>
+                <a:gd name="connsiteX3" fmla="*/ 281940 w 366213"/>
+                <a:gd name="connsiteY3" fmla="*/ 60960 h 468630"/>
+                <a:gd name="connsiteX4" fmla="*/ 342900 w 366213"/>
+                <a:gd name="connsiteY4" fmla="*/ 133350 h 468630"/>
+                <a:gd name="connsiteX5" fmla="*/ 365760 w 366213"/>
+                <a:gd name="connsiteY5" fmla="*/ 240030 h 468630"/>
+                <a:gd name="connsiteX6" fmla="*/ 358140 w 366213"/>
+                <a:gd name="connsiteY6" fmla="*/ 339090 h 468630"/>
+                <a:gd name="connsiteX7" fmla="*/ 358140 w 366213"/>
+                <a:gd name="connsiteY7" fmla="*/ 415290 h 468630"/>
+                <a:gd name="connsiteX8" fmla="*/ 342900 w 366213"/>
+                <a:gd name="connsiteY8" fmla="*/ 468630 h 468630"/>
+              </a:gdLst>
+              <a:ahLst/>
+              <a:cxnLst>
+                <a:cxn ang="0">
+                  <a:pos x="connsiteX0" y="connsiteY0"/>
+                </a:cxn>
+                <a:cxn ang="0">
+                  <a:pos x="connsiteX1" y="connsiteY1"/>
+                </a:cxn>
+                <a:cxn ang="0">
+                  <a:pos x="connsiteX2" y="connsiteY2"/>
+                </a:cxn>
+                <a:cxn ang="0">
+                  <a:pos x="connsiteX3" y="connsiteY3"/>
+                </a:cxn>
+                <a:cxn ang="0">
+                  <a:pos x="connsiteX4" y="connsiteY4"/>
+                </a:cxn>
+                <a:cxn ang="0">
+                  <a:pos x="connsiteX5" y="connsiteY5"/>
+                </a:cxn>
+                <a:cxn ang="0">
+                  <a:pos x="connsiteX6" y="connsiteY6"/>
+                </a:cxn>
+                <a:cxn ang="0">
+                  <a:pos x="connsiteX7" y="connsiteY7"/>
+                </a:cxn>
+                <a:cxn ang="0">
+                  <a:pos x="connsiteX8" y="connsiteY8"/>
+                </a:cxn>
+              </a:cxnLst>
+              <a:rect l="l" t="t" r="r" b="b"/>
+              <a:pathLst>
+                <a:path w="366213" h="468630">
+                  <a:moveTo>
+                    <a:pt x="0" y="11430"/>
+                  </a:moveTo>
+                  <a:cubicBezTo>
+                    <a:pt x="33972" y="5715"/>
+                    <a:pt x="67945" y="0"/>
+                    <a:pt x="99060" y="0"/>
+                  </a:cubicBezTo>
+                  <a:cubicBezTo>
+                    <a:pt x="130175" y="0"/>
+                    <a:pt x="156210" y="1270"/>
+                    <a:pt x="186690" y="11430"/>
+                  </a:cubicBezTo>
+                  <a:cubicBezTo>
+                    <a:pt x="217170" y="21590"/>
+                    <a:pt x="255905" y="40640"/>
+                    <a:pt x="281940" y="60960"/>
+                  </a:cubicBezTo>
+                  <a:cubicBezTo>
+                    <a:pt x="307975" y="81280"/>
+                    <a:pt x="328930" y="103505"/>
+                    <a:pt x="342900" y="133350"/>
+                  </a:cubicBezTo>
+                  <a:cubicBezTo>
+                    <a:pt x="356870" y="163195"/>
+                    <a:pt x="363220" y="205740"/>
+                    <a:pt x="365760" y="240030"/>
+                  </a:cubicBezTo>
+                  <a:cubicBezTo>
+                    <a:pt x="368300" y="274320"/>
+                    <a:pt x="359410" y="309880"/>
+                    <a:pt x="358140" y="339090"/>
+                  </a:cubicBezTo>
+                  <a:cubicBezTo>
+                    <a:pt x="356870" y="368300"/>
+                    <a:pt x="360680" y="393700"/>
+                    <a:pt x="358140" y="415290"/>
+                  </a:cubicBezTo>
+                  <a:cubicBezTo>
+                    <a:pt x="355600" y="436880"/>
+                    <a:pt x="349250" y="452755"/>
+                    <a:pt x="342900" y="468630"/>
+                  </a:cubicBezTo>
+                </a:path>
+              </a:pathLst>
+            </a:custGeom>
+            <a:noFill/>
+          </p:spPr>
+          <p:style>
+            <a:lnRef idx="2">
+              <a:schemeClr val="accent1">
+                <a:shade val="50000"/>
+              </a:schemeClr>
+            </a:lnRef>
+            <a:fillRef idx="1">
+              <a:schemeClr val="accent1"/>
+            </a:fillRef>
+            <a:effectRef idx="0">
+              <a:schemeClr val="accent1"/>
+            </a:effectRef>
+            <a:fontRef idx="minor">
+              <a:schemeClr val="lt1"/>
+            </a:fontRef>
+          </p:style>
+          <p:txBody>
+            <a:bodyPr rtlCol="0" anchor="ctr"/>
+            <a:lstStyle/>
+            <a:p>
+              <a:pPr algn="ctr"/>
+              <a:endParaRPr lang="it-IT">
+                <a:solidFill>
+                  <a:schemeClr val="lt1"/>
+                </a:solidFill>
+              </a:endParaRPr>
+            </a:p>
+          </p:txBody>
+        </p:sp>
+        <p:sp>
+          <p:nvSpPr>
+            <p:cNvPr id="183" name="Figura a mano libera 182"/>
+            <p:cNvSpPr/>
+            <p:nvPr/>
+          </p:nvSpPr>
+          <p:spPr>
+            <a:xfrm>
+              <a:off x="4992646" y="1923045"/>
+              <a:ext cx="503755" cy="335343"/>
+            </a:xfrm>
+            <a:custGeom>
+              <a:avLst/>
+              <a:gdLst>
+                <a:gd name="connsiteX0" fmla="*/ 177 w 495477"/>
+                <a:gd name="connsiteY0" fmla="*/ 335343 h 335343"/>
+                <a:gd name="connsiteX1" fmla="*/ 30657 w 495477"/>
+                <a:gd name="connsiteY1" fmla="*/ 175323 h 335343"/>
+                <a:gd name="connsiteX2" fmla="*/ 190677 w 495477"/>
+                <a:gd name="connsiteY2" fmla="*/ 45783 h 335343"/>
+                <a:gd name="connsiteX3" fmla="*/ 373557 w 495477"/>
+                <a:gd name="connsiteY3" fmla="*/ 63 h 335343"/>
+                <a:gd name="connsiteX4" fmla="*/ 495477 w 495477"/>
+                <a:gd name="connsiteY4" fmla="*/ 53403 h 335343"/>
+              </a:gdLst>
+              <a:ahLst/>
+              <a:cxnLst>
+                <a:cxn ang="0">
+                  <a:pos x="connsiteX0" y="connsiteY0"/>
+                </a:cxn>
+                <a:cxn ang="0">
+                  <a:pos x="connsiteX1" y="connsiteY1"/>
+                </a:cxn>
+                <a:cxn ang="0">
+                  <a:pos x="connsiteX2" y="connsiteY2"/>
+                </a:cxn>
+                <a:cxn ang="0">
+                  <a:pos x="connsiteX3" y="connsiteY3"/>
+                </a:cxn>
+                <a:cxn ang="0">
+                  <a:pos x="connsiteX4" y="connsiteY4"/>
+                </a:cxn>
+              </a:cxnLst>
+              <a:rect l="l" t="t" r="r" b="b"/>
+              <a:pathLst>
+                <a:path w="495477" h="335343">
+                  <a:moveTo>
+                    <a:pt x="177" y="335343"/>
+                  </a:moveTo>
+                  <a:cubicBezTo>
+                    <a:pt x="-458" y="279463"/>
+                    <a:pt x="-1093" y="223583"/>
+                    <a:pt x="30657" y="175323"/>
+                  </a:cubicBezTo>
+                  <a:cubicBezTo>
+                    <a:pt x="62407" y="127063"/>
+                    <a:pt x="133527" y="74993"/>
+                    <a:pt x="190677" y="45783"/>
+                  </a:cubicBezTo>
+                  <a:cubicBezTo>
+                    <a:pt x="247827" y="16573"/>
+                    <a:pt x="322757" y="-1207"/>
+                    <a:pt x="373557" y="63"/>
+                  </a:cubicBezTo>
+                  <a:cubicBezTo>
+                    <a:pt x="424357" y="1333"/>
+                    <a:pt x="459917" y="27368"/>
+                    <a:pt x="495477" y="53403"/>
+                  </a:cubicBezTo>
+                </a:path>
+              </a:pathLst>
+            </a:custGeom>
+            <a:noFill/>
+          </p:spPr>
+          <p:style>
+            <a:lnRef idx="2">
+              <a:schemeClr val="accent1">
+                <a:shade val="50000"/>
+              </a:schemeClr>
+            </a:lnRef>
+            <a:fillRef idx="1">
+              <a:schemeClr val="accent1"/>
+            </a:fillRef>
+            <a:effectRef idx="0">
+              <a:schemeClr val="accent1"/>
+            </a:effectRef>
+            <a:fontRef idx="minor">
+              <a:schemeClr val="lt1"/>
+            </a:fontRef>
+          </p:style>
+          <p:txBody>
+            <a:bodyPr rtlCol="0" anchor="ctr"/>
+            <a:lstStyle/>
+            <a:p>
+              <a:pPr algn="ctr"/>
+              <a:endParaRPr lang="en-GB"/>
+            </a:p>
+          </p:txBody>
+        </p:sp>
+        <p:sp>
+          <p:nvSpPr>
+            <p:cNvPr id="184" name="Figura a mano libera 183"/>
+            <p:cNvSpPr/>
+            <p:nvPr/>
+          </p:nvSpPr>
+          <p:spPr>
+            <a:xfrm>
+              <a:off x="5497012" y="1833460"/>
+              <a:ext cx="630028" cy="172753"/>
+            </a:xfrm>
+            <a:custGeom>
+              <a:avLst/>
+              <a:gdLst>
+                <a:gd name="connsiteX0" fmla="*/ 0 w 632460"/>
+                <a:gd name="connsiteY0" fmla="*/ 142875 h 173137"/>
+                <a:gd name="connsiteX1" fmla="*/ 163830 w 632460"/>
+                <a:gd name="connsiteY1" fmla="*/ 169545 h 173137"/>
+                <a:gd name="connsiteX2" fmla="*/ 493395 w 632460"/>
+                <a:gd name="connsiteY2" fmla="*/ 72390 h 173137"/>
+                <a:gd name="connsiteX3" fmla="*/ 558165 w 632460"/>
+                <a:gd name="connsiteY3" fmla="*/ 19050 h 173137"/>
+                <a:gd name="connsiteX4" fmla="*/ 632460 w 632460"/>
+                <a:gd name="connsiteY4" fmla="*/ 0 h 173137"/>
+                <a:gd name="connsiteX0" fmla="*/ 0 w 632460"/>
+                <a:gd name="connsiteY0" fmla="*/ 142875 h 172640"/>
+                <a:gd name="connsiteX1" fmla="*/ 163830 w 632460"/>
+                <a:gd name="connsiteY1" fmla="*/ 169545 h 172640"/>
+                <a:gd name="connsiteX2" fmla="*/ 386334 w 632460"/>
+                <a:gd name="connsiteY2" fmla="*/ 80005 h 172640"/>
+                <a:gd name="connsiteX3" fmla="*/ 558165 w 632460"/>
+                <a:gd name="connsiteY3" fmla="*/ 19050 h 172640"/>
+                <a:gd name="connsiteX4" fmla="*/ 632460 w 632460"/>
+                <a:gd name="connsiteY4" fmla="*/ 0 h 172640"/>
+                <a:gd name="connsiteX0" fmla="*/ 0 w 632460"/>
+                <a:gd name="connsiteY0" fmla="*/ 142875 h 172640"/>
+                <a:gd name="connsiteX1" fmla="*/ 163830 w 632460"/>
+                <a:gd name="connsiteY1" fmla="*/ 169545 h 172640"/>
+                <a:gd name="connsiteX2" fmla="*/ 386334 w 632460"/>
+                <a:gd name="connsiteY2" fmla="*/ 80005 h 172640"/>
+                <a:gd name="connsiteX3" fmla="*/ 520599 w 632460"/>
+                <a:gd name="connsiteY3" fmla="*/ 19050 h 172640"/>
+                <a:gd name="connsiteX4" fmla="*/ 632460 w 632460"/>
+                <a:gd name="connsiteY4" fmla="*/ 0 h 172640"/>
+                <a:gd name="connsiteX0" fmla="*/ 0 w 626825"/>
+                <a:gd name="connsiteY0" fmla="*/ 140971 h 170736"/>
+                <a:gd name="connsiteX1" fmla="*/ 163830 w 626825"/>
+                <a:gd name="connsiteY1" fmla="*/ 167641 h 170736"/>
+                <a:gd name="connsiteX2" fmla="*/ 386334 w 626825"/>
+                <a:gd name="connsiteY2" fmla="*/ 78101 h 170736"/>
+                <a:gd name="connsiteX3" fmla="*/ 520599 w 626825"/>
+                <a:gd name="connsiteY3" fmla="*/ 17146 h 170736"/>
+                <a:gd name="connsiteX4" fmla="*/ 626825 w 626825"/>
+                <a:gd name="connsiteY4" fmla="*/ 0 h 170736"/>
+                <a:gd name="connsiteX0" fmla="*/ 0 w 626825"/>
+                <a:gd name="connsiteY0" fmla="*/ 137163 h 166928"/>
+                <a:gd name="connsiteX1" fmla="*/ 163830 w 626825"/>
+                <a:gd name="connsiteY1" fmla="*/ 163833 h 166928"/>
+                <a:gd name="connsiteX2" fmla="*/ 386334 w 626825"/>
+                <a:gd name="connsiteY2" fmla="*/ 74293 h 166928"/>
+                <a:gd name="connsiteX3" fmla="*/ 520599 w 626825"/>
+                <a:gd name="connsiteY3" fmla="*/ 13338 h 166928"/>
+                <a:gd name="connsiteX4" fmla="*/ 626825 w 626825"/>
+                <a:gd name="connsiteY4" fmla="*/ 0 h 166928"/>
+                <a:gd name="connsiteX0" fmla="*/ 0 w 617434"/>
+                <a:gd name="connsiteY0" fmla="*/ 158104 h 187869"/>
+                <a:gd name="connsiteX1" fmla="*/ 163830 w 617434"/>
+                <a:gd name="connsiteY1" fmla="*/ 184774 h 187869"/>
+                <a:gd name="connsiteX2" fmla="*/ 386334 w 617434"/>
+                <a:gd name="connsiteY2" fmla="*/ 95234 h 187869"/>
+                <a:gd name="connsiteX3" fmla="*/ 520599 w 617434"/>
+                <a:gd name="connsiteY3" fmla="*/ 34279 h 187869"/>
+                <a:gd name="connsiteX4" fmla="*/ 617434 w 617434"/>
+                <a:gd name="connsiteY4" fmla="*/ 0 h 187869"/>
+                <a:gd name="connsiteX0" fmla="*/ 0 w 621191"/>
+                <a:gd name="connsiteY0" fmla="*/ 142874 h 172639"/>
+                <a:gd name="connsiteX1" fmla="*/ 163830 w 621191"/>
+                <a:gd name="connsiteY1" fmla="*/ 169544 h 172639"/>
+                <a:gd name="connsiteX2" fmla="*/ 386334 w 621191"/>
+                <a:gd name="connsiteY2" fmla="*/ 80004 h 172639"/>
+                <a:gd name="connsiteX3" fmla="*/ 520599 w 621191"/>
+                <a:gd name="connsiteY3" fmla="*/ 19049 h 172639"/>
+                <a:gd name="connsiteX4" fmla="*/ 621191 w 621191"/>
+                <a:gd name="connsiteY4" fmla="*/ 0 h 172639"/>
+              </a:gdLst>
+              <a:ahLst/>
+              <a:cxnLst>
+                <a:cxn ang="0">
+                  <a:pos x="connsiteX0" y="connsiteY0"/>
+                </a:cxn>
+                <a:cxn ang="0">
+                  <a:pos x="connsiteX1" y="connsiteY1"/>
+                </a:cxn>
+                <a:cxn ang="0">
+                  <a:pos x="connsiteX2" y="connsiteY2"/>
+                </a:cxn>
+                <a:cxn ang="0">
+                  <a:pos x="connsiteX3" y="connsiteY3"/>
+                </a:cxn>
+                <a:cxn ang="0">
+                  <a:pos x="connsiteX4" y="connsiteY4"/>
+                </a:cxn>
+              </a:cxnLst>
+              <a:rect l="l" t="t" r="r" b="b"/>
+              <a:pathLst>
+                <a:path w="621191" h="172639">
+                  <a:moveTo>
+                    <a:pt x="0" y="142874"/>
+                  </a:moveTo>
+                  <a:cubicBezTo>
+                    <a:pt x="40798" y="162083"/>
+                    <a:pt x="99441" y="180022"/>
+                    <a:pt x="163830" y="169544"/>
+                  </a:cubicBezTo>
+                  <a:cubicBezTo>
+                    <a:pt x="228219" y="159066"/>
+                    <a:pt x="326873" y="105086"/>
+                    <a:pt x="386334" y="80004"/>
+                  </a:cubicBezTo>
+                  <a:cubicBezTo>
+                    <a:pt x="445795" y="54922"/>
+                    <a:pt x="481456" y="32383"/>
+                    <a:pt x="520599" y="19049"/>
+                  </a:cubicBezTo>
+                  <a:cubicBezTo>
+                    <a:pt x="559742" y="5715"/>
+                    <a:pt x="595632" y="3492"/>
+                    <a:pt x="621191" y="0"/>
+                  </a:cubicBezTo>
+                </a:path>
+              </a:pathLst>
+            </a:custGeom>
+            <a:noFill/>
+          </p:spPr>
+          <p:style>
+            <a:lnRef idx="2">
+              <a:schemeClr val="accent1">
+                <a:shade val="50000"/>
+              </a:schemeClr>
+            </a:lnRef>
+            <a:fillRef idx="1">
+              <a:schemeClr val="accent1"/>
+            </a:fillRef>
+            <a:effectRef idx="0">
+              <a:schemeClr val="accent1"/>
+            </a:effectRef>
+            <a:fontRef idx="minor">
+              <a:schemeClr val="lt1"/>
+            </a:fontRef>
+          </p:style>
+          <p:txBody>
+            <a:bodyPr rtlCol="0" anchor="ctr"/>
+            <a:lstStyle/>
+            <a:p>
+              <a:pPr algn="ctr"/>
+              <a:endParaRPr lang="en-GB"/>
+            </a:p>
+          </p:txBody>
+        </p:sp>
+      </p:grpSp>
+      <p:grpSp>
+        <p:nvGrpSpPr>
+          <p:cNvPr id="185" name="Gruppo 184"/>
+          <p:cNvGrpSpPr/>
           <p:nvPr/>
-        </p:nvCxnSpPr>
-        <p:spPr>
+        </p:nvGrpSpPr>
+        <p:grpSpPr>
           <a:xfrm>
-            <a:off x="6107502" y="2939410"/>
-            <a:ext cx="914400" cy="914400"/>
+            <a:off x="6080978" y="1753465"/>
+            <a:ext cx="1538674" cy="1042290"/>
+            <a:chOff x="4905944" y="1732894"/>
+            <a:chExt cx="1538674" cy="1042290"/>
           </a:xfrm>
-          <a:prstGeom prst="line">
-            <a:avLst/>
-          </a:prstGeom>
-          <a:ln w="38100"/>
-        </p:spPr>
-        <p:style>
-          <a:lnRef idx="3">
-            <a:schemeClr val="dk1"/>
-          </a:lnRef>
-          <a:fillRef idx="0">
-            <a:schemeClr val="dk1"/>
-          </a:fillRef>
-          <a:effectRef idx="2">
-            <a:schemeClr val="dk1"/>
-          </a:effectRef>
-          <a:fontRef idx="minor">
-            <a:schemeClr val="tx1"/>
-          </a:fontRef>
-        </p:style>
-      </p:cxnSp>
-      <p:cxnSp>
-        <p:nvCxnSpPr>
-          <p:cNvPr id="12" name="Connettore 1 11"/>
-          <p:cNvCxnSpPr/>
-          <p:nvPr/>
-        </p:nvCxnSpPr>
-        <p:spPr>
-          <a:xfrm flipH="1">
-            <a:off x="2227148" y="2939410"/>
-            <a:ext cx="24346" cy="914400"/>
-          </a:xfrm>
-          <a:prstGeom prst="line">
-            <a:avLst/>
-          </a:prstGeom>
-          <a:ln w="38100"/>
-        </p:spPr>
-        <p:style>
-          <a:lnRef idx="3">
-            <a:schemeClr val="dk1"/>
-          </a:lnRef>
-          <a:fillRef idx="0">
-            <a:schemeClr val="dk1"/>
-          </a:fillRef>
-          <a:effectRef idx="2">
-            <a:schemeClr val="dk1"/>
-          </a:effectRef>
-          <a:fontRef idx="minor">
-            <a:schemeClr val="tx1"/>
-          </a:fontRef>
-        </p:style>
-      </p:cxnSp>
-      <p:cxnSp>
-        <p:nvCxnSpPr>
-          <p:cNvPr id="14" name="Connettore 1 13"/>
-          <p:cNvCxnSpPr/>
-          <p:nvPr/>
-        </p:nvCxnSpPr>
-        <p:spPr>
-          <a:xfrm flipH="1">
-            <a:off x="2844800" y="2939410"/>
-            <a:ext cx="341414" cy="596270"/>
-          </a:xfrm>
-          <a:prstGeom prst="line">
-            <a:avLst/>
-          </a:prstGeom>
-          <a:ln w="38100"/>
-        </p:spPr>
-        <p:style>
-          <a:lnRef idx="3">
-            <a:schemeClr val="dk1"/>
-          </a:lnRef>
-          <a:fillRef idx="0">
-            <a:schemeClr val="dk1"/>
-          </a:fillRef>
-          <a:effectRef idx="2">
-            <a:schemeClr val="dk1"/>
-          </a:effectRef>
-          <a:fontRef idx="minor">
-            <a:schemeClr val="tx1"/>
-          </a:fontRef>
-        </p:style>
-      </p:cxnSp>
-      <p:cxnSp>
-        <p:nvCxnSpPr>
-          <p:cNvPr id="16" name="Connettore 1 15"/>
-          <p:cNvCxnSpPr/>
-          <p:nvPr/>
-        </p:nvCxnSpPr>
-        <p:spPr>
-          <a:xfrm>
-            <a:off x="4008791" y="2939410"/>
-            <a:ext cx="365904" cy="914400"/>
-          </a:xfrm>
-          <a:prstGeom prst="line">
-            <a:avLst/>
-          </a:prstGeom>
-          <a:ln w="38100"/>
-        </p:spPr>
-        <p:style>
-          <a:lnRef idx="3">
-            <a:schemeClr val="dk1"/>
-          </a:lnRef>
-          <a:fillRef idx="0">
-            <a:schemeClr val="dk1"/>
-          </a:fillRef>
-          <a:effectRef idx="2">
-            <a:schemeClr val="dk1"/>
-          </a:effectRef>
-          <a:fontRef idx="minor">
-            <a:schemeClr val="tx1"/>
-          </a:fontRef>
-        </p:style>
-      </p:cxnSp>
-      <p:cxnSp>
-        <p:nvCxnSpPr>
-          <p:cNvPr id="18" name="Connettore 1 17"/>
-          <p:cNvCxnSpPr/>
-          <p:nvPr/>
-        </p:nvCxnSpPr>
-        <p:spPr>
-          <a:xfrm>
-            <a:off x="4831368" y="2939410"/>
-            <a:ext cx="202912" cy="596270"/>
-          </a:xfrm>
-          <a:prstGeom prst="line">
-            <a:avLst/>
-          </a:prstGeom>
-          <a:ln w="38100"/>
-        </p:spPr>
-        <p:style>
-          <a:lnRef idx="3">
-            <a:schemeClr val="dk1"/>
-          </a:lnRef>
-          <a:fillRef idx="0">
-            <a:schemeClr val="dk1"/>
-          </a:fillRef>
-          <a:effectRef idx="2">
-            <a:schemeClr val="dk1"/>
-          </a:effectRef>
-          <a:fontRef idx="minor">
-            <a:schemeClr val="tx1"/>
-          </a:fontRef>
-        </p:style>
-      </p:cxnSp>
-      <p:cxnSp>
-        <p:nvCxnSpPr>
-          <p:cNvPr id="20" name="Connettore 1 19"/>
-          <p:cNvCxnSpPr>
-            <a:stCxn id="2" idx="2"/>
-          </p:cNvCxnSpPr>
-          <p:nvPr/>
-        </p:nvCxnSpPr>
-        <p:spPr>
-          <a:xfrm flipH="1" flipV="1">
-            <a:off x="4008791" y="2939410"/>
-            <a:ext cx="2098711" cy="2198"/>
-          </a:xfrm>
-          <a:prstGeom prst="line">
-            <a:avLst/>
-          </a:prstGeom>
-          <a:ln w="38100"/>
-        </p:spPr>
-        <p:style>
-          <a:lnRef idx="3">
-            <a:schemeClr val="dk1"/>
-          </a:lnRef>
-          <a:fillRef idx="0">
-            <a:schemeClr val="dk1"/>
-          </a:fillRef>
-          <a:effectRef idx="2">
-            <a:schemeClr val="dk1"/>
-          </a:effectRef>
-          <a:fontRef idx="minor">
-            <a:schemeClr val="tx1"/>
-          </a:fontRef>
-        </p:style>
-      </p:cxnSp>
-      <p:cxnSp>
-        <p:nvCxnSpPr>
-          <p:cNvPr id="23" name="Connettore 1 22"/>
-          <p:cNvCxnSpPr/>
-          <p:nvPr/>
-        </p:nvCxnSpPr>
-        <p:spPr>
-          <a:xfrm>
-            <a:off x="3186214" y="2939410"/>
-            <a:ext cx="822577" cy="2198"/>
-          </a:xfrm>
-          <a:prstGeom prst="line">
-            <a:avLst/>
-          </a:prstGeom>
-          <a:ln w="3175">
-            <a:prstDash val="dashDot"/>
-          </a:ln>
-        </p:spPr>
-        <p:style>
-          <a:lnRef idx="3">
-            <a:schemeClr val="dk1"/>
-          </a:lnRef>
-          <a:fillRef idx="0">
-            <a:schemeClr val="dk1"/>
-          </a:fillRef>
-          <a:effectRef idx="2">
-            <a:schemeClr val="dk1"/>
-          </a:effectRef>
-          <a:fontRef idx="minor">
-            <a:schemeClr val="tx1"/>
-          </a:fontRef>
-        </p:style>
-      </p:cxnSp>
-      <p:cxnSp>
-        <p:nvCxnSpPr>
-          <p:cNvPr id="27" name="Connettore 1 26"/>
-          <p:cNvCxnSpPr/>
-          <p:nvPr/>
-        </p:nvCxnSpPr>
-        <p:spPr>
-          <a:xfrm flipH="1">
-            <a:off x="1336327" y="3677920"/>
-            <a:ext cx="24346" cy="914400"/>
-          </a:xfrm>
-          <a:prstGeom prst="line">
-            <a:avLst/>
-          </a:prstGeom>
-          <a:ln w="38100"/>
-        </p:spPr>
-        <p:style>
-          <a:lnRef idx="3">
-            <a:schemeClr val="dk1"/>
-          </a:lnRef>
-          <a:fillRef idx="0">
-            <a:schemeClr val="dk1"/>
-          </a:fillRef>
-          <a:effectRef idx="2">
-            <a:schemeClr val="dk1"/>
-          </a:effectRef>
-          <a:fontRef idx="minor">
-            <a:schemeClr val="tx1"/>
-          </a:fontRef>
-        </p:style>
-      </p:cxnSp>
-      <p:cxnSp>
-        <p:nvCxnSpPr>
-          <p:cNvPr id="28" name="Connettore 1 27"/>
-          <p:cNvCxnSpPr/>
-          <p:nvPr/>
-        </p:nvCxnSpPr>
-        <p:spPr>
-          <a:xfrm flipH="1">
-            <a:off x="607467" y="3677920"/>
-            <a:ext cx="753277" cy="376495"/>
-          </a:xfrm>
-          <a:prstGeom prst="line">
-            <a:avLst/>
-          </a:prstGeom>
-          <a:ln w="38100"/>
-        </p:spPr>
-        <p:style>
-          <a:lnRef idx="3">
-            <a:schemeClr val="dk1"/>
-          </a:lnRef>
-          <a:fillRef idx="0">
-            <a:schemeClr val="dk1"/>
-          </a:fillRef>
-          <a:effectRef idx="2">
-            <a:schemeClr val="dk1"/>
-          </a:effectRef>
-          <a:fontRef idx="minor">
-            <a:schemeClr val="tx1"/>
-          </a:fontRef>
-        </p:style>
-      </p:cxnSp>
-      <p:cxnSp>
-        <p:nvCxnSpPr>
-          <p:cNvPr id="30" name="Connettore 1 29"/>
-          <p:cNvCxnSpPr/>
-          <p:nvPr/>
-        </p:nvCxnSpPr>
-        <p:spPr>
-          <a:xfrm>
-            <a:off x="2227076" y="3845077"/>
-            <a:ext cx="113197" cy="532613"/>
-          </a:xfrm>
-          <a:prstGeom prst="line">
-            <a:avLst/>
-          </a:prstGeom>
-          <a:ln w="38100"/>
-        </p:spPr>
-        <p:style>
-          <a:lnRef idx="3">
-            <a:schemeClr val="dk1"/>
-          </a:lnRef>
-          <a:fillRef idx="0">
-            <a:schemeClr val="dk1"/>
-          </a:fillRef>
-          <a:effectRef idx="2">
-            <a:schemeClr val="dk1"/>
-          </a:effectRef>
-          <a:fontRef idx="minor">
-            <a:schemeClr val="tx1"/>
-          </a:fontRef>
-        </p:style>
-      </p:cxnSp>
-      <p:cxnSp>
-        <p:nvCxnSpPr>
-          <p:cNvPr id="31" name="Connettore 1 30"/>
-          <p:cNvCxnSpPr/>
-          <p:nvPr/>
-        </p:nvCxnSpPr>
-        <p:spPr>
-          <a:xfrm flipH="1">
-            <a:off x="1845549" y="3845077"/>
-            <a:ext cx="381599" cy="387833"/>
-          </a:xfrm>
-          <a:prstGeom prst="line">
-            <a:avLst/>
-          </a:prstGeom>
-          <a:ln w="38100"/>
-        </p:spPr>
-        <p:style>
-          <a:lnRef idx="3">
-            <a:schemeClr val="dk1"/>
-          </a:lnRef>
-          <a:fillRef idx="0">
-            <a:schemeClr val="dk1"/>
-          </a:fillRef>
-          <a:effectRef idx="2">
-            <a:schemeClr val="dk1"/>
-          </a:effectRef>
-          <a:fontRef idx="minor">
-            <a:schemeClr val="tx1"/>
-          </a:fontRef>
-        </p:style>
-      </p:cxnSp>
-      <p:cxnSp>
-        <p:nvCxnSpPr>
-          <p:cNvPr id="32" name="Connettore 1 31"/>
-          <p:cNvCxnSpPr/>
-          <p:nvPr/>
-        </p:nvCxnSpPr>
-        <p:spPr>
-          <a:xfrm flipH="1">
-            <a:off x="2822993" y="3523726"/>
-            <a:ext cx="24346" cy="914400"/>
-          </a:xfrm>
-          <a:prstGeom prst="line">
-            <a:avLst/>
-          </a:prstGeom>
-          <a:ln w="38100"/>
-        </p:spPr>
-        <p:style>
-          <a:lnRef idx="3">
-            <a:schemeClr val="dk1"/>
-          </a:lnRef>
-          <a:fillRef idx="0">
-            <a:schemeClr val="dk1"/>
-          </a:fillRef>
-          <a:effectRef idx="2">
-            <a:schemeClr val="dk1"/>
-          </a:effectRef>
-          <a:fontRef idx="minor">
-            <a:schemeClr val="tx1"/>
-          </a:fontRef>
-        </p:style>
-      </p:cxnSp>
-      <p:cxnSp>
-        <p:nvCxnSpPr>
-          <p:cNvPr id="33" name="Connettore 1 32"/>
-          <p:cNvCxnSpPr/>
-          <p:nvPr/>
-        </p:nvCxnSpPr>
-        <p:spPr>
-          <a:xfrm>
-            <a:off x="2849567" y="3512296"/>
-            <a:ext cx="512242" cy="391252"/>
-          </a:xfrm>
-          <a:prstGeom prst="line">
-            <a:avLst/>
-          </a:prstGeom>
-          <a:ln w="38100"/>
-        </p:spPr>
-        <p:style>
-          <a:lnRef idx="3">
-            <a:schemeClr val="dk1"/>
-          </a:lnRef>
-          <a:fillRef idx="0">
-            <a:schemeClr val="dk1"/>
-          </a:fillRef>
-          <a:effectRef idx="2">
-            <a:schemeClr val="dk1"/>
-          </a:effectRef>
-          <a:fontRef idx="minor">
-            <a:schemeClr val="tx1"/>
-          </a:fontRef>
-        </p:style>
-      </p:cxnSp>
-      <p:cxnSp>
-        <p:nvCxnSpPr>
-          <p:cNvPr id="37" name="Connettore 1 36"/>
-          <p:cNvCxnSpPr/>
-          <p:nvPr/>
-        </p:nvCxnSpPr>
-        <p:spPr>
-          <a:xfrm flipH="1">
-            <a:off x="4344525" y="3853088"/>
-            <a:ext cx="24346" cy="914400"/>
-          </a:xfrm>
-          <a:prstGeom prst="line">
-            <a:avLst/>
-          </a:prstGeom>
-          <a:ln w="38100"/>
-        </p:spPr>
-        <p:style>
-          <a:lnRef idx="3">
-            <a:schemeClr val="dk1"/>
-          </a:lnRef>
-          <a:fillRef idx="0">
-            <a:schemeClr val="dk1"/>
-          </a:fillRef>
-          <a:effectRef idx="2">
-            <a:schemeClr val="dk1"/>
-          </a:effectRef>
-          <a:fontRef idx="minor">
-            <a:schemeClr val="tx1"/>
-          </a:fontRef>
-        </p:style>
-      </p:cxnSp>
-      <p:cxnSp>
-        <p:nvCxnSpPr>
-          <p:cNvPr id="38" name="Connettore 1 37"/>
-          <p:cNvCxnSpPr/>
-          <p:nvPr/>
-        </p:nvCxnSpPr>
-        <p:spPr>
-          <a:xfrm>
-            <a:off x="4371099" y="3841658"/>
-            <a:ext cx="512242" cy="391252"/>
-          </a:xfrm>
-          <a:prstGeom prst="line">
-            <a:avLst/>
-          </a:prstGeom>
-          <a:ln w="38100"/>
-        </p:spPr>
-        <p:style>
-          <a:lnRef idx="3">
-            <a:schemeClr val="dk1"/>
-          </a:lnRef>
-          <a:fillRef idx="0">
-            <a:schemeClr val="dk1"/>
-          </a:fillRef>
-          <a:effectRef idx="2">
-            <a:schemeClr val="dk1"/>
-          </a:effectRef>
-          <a:fontRef idx="minor">
-            <a:schemeClr val="tx1"/>
-          </a:fontRef>
-        </p:style>
-      </p:cxnSp>
-      <p:cxnSp>
-        <p:nvCxnSpPr>
-          <p:cNvPr id="39" name="Connettore 1 38"/>
-          <p:cNvCxnSpPr/>
-          <p:nvPr/>
-        </p:nvCxnSpPr>
-        <p:spPr>
-          <a:xfrm>
-            <a:off x="2340273" y="304800"/>
-            <a:ext cx="466856" cy="769631"/>
-          </a:xfrm>
-          <a:prstGeom prst="line">
-            <a:avLst/>
-          </a:prstGeom>
-          <a:ln w="38100"/>
-        </p:spPr>
-        <p:style>
-          <a:lnRef idx="3">
-            <a:schemeClr val="dk1"/>
-          </a:lnRef>
-          <a:fillRef idx="0">
-            <a:schemeClr val="dk1"/>
-          </a:fillRef>
-          <a:effectRef idx="2">
-            <a:schemeClr val="dk1"/>
-          </a:effectRef>
-          <a:fontRef idx="minor">
-            <a:schemeClr val="tx1"/>
-          </a:fontRef>
-        </p:style>
-      </p:cxnSp>
-      <p:cxnSp>
-        <p:nvCxnSpPr>
-          <p:cNvPr id="41" name="Connettore 1 40"/>
-          <p:cNvCxnSpPr/>
-          <p:nvPr/>
-        </p:nvCxnSpPr>
-        <p:spPr>
-          <a:xfrm>
-            <a:off x="4883341" y="393677"/>
-            <a:ext cx="466856" cy="769631"/>
-          </a:xfrm>
-          <a:prstGeom prst="line">
-            <a:avLst/>
-          </a:prstGeom>
-          <a:ln w="38100"/>
-        </p:spPr>
-        <p:style>
-          <a:lnRef idx="3">
-            <a:schemeClr val="dk1"/>
-          </a:lnRef>
-          <a:fillRef idx="0">
-            <a:schemeClr val="dk1"/>
-          </a:fillRef>
-          <a:effectRef idx="2">
-            <a:schemeClr val="dk1"/>
-          </a:effectRef>
-          <a:fontRef idx="minor">
-            <a:schemeClr val="tx1"/>
-          </a:fontRef>
-        </p:style>
-      </p:cxnSp>
+        </p:grpSpPr>
+        <p:sp>
+          <p:nvSpPr>
+            <p:cNvPr id="186" name="Figura a mano libera 185"/>
+            <p:cNvSpPr/>
+            <p:nvPr/>
+          </p:nvSpPr>
+          <p:spPr>
+            <a:xfrm>
+              <a:off x="5377990" y="1979542"/>
+              <a:ext cx="625166" cy="751805"/>
+            </a:xfrm>
+            <a:custGeom>
+              <a:avLst/>
+              <a:gdLst>
+                <a:gd name="connsiteX0" fmla="*/ 435837 w 2337687"/>
+                <a:gd name="connsiteY0" fmla="*/ 0 h 2648309"/>
+                <a:gd name="connsiteX1" fmla="*/ 4516 w 2337687"/>
+                <a:gd name="connsiteY1" fmla="*/ 923026 h 2648309"/>
+                <a:gd name="connsiteX2" fmla="*/ 677376 w 2337687"/>
+                <a:gd name="connsiteY2" fmla="*/ 1535501 h 2648309"/>
+                <a:gd name="connsiteX3" fmla="*/ 1695293 w 2337687"/>
+                <a:gd name="connsiteY3" fmla="*/ 1647645 h 2648309"/>
+                <a:gd name="connsiteX4" fmla="*/ 2307769 w 2337687"/>
+                <a:gd name="connsiteY4" fmla="*/ 2380890 h 2648309"/>
+                <a:gd name="connsiteX5" fmla="*/ 2238757 w 2337687"/>
+                <a:gd name="connsiteY5" fmla="*/ 2648309 h 2648309"/>
+              </a:gdLst>
+              <a:ahLst/>
+              <a:cxnLst>
+                <a:cxn ang="0">
+                  <a:pos x="connsiteX0" y="connsiteY0"/>
+                </a:cxn>
+                <a:cxn ang="0">
+                  <a:pos x="connsiteX1" y="connsiteY1"/>
+                </a:cxn>
+                <a:cxn ang="0">
+                  <a:pos x="connsiteX2" y="connsiteY2"/>
+                </a:cxn>
+                <a:cxn ang="0">
+                  <a:pos x="connsiteX3" y="connsiteY3"/>
+                </a:cxn>
+                <a:cxn ang="0">
+                  <a:pos x="connsiteX4" y="connsiteY4"/>
+                </a:cxn>
+                <a:cxn ang="0">
+                  <a:pos x="connsiteX5" y="connsiteY5"/>
+                </a:cxn>
+              </a:cxnLst>
+              <a:rect l="l" t="t" r="r" b="b"/>
+              <a:pathLst>
+                <a:path w="2337687" h="2648309">
+                  <a:moveTo>
+                    <a:pt x="435837" y="0"/>
+                  </a:moveTo>
+                  <a:cubicBezTo>
+                    <a:pt x="200048" y="333554"/>
+                    <a:pt x="-35740" y="667109"/>
+                    <a:pt x="4516" y="923026"/>
+                  </a:cubicBezTo>
+                  <a:cubicBezTo>
+                    <a:pt x="44772" y="1178943"/>
+                    <a:pt x="395580" y="1414731"/>
+                    <a:pt x="677376" y="1535501"/>
+                  </a:cubicBezTo>
+                  <a:cubicBezTo>
+                    <a:pt x="959172" y="1656271"/>
+                    <a:pt x="1423561" y="1506747"/>
+                    <a:pt x="1695293" y="1647645"/>
+                  </a:cubicBezTo>
+                  <a:cubicBezTo>
+                    <a:pt x="1967025" y="1788543"/>
+                    <a:pt x="2217192" y="2214113"/>
+                    <a:pt x="2307769" y="2380890"/>
+                  </a:cubicBezTo>
+                  <a:cubicBezTo>
+                    <a:pt x="2398346" y="2547667"/>
+                    <a:pt x="2256010" y="2603739"/>
+                    <a:pt x="2238757" y="2648309"/>
+                  </a:cubicBezTo>
+                </a:path>
+              </a:pathLst>
+            </a:custGeom>
+            <a:noFill/>
+          </p:spPr>
+          <p:style>
+            <a:lnRef idx="2">
+              <a:schemeClr val="accent1">
+                <a:shade val="50000"/>
+              </a:schemeClr>
+            </a:lnRef>
+            <a:fillRef idx="1">
+              <a:schemeClr val="accent1"/>
+            </a:fillRef>
+            <a:effectRef idx="0">
+              <a:schemeClr val="accent1"/>
+            </a:effectRef>
+            <a:fontRef idx="minor">
+              <a:schemeClr val="lt1"/>
+            </a:fontRef>
+          </p:style>
+          <p:txBody>
+            <a:bodyPr rtlCol="0" anchor="ctr"/>
+            <a:lstStyle/>
+            <a:p>
+              <a:pPr algn="ctr"/>
+              <a:endParaRPr lang="it-IT"/>
+            </a:p>
+          </p:txBody>
+        </p:sp>
+        <p:sp>
+          <p:nvSpPr>
+            <p:cNvPr id="188" name="Figura a mano libera 187"/>
+            <p:cNvSpPr/>
+            <p:nvPr/>
+          </p:nvSpPr>
+          <p:spPr>
+            <a:xfrm>
+              <a:off x="5234812" y="2366660"/>
+              <a:ext cx="244372" cy="337796"/>
+            </a:xfrm>
+            <a:custGeom>
+              <a:avLst/>
+              <a:gdLst>
+                <a:gd name="connsiteX0" fmla="*/ 896112 w 896112"/>
+                <a:gd name="connsiteY0" fmla="*/ 0 h 1188720"/>
+                <a:gd name="connsiteX1" fmla="*/ 164592 w 896112"/>
+                <a:gd name="connsiteY1" fmla="*/ 481584 h 1188720"/>
+                <a:gd name="connsiteX2" fmla="*/ 0 w 896112"/>
+                <a:gd name="connsiteY2" fmla="*/ 1188720 h 1188720"/>
+              </a:gdLst>
+              <a:ahLst/>
+              <a:cxnLst>
+                <a:cxn ang="0">
+                  <a:pos x="connsiteX0" y="connsiteY0"/>
+                </a:cxn>
+                <a:cxn ang="0">
+                  <a:pos x="connsiteX1" y="connsiteY1"/>
+                </a:cxn>
+                <a:cxn ang="0">
+                  <a:pos x="connsiteX2" y="connsiteY2"/>
+                </a:cxn>
+              </a:cxnLst>
+              <a:rect l="l" t="t" r="r" b="b"/>
+              <a:pathLst>
+                <a:path w="896112" h="1188720">
+                  <a:moveTo>
+                    <a:pt x="896112" y="0"/>
+                  </a:moveTo>
+                  <a:cubicBezTo>
+                    <a:pt x="605028" y="141732"/>
+                    <a:pt x="313944" y="283464"/>
+                    <a:pt x="164592" y="481584"/>
+                  </a:cubicBezTo>
+                  <a:cubicBezTo>
+                    <a:pt x="15240" y="679704"/>
+                    <a:pt x="7620" y="934212"/>
+                    <a:pt x="0" y="1188720"/>
+                  </a:cubicBezTo>
+                </a:path>
+              </a:pathLst>
+            </a:custGeom>
+            <a:noFill/>
+          </p:spPr>
+          <p:style>
+            <a:lnRef idx="2">
+              <a:schemeClr val="accent1">
+                <a:shade val="50000"/>
+              </a:schemeClr>
+            </a:lnRef>
+            <a:fillRef idx="1">
+              <a:schemeClr val="accent1"/>
+            </a:fillRef>
+            <a:effectRef idx="0">
+              <a:schemeClr val="accent1"/>
+            </a:effectRef>
+            <a:fontRef idx="minor">
+              <a:schemeClr val="lt1"/>
+            </a:fontRef>
+          </p:style>
+          <p:txBody>
+            <a:bodyPr rtlCol="0" anchor="ctr"/>
+            <a:lstStyle/>
+            <a:p>
+              <a:pPr algn="ctr"/>
+              <a:endParaRPr lang="it-IT"/>
+            </a:p>
+          </p:txBody>
+        </p:sp>
+        <p:sp>
+          <p:nvSpPr>
+            <p:cNvPr id="189" name="CasellaDiTesto 188"/>
+            <p:cNvSpPr txBox="1"/>
+            <p:nvPr/>
+          </p:nvSpPr>
+          <p:spPr>
+            <a:xfrm>
+              <a:off x="5609134" y="2060720"/>
+              <a:ext cx="256802" cy="261610"/>
+            </a:xfrm>
+            <a:prstGeom prst="rect">
+              <a:avLst/>
+            </a:prstGeom>
+            <a:noFill/>
+          </p:spPr>
+          <p:txBody>
+            <a:bodyPr wrap="none" rtlCol="0">
+              <a:spAutoFit/>
+            </a:bodyPr>
+            <a:lstStyle/>
+            <a:p>
+              <a:r>
+                <a:rPr lang="en-GB" sz="1050" dirty="0" smtClean="0"/>
+                <a:t>3</a:t>
+              </a:r>
+              <a:endParaRPr lang="en-GB" sz="1050" dirty="0"/>
+            </a:p>
+          </p:txBody>
+        </p:sp>
+        <p:sp>
+          <p:nvSpPr>
+            <p:cNvPr id="191" name="CasellaDiTesto 190"/>
+            <p:cNvSpPr txBox="1"/>
+            <p:nvPr/>
+          </p:nvSpPr>
+          <p:spPr>
+            <a:xfrm>
+              <a:off x="5476295" y="2513574"/>
+              <a:ext cx="256802" cy="261610"/>
+            </a:xfrm>
+            <a:prstGeom prst="rect">
+              <a:avLst/>
+            </a:prstGeom>
+            <a:noFill/>
+          </p:spPr>
+          <p:txBody>
+            <a:bodyPr wrap="none" rtlCol="0">
+              <a:spAutoFit/>
+            </a:bodyPr>
+            <a:lstStyle/>
+            <a:p>
+              <a:r>
+                <a:rPr lang="en-GB" sz="1050" dirty="0" smtClean="0"/>
+                <a:t>3</a:t>
+              </a:r>
+              <a:endParaRPr lang="en-GB" sz="1050" dirty="0"/>
+            </a:p>
+          </p:txBody>
+        </p:sp>
+        <p:sp>
+          <p:nvSpPr>
+            <p:cNvPr id="192" name="CasellaDiTesto 191"/>
+            <p:cNvSpPr txBox="1"/>
+            <p:nvPr/>
+          </p:nvSpPr>
+          <p:spPr>
+            <a:xfrm>
+              <a:off x="5109053" y="2031862"/>
+              <a:ext cx="256802" cy="261610"/>
+            </a:xfrm>
+            <a:prstGeom prst="rect">
+              <a:avLst/>
+            </a:prstGeom>
+            <a:noFill/>
+          </p:spPr>
+          <p:txBody>
+            <a:bodyPr wrap="none" rtlCol="0">
+              <a:spAutoFit/>
+            </a:bodyPr>
+            <a:lstStyle/>
+            <a:p>
+              <a:r>
+                <a:rPr lang="en-GB" sz="1050" dirty="0" smtClean="0"/>
+                <a:t>3</a:t>
+              </a:r>
+              <a:endParaRPr lang="en-GB" sz="1050" dirty="0"/>
+            </a:p>
+          </p:txBody>
+        </p:sp>
+        <p:sp>
+          <p:nvSpPr>
+            <p:cNvPr id="193" name="CasellaDiTesto 192"/>
+            <p:cNvSpPr txBox="1"/>
+            <p:nvPr/>
+          </p:nvSpPr>
+          <p:spPr>
+            <a:xfrm>
+              <a:off x="4905944" y="1732894"/>
+              <a:ext cx="253596" cy="253916"/>
+            </a:xfrm>
+            <a:prstGeom prst="rect">
+              <a:avLst/>
+            </a:prstGeom>
+            <a:noFill/>
+          </p:spPr>
+          <p:txBody>
+            <a:bodyPr wrap="none" rtlCol="0">
+              <a:spAutoFit/>
+            </a:bodyPr>
+            <a:lstStyle/>
+            <a:p>
+              <a:r>
+                <a:rPr lang="en-GB" sz="1050" dirty="0" smtClean="0"/>
+                <a:t>3</a:t>
+              </a:r>
+              <a:endParaRPr lang="en-GB" sz="1050" dirty="0"/>
+            </a:p>
+          </p:txBody>
+        </p:sp>
+        <p:sp>
+          <p:nvSpPr>
+            <p:cNvPr id="194" name="Figura a mano libera 193"/>
+            <p:cNvSpPr/>
+            <p:nvPr/>
+          </p:nvSpPr>
+          <p:spPr>
+            <a:xfrm>
+              <a:off x="5232826" y="2698588"/>
+              <a:ext cx="764540" cy="56025"/>
+            </a:xfrm>
+            <a:custGeom>
+              <a:avLst/>
+              <a:gdLst>
+                <a:gd name="connsiteX0" fmla="*/ 0 w 764540"/>
+                <a:gd name="connsiteY0" fmla="*/ 0 h 56025"/>
+                <a:gd name="connsiteX1" fmla="*/ 236220 w 764540"/>
+                <a:gd name="connsiteY1" fmla="*/ 40640 h 56025"/>
+                <a:gd name="connsiteX2" fmla="*/ 487680 w 764540"/>
+                <a:gd name="connsiteY2" fmla="*/ 55880 h 56025"/>
+                <a:gd name="connsiteX3" fmla="*/ 764540 w 764540"/>
+                <a:gd name="connsiteY3" fmla="*/ 33020 h 56025"/>
+              </a:gdLst>
+              <a:ahLst/>
+              <a:cxnLst>
+                <a:cxn ang="0">
+                  <a:pos x="connsiteX0" y="connsiteY0"/>
+                </a:cxn>
+                <a:cxn ang="0">
+                  <a:pos x="connsiteX1" y="connsiteY1"/>
+                </a:cxn>
+                <a:cxn ang="0">
+                  <a:pos x="connsiteX2" y="connsiteY2"/>
+                </a:cxn>
+                <a:cxn ang="0">
+                  <a:pos x="connsiteX3" y="connsiteY3"/>
+                </a:cxn>
+              </a:cxnLst>
+              <a:rect l="l" t="t" r="r" b="b"/>
+              <a:pathLst>
+                <a:path w="764540" h="56025">
+                  <a:moveTo>
+                    <a:pt x="0" y="0"/>
+                  </a:moveTo>
+                  <a:cubicBezTo>
+                    <a:pt x="77470" y="15663"/>
+                    <a:pt x="154940" y="31327"/>
+                    <a:pt x="236220" y="40640"/>
+                  </a:cubicBezTo>
+                  <a:cubicBezTo>
+                    <a:pt x="317500" y="49953"/>
+                    <a:pt x="399627" y="57150"/>
+                    <a:pt x="487680" y="55880"/>
+                  </a:cubicBezTo>
+                  <a:cubicBezTo>
+                    <a:pt x="575733" y="54610"/>
+                    <a:pt x="670136" y="43815"/>
+                    <a:pt x="764540" y="33020"/>
+                  </a:cubicBezTo>
+                </a:path>
+              </a:pathLst>
+            </a:custGeom>
+            <a:noFill/>
+          </p:spPr>
+          <p:style>
+            <a:lnRef idx="2">
+              <a:schemeClr val="accent1">
+                <a:shade val="50000"/>
+              </a:schemeClr>
+            </a:lnRef>
+            <a:fillRef idx="1">
+              <a:schemeClr val="accent1"/>
+            </a:fillRef>
+            <a:effectRef idx="0">
+              <a:schemeClr val="accent1"/>
+            </a:effectRef>
+            <a:fontRef idx="minor">
+              <a:schemeClr val="lt1"/>
+            </a:fontRef>
+          </p:style>
+          <p:txBody>
+            <a:bodyPr rtlCol="0" anchor="ctr"/>
+            <a:lstStyle/>
+            <a:p>
+              <a:pPr algn="ctr"/>
+              <a:endParaRPr lang="it-IT"/>
+            </a:p>
+          </p:txBody>
+        </p:sp>
+        <p:sp>
+          <p:nvSpPr>
+            <p:cNvPr id="195" name="Figura a mano libera 194"/>
+            <p:cNvSpPr/>
+            <p:nvPr/>
+          </p:nvSpPr>
+          <p:spPr>
+            <a:xfrm>
+              <a:off x="4990282" y="2245688"/>
+              <a:ext cx="246677" cy="453535"/>
+            </a:xfrm>
+            <a:custGeom>
+              <a:avLst/>
+              <a:gdLst>
+                <a:gd name="connsiteX0" fmla="*/ 0 w 233680"/>
+                <a:gd name="connsiteY0" fmla="*/ 0 h 452120"/>
+                <a:gd name="connsiteX1" fmla="*/ 27940 w 233680"/>
+                <a:gd name="connsiteY1" fmla="*/ 116840 h 452120"/>
+                <a:gd name="connsiteX2" fmla="*/ 50800 w 233680"/>
+                <a:gd name="connsiteY2" fmla="*/ 203200 h 452120"/>
+                <a:gd name="connsiteX3" fmla="*/ 76200 w 233680"/>
+                <a:gd name="connsiteY3" fmla="*/ 325120 h 452120"/>
+                <a:gd name="connsiteX4" fmla="*/ 96520 w 233680"/>
+                <a:gd name="connsiteY4" fmla="*/ 393700 h 452120"/>
+                <a:gd name="connsiteX5" fmla="*/ 144780 w 233680"/>
+                <a:gd name="connsiteY5" fmla="*/ 416560 h 452120"/>
+                <a:gd name="connsiteX6" fmla="*/ 233680 w 233680"/>
+                <a:gd name="connsiteY6" fmla="*/ 452120 h 452120"/>
+              </a:gdLst>
+              <a:ahLst/>
+              <a:cxnLst>
+                <a:cxn ang="0">
+                  <a:pos x="connsiteX0" y="connsiteY0"/>
+                </a:cxn>
+                <a:cxn ang="0">
+                  <a:pos x="connsiteX1" y="connsiteY1"/>
+                </a:cxn>
+                <a:cxn ang="0">
+                  <a:pos x="connsiteX2" y="connsiteY2"/>
+                </a:cxn>
+                <a:cxn ang="0">
+                  <a:pos x="connsiteX3" y="connsiteY3"/>
+                </a:cxn>
+                <a:cxn ang="0">
+                  <a:pos x="connsiteX4" y="connsiteY4"/>
+                </a:cxn>
+                <a:cxn ang="0">
+                  <a:pos x="connsiteX5" y="connsiteY5"/>
+                </a:cxn>
+                <a:cxn ang="0">
+                  <a:pos x="connsiteX6" y="connsiteY6"/>
+                </a:cxn>
+              </a:cxnLst>
+              <a:rect l="l" t="t" r="r" b="b"/>
+              <a:pathLst>
+                <a:path w="233680" h="452120">
+                  <a:moveTo>
+                    <a:pt x="0" y="0"/>
+                  </a:moveTo>
+                  <a:cubicBezTo>
+                    <a:pt x="9736" y="41486"/>
+                    <a:pt x="19473" y="82973"/>
+                    <a:pt x="27940" y="116840"/>
+                  </a:cubicBezTo>
+                  <a:cubicBezTo>
+                    <a:pt x="36407" y="150707"/>
+                    <a:pt x="42757" y="168487"/>
+                    <a:pt x="50800" y="203200"/>
+                  </a:cubicBezTo>
+                  <a:cubicBezTo>
+                    <a:pt x="58843" y="237913"/>
+                    <a:pt x="68580" y="293370"/>
+                    <a:pt x="76200" y="325120"/>
+                  </a:cubicBezTo>
+                  <a:cubicBezTo>
+                    <a:pt x="83820" y="356870"/>
+                    <a:pt x="85090" y="378460"/>
+                    <a:pt x="96520" y="393700"/>
+                  </a:cubicBezTo>
+                  <a:cubicBezTo>
+                    <a:pt x="107950" y="408940"/>
+                    <a:pt x="121920" y="406823"/>
+                    <a:pt x="144780" y="416560"/>
+                  </a:cubicBezTo>
+                  <a:cubicBezTo>
+                    <a:pt x="167640" y="426297"/>
+                    <a:pt x="200660" y="439208"/>
+                    <a:pt x="233680" y="452120"/>
+                  </a:cubicBezTo>
+                </a:path>
+              </a:pathLst>
+            </a:custGeom>
+            <a:noFill/>
+          </p:spPr>
+          <p:style>
+            <a:lnRef idx="2">
+              <a:schemeClr val="accent1">
+                <a:shade val="50000"/>
+              </a:schemeClr>
+            </a:lnRef>
+            <a:fillRef idx="1">
+              <a:schemeClr val="accent1"/>
+            </a:fillRef>
+            <a:effectRef idx="0">
+              <a:schemeClr val="accent1"/>
+            </a:effectRef>
+            <a:fontRef idx="minor">
+              <a:schemeClr val="lt1"/>
+            </a:fontRef>
+          </p:style>
+          <p:txBody>
+            <a:bodyPr rtlCol="0" anchor="ctr"/>
+            <a:lstStyle/>
+            <a:p>
+              <a:pPr algn="ctr"/>
+              <a:endParaRPr lang="it-IT"/>
+            </a:p>
+          </p:txBody>
+        </p:sp>
+        <p:sp>
+          <p:nvSpPr>
+            <p:cNvPr id="196" name="Figura a mano libera 195"/>
+            <p:cNvSpPr/>
+            <p:nvPr/>
+          </p:nvSpPr>
+          <p:spPr>
+            <a:xfrm>
+              <a:off x="5993093" y="2286847"/>
+              <a:ext cx="431800" cy="444500"/>
+            </a:xfrm>
+            <a:custGeom>
+              <a:avLst/>
+              <a:gdLst>
+                <a:gd name="connsiteX0" fmla="*/ 0 w 431800"/>
+                <a:gd name="connsiteY0" fmla="*/ 444500 h 444500"/>
+                <a:gd name="connsiteX1" fmla="*/ 154940 w 431800"/>
+                <a:gd name="connsiteY1" fmla="*/ 421640 h 444500"/>
+                <a:gd name="connsiteX2" fmla="*/ 304800 w 431800"/>
+                <a:gd name="connsiteY2" fmla="*/ 345440 h 444500"/>
+                <a:gd name="connsiteX3" fmla="*/ 401320 w 431800"/>
+                <a:gd name="connsiteY3" fmla="*/ 144780 h 444500"/>
+                <a:gd name="connsiteX4" fmla="*/ 431800 w 431800"/>
+                <a:gd name="connsiteY4" fmla="*/ 0 h 444500"/>
+                <a:gd name="connsiteX0" fmla="*/ 0 w 431800"/>
+                <a:gd name="connsiteY0" fmla="*/ 444500 h 444500"/>
+                <a:gd name="connsiteX1" fmla="*/ 154940 w 431800"/>
+                <a:gd name="connsiteY1" fmla="*/ 421640 h 444500"/>
+                <a:gd name="connsiteX2" fmla="*/ 281940 w 431800"/>
+                <a:gd name="connsiteY2" fmla="*/ 326390 h 444500"/>
+                <a:gd name="connsiteX3" fmla="*/ 401320 w 431800"/>
+                <a:gd name="connsiteY3" fmla="*/ 144780 h 444500"/>
+                <a:gd name="connsiteX4" fmla="*/ 431800 w 431800"/>
+                <a:gd name="connsiteY4" fmla="*/ 0 h 444500"/>
+                <a:gd name="connsiteX0" fmla="*/ 0 w 431800"/>
+                <a:gd name="connsiteY0" fmla="*/ 444500 h 444500"/>
+                <a:gd name="connsiteX1" fmla="*/ 154940 w 431800"/>
+                <a:gd name="connsiteY1" fmla="*/ 421640 h 444500"/>
+                <a:gd name="connsiteX2" fmla="*/ 308610 w 431800"/>
+                <a:gd name="connsiteY2" fmla="*/ 322580 h 444500"/>
+                <a:gd name="connsiteX3" fmla="*/ 401320 w 431800"/>
+                <a:gd name="connsiteY3" fmla="*/ 144780 h 444500"/>
+                <a:gd name="connsiteX4" fmla="*/ 431800 w 431800"/>
+                <a:gd name="connsiteY4" fmla="*/ 0 h 444500"/>
+                <a:gd name="connsiteX0" fmla="*/ 0 w 431800"/>
+                <a:gd name="connsiteY0" fmla="*/ 444500 h 444500"/>
+                <a:gd name="connsiteX1" fmla="*/ 154940 w 431800"/>
+                <a:gd name="connsiteY1" fmla="*/ 406400 h 444500"/>
+                <a:gd name="connsiteX2" fmla="*/ 308610 w 431800"/>
+                <a:gd name="connsiteY2" fmla="*/ 322580 h 444500"/>
+                <a:gd name="connsiteX3" fmla="*/ 401320 w 431800"/>
+                <a:gd name="connsiteY3" fmla="*/ 144780 h 444500"/>
+                <a:gd name="connsiteX4" fmla="*/ 431800 w 431800"/>
+                <a:gd name="connsiteY4" fmla="*/ 0 h 444500"/>
+                <a:gd name="connsiteX0" fmla="*/ 0 w 431800"/>
+                <a:gd name="connsiteY0" fmla="*/ 444500 h 444500"/>
+                <a:gd name="connsiteX1" fmla="*/ 154940 w 431800"/>
+                <a:gd name="connsiteY1" fmla="*/ 406400 h 444500"/>
+                <a:gd name="connsiteX2" fmla="*/ 316230 w 431800"/>
+                <a:gd name="connsiteY2" fmla="*/ 307340 h 444500"/>
+                <a:gd name="connsiteX3" fmla="*/ 401320 w 431800"/>
+                <a:gd name="connsiteY3" fmla="*/ 144780 h 444500"/>
+                <a:gd name="connsiteX4" fmla="*/ 431800 w 431800"/>
+                <a:gd name="connsiteY4" fmla="*/ 0 h 444500"/>
+              </a:gdLst>
+              <a:ahLst/>
+              <a:cxnLst>
+                <a:cxn ang="0">
+                  <a:pos x="connsiteX0" y="connsiteY0"/>
+                </a:cxn>
+                <a:cxn ang="0">
+                  <a:pos x="connsiteX1" y="connsiteY1"/>
+                </a:cxn>
+                <a:cxn ang="0">
+                  <a:pos x="connsiteX2" y="connsiteY2"/>
+                </a:cxn>
+                <a:cxn ang="0">
+                  <a:pos x="connsiteX3" y="connsiteY3"/>
+                </a:cxn>
+                <a:cxn ang="0">
+                  <a:pos x="connsiteX4" y="connsiteY4"/>
+                </a:cxn>
+              </a:cxnLst>
+              <a:rect l="l" t="t" r="r" b="b"/>
+              <a:pathLst>
+                <a:path w="431800" h="444500">
+                  <a:moveTo>
+                    <a:pt x="0" y="444500"/>
+                  </a:moveTo>
+                  <a:cubicBezTo>
+                    <a:pt x="52070" y="441325"/>
+                    <a:pt x="102235" y="429260"/>
+                    <a:pt x="154940" y="406400"/>
+                  </a:cubicBezTo>
+                  <a:cubicBezTo>
+                    <a:pt x="207645" y="383540"/>
+                    <a:pt x="275167" y="350943"/>
+                    <a:pt x="316230" y="307340"/>
+                  </a:cubicBezTo>
+                  <a:cubicBezTo>
+                    <a:pt x="357293" y="263737"/>
+                    <a:pt x="382058" y="196003"/>
+                    <a:pt x="401320" y="144780"/>
+                  </a:cubicBezTo>
+                  <a:cubicBezTo>
+                    <a:pt x="420582" y="93557"/>
+                    <a:pt x="427143" y="43603"/>
+                    <a:pt x="431800" y="0"/>
+                  </a:cubicBezTo>
+                </a:path>
+              </a:pathLst>
+            </a:custGeom>
+            <a:noFill/>
+          </p:spPr>
+          <p:style>
+            <a:lnRef idx="2">
+              <a:schemeClr val="accent1">
+                <a:shade val="50000"/>
+              </a:schemeClr>
+            </a:lnRef>
+            <a:fillRef idx="1">
+              <a:schemeClr val="accent1"/>
+            </a:fillRef>
+            <a:effectRef idx="0">
+              <a:schemeClr val="accent1"/>
+            </a:effectRef>
+            <a:fontRef idx="minor">
+              <a:schemeClr val="lt1"/>
+            </a:fontRef>
+          </p:style>
+          <p:txBody>
+            <a:bodyPr rtlCol="0" anchor="ctr"/>
+            <a:lstStyle/>
+            <a:p>
+              <a:pPr algn="ctr"/>
+              <a:endParaRPr lang="it-IT"/>
+            </a:p>
+          </p:txBody>
+        </p:sp>
+        <p:sp>
+          <p:nvSpPr>
+            <p:cNvPr id="197" name="Figura a mano libera 196"/>
+            <p:cNvSpPr/>
+            <p:nvPr/>
+          </p:nvSpPr>
+          <p:spPr>
+            <a:xfrm>
+              <a:off x="6125125" y="1822158"/>
+              <a:ext cx="319493" cy="471314"/>
+            </a:xfrm>
+            <a:custGeom>
+              <a:avLst/>
+              <a:gdLst>
+                <a:gd name="connsiteX0" fmla="*/ 0 w 366213"/>
+                <a:gd name="connsiteY0" fmla="*/ 11430 h 468630"/>
+                <a:gd name="connsiteX1" fmla="*/ 99060 w 366213"/>
+                <a:gd name="connsiteY1" fmla="*/ 0 h 468630"/>
+                <a:gd name="connsiteX2" fmla="*/ 186690 w 366213"/>
+                <a:gd name="connsiteY2" fmla="*/ 11430 h 468630"/>
+                <a:gd name="connsiteX3" fmla="*/ 281940 w 366213"/>
+                <a:gd name="connsiteY3" fmla="*/ 60960 h 468630"/>
+                <a:gd name="connsiteX4" fmla="*/ 342900 w 366213"/>
+                <a:gd name="connsiteY4" fmla="*/ 133350 h 468630"/>
+                <a:gd name="connsiteX5" fmla="*/ 365760 w 366213"/>
+                <a:gd name="connsiteY5" fmla="*/ 240030 h 468630"/>
+                <a:gd name="connsiteX6" fmla="*/ 358140 w 366213"/>
+                <a:gd name="connsiteY6" fmla="*/ 339090 h 468630"/>
+                <a:gd name="connsiteX7" fmla="*/ 358140 w 366213"/>
+                <a:gd name="connsiteY7" fmla="*/ 415290 h 468630"/>
+                <a:gd name="connsiteX8" fmla="*/ 342900 w 366213"/>
+                <a:gd name="connsiteY8" fmla="*/ 468630 h 468630"/>
+              </a:gdLst>
+              <a:ahLst/>
+              <a:cxnLst>
+                <a:cxn ang="0">
+                  <a:pos x="connsiteX0" y="connsiteY0"/>
+                </a:cxn>
+                <a:cxn ang="0">
+                  <a:pos x="connsiteX1" y="connsiteY1"/>
+                </a:cxn>
+                <a:cxn ang="0">
+                  <a:pos x="connsiteX2" y="connsiteY2"/>
+                </a:cxn>
+                <a:cxn ang="0">
+                  <a:pos x="connsiteX3" y="connsiteY3"/>
+                </a:cxn>
+                <a:cxn ang="0">
+                  <a:pos x="connsiteX4" y="connsiteY4"/>
+                </a:cxn>
+                <a:cxn ang="0">
+                  <a:pos x="connsiteX5" y="connsiteY5"/>
+                </a:cxn>
+                <a:cxn ang="0">
+                  <a:pos x="connsiteX6" y="connsiteY6"/>
+                </a:cxn>
+                <a:cxn ang="0">
+                  <a:pos x="connsiteX7" y="connsiteY7"/>
+                </a:cxn>
+                <a:cxn ang="0">
+                  <a:pos x="connsiteX8" y="connsiteY8"/>
+                </a:cxn>
+              </a:cxnLst>
+              <a:rect l="l" t="t" r="r" b="b"/>
+              <a:pathLst>
+                <a:path w="366213" h="468630">
+                  <a:moveTo>
+                    <a:pt x="0" y="11430"/>
+                  </a:moveTo>
+                  <a:cubicBezTo>
+                    <a:pt x="33972" y="5715"/>
+                    <a:pt x="67945" y="0"/>
+                    <a:pt x="99060" y="0"/>
+                  </a:cubicBezTo>
+                  <a:cubicBezTo>
+                    <a:pt x="130175" y="0"/>
+                    <a:pt x="156210" y="1270"/>
+                    <a:pt x="186690" y="11430"/>
+                  </a:cubicBezTo>
+                  <a:cubicBezTo>
+                    <a:pt x="217170" y="21590"/>
+                    <a:pt x="255905" y="40640"/>
+                    <a:pt x="281940" y="60960"/>
+                  </a:cubicBezTo>
+                  <a:cubicBezTo>
+                    <a:pt x="307975" y="81280"/>
+                    <a:pt x="328930" y="103505"/>
+                    <a:pt x="342900" y="133350"/>
+                  </a:cubicBezTo>
+                  <a:cubicBezTo>
+                    <a:pt x="356870" y="163195"/>
+                    <a:pt x="363220" y="205740"/>
+                    <a:pt x="365760" y="240030"/>
+                  </a:cubicBezTo>
+                  <a:cubicBezTo>
+                    <a:pt x="368300" y="274320"/>
+                    <a:pt x="359410" y="309880"/>
+                    <a:pt x="358140" y="339090"/>
+                  </a:cubicBezTo>
+                  <a:cubicBezTo>
+                    <a:pt x="356870" y="368300"/>
+                    <a:pt x="360680" y="393700"/>
+                    <a:pt x="358140" y="415290"/>
+                  </a:cubicBezTo>
+                  <a:cubicBezTo>
+                    <a:pt x="355600" y="436880"/>
+                    <a:pt x="349250" y="452755"/>
+                    <a:pt x="342900" y="468630"/>
+                  </a:cubicBezTo>
+                </a:path>
+              </a:pathLst>
+            </a:custGeom>
+            <a:noFill/>
+          </p:spPr>
+          <p:style>
+            <a:lnRef idx="2">
+              <a:schemeClr val="accent1">
+                <a:shade val="50000"/>
+              </a:schemeClr>
+            </a:lnRef>
+            <a:fillRef idx="1">
+              <a:schemeClr val="accent1"/>
+            </a:fillRef>
+            <a:effectRef idx="0">
+              <a:schemeClr val="accent1"/>
+            </a:effectRef>
+            <a:fontRef idx="minor">
+              <a:schemeClr val="lt1"/>
+            </a:fontRef>
+          </p:style>
+          <p:txBody>
+            <a:bodyPr rtlCol="0" anchor="ctr"/>
+            <a:lstStyle/>
+            <a:p>
+              <a:pPr algn="ctr"/>
+              <a:endParaRPr lang="it-IT">
+                <a:solidFill>
+                  <a:schemeClr val="lt1"/>
+                </a:solidFill>
+              </a:endParaRPr>
+            </a:p>
+          </p:txBody>
+        </p:sp>
+        <p:sp>
+          <p:nvSpPr>
+            <p:cNvPr id="198" name="Figura a mano libera 197"/>
+            <p:cNvSpPr/>
+            <p:nvPr/>
+          </p:nvSpPr>
+          <p:spPr>
+            <a:xfrm>
+              <a:off x="4992646" y="1923045"/>
+              <a:ext cx="503755" cy="335343"/>
+            </a:xfrm>
+            <a:custGeom>
+              <a:avLst/>
+              <a:gdLst>
+                <a:gd name="connsiteX0" fmla="*/ 177 w 495477"/>
+                <a:gd name="connsiteY0" fmla="*/ 335343 h 335343"/>
+                <a:gd name="connsiteX1" fmla="*/ 30657 w 495477"/>
+                <a:gd name="connsiteY1" fmla="*/ 175323 h 335343"/>
+                <a:gd name="connsiteX2" fmla="*/ 190677 w 495477"/>
+                <a:gd name="connsiteY2" fmla="*/ 45783 h 335343"/>
+                <a:gd name="connsiteX3" fmla="*/ 373557 w 495477"/>
+                <a:gd name="connsiteY3" fmla="*/ 63 h 335343"/>
+                <a:gd name="connsiteX4" fmla="*/ 495477 w 495477"/>
+                <a:gd name="connsiteY4" fmla="*/ 53403 h 335343"/>
+              </a:gdLst>
+              <a:ahLst/>
+              <a:cxnLst>
+                <a:cxn ang="0">
+                  <a:pos x="connsiteX0" y="connsiteY0"/>
+                </a:cxn>
+                <a:cxn ang="0">
+                  <a:pos x="connsiteX1" y="connsiteY1"/>
+                </a:cxn>
+                <a:cxn ang="0">
+                  <a:pos x="connsiteX2" y="connsiteY2"/>
+                </a:cxn>
+                <a:cxn ang="0">
+                  <a:pos x="connsiteX3" y="connsiteY3"/>
+                </a:cxn>
+                <a:cxn ang="0">
+                  <a:pos x="connsiteX4" y="connsiteY4"/>
+                </a:cxn>
+              </a:cxnLst>
+              <a:rect l="l" t="t" r="r" b="b"/>
+              <a:pathLst>
+                <a:path w="495477" h="335343">
+                  <a:moveTo>
+                    <a:pt x="177" y="335343"/>
+                  </a:moveTo>
+                  <a:cubicBezTo>
+                    <a:pt x="-458" y="279463"/>
+                    <a:pt x="-1093" y="223583"/>
+                    <a:pt x="30657" y="175323"/>
+                  </a:cubicBezTo>
+                  <a:cubicBezTo>
+                    <a:pt x="62407" y="127063"/>
+                    <a:pt x="133527" y="74993"/>
+                    <a:pt x="190677" y="45783"/>
+                  </a:cubicBezTo>
+                  <a:cubicBezTo>
+                    <a:pt x="247827" y="16573"/>
+                    <a:pt x="322757" y="-1207"/>
+                    <a:pt x="373557" y="63"/>
+                  </a:cubicBezTo>
+                  <a:cubicBezTo>
+                    <a:pt x="424357" y="1333"/>
+                    <a:pt x="459917" y="27368"/>
+                    <a:pt x="495477" y="53403"/>
+                  </a:cubicBezTo>
+                </a:path>
+              </a:pathLst>
+            </a:custGeom>
+            <a:noFill/>
+          </p:spPr>
+          <p:style>
+            <a:lnRef idx="2">
+              <a:schemeClr val="accent1">
+                <a:shade val="50000"/>
+              </a:schemeClr>
+            </a:lnRef>
+            <a:fillRef idx="1">
+              <a:schemeClr val="accent1"/>
+            </a:fillRef>
+            <a:effectRef idx="0">
+              <a:schemeClr val="accent1"/>
+            </a:effectRef>
+            <a:fontRef idx="minor">
+              <a:schemeClr val="lt1"/>
+            </a:fontRef>
+          </p:style>
+          <p:txBody>
+            <a:bodyPr rtlCol="0" anchor="ctr"/>
+            <a:lstStyle/>
+            <a:p>
+              <a:pPr algn="ctr"/>
+              <a:endParaRPr lang="en-GB"/>
+            </a:p>
+          </p:txBody>
+        </p:sp>
+        <p:sp>
+          <p:nvSpPr>
+            <p:cNvPr id="199" name="Figura a mano libera 198"/>
+            <p:cNvSpPr/>
+            <p:nvPr/>
+          </p:nvSpPr>
+          <p:spPr>
+            <a:xfrm>
+              <a:off x="5497012" y="1833460"/>
+              <a:ext cx="630028" cy="172753"/>
+            </a:xfrm>
+            <a:custGeom>
+              <a:avLst/>
+              <a:gdLst>
+                <a:gd name="connsiteX0" fmla="*/ 0 w 632460"/>
+                <a:gd name="connsiteY0" fmla="*/ 142875 h 173137"/>
+                <a:gd name="connsiteX1" fmla="*/ 163830 w 632460"/>
+                <a:gd name="connsiteY1" fmla="*/ 169545 h 173137"/>
+                <a:gd name="connsiteX2" fmla="*/ 493395 w 632460"/>
+                <a:gd name="connsiteY2" fmla="*/ 72390 h 173137"/>
+                <a:gd name="connsiteX3" fmla="*/ 558165 w 632460"/>
+                <a:gd name="connsiteY3" fmla="*/ 19050 h 173137"/>
+                <a:gd name="connsiteX4" fmla="*/ 632460 w 632460"/>
+                <a:gd name="connsiteY4" fmla="*/ 0 h 173137"/>
+                <a:gd name="connsiteX0" fmla="*/ 0 w 632460"/>
+                <a:gd name="connsiteY0" fmla="*/ 142875 h 172640"/>
+                <a:gd name="connsiteX1" fmla="*/ 163830 w 632460"/>
+                <a:gd name="connsiteY1" fmla="*/ 169545 h 172640"/>
+                <a:gd name="connsiteX2" fmla="*/ 386334 w 632460"/>
+                <a:gd name="connsiteY2" fmla="*/ 80005 h 172640"/>
+                <a:gd name="connsiteX3" fmla="*/ 558165 w 632460"/>
+                <a:gd name="connsiteY3" fmla="*/ 19050 h 172640"/>
+                <a:gd name="connsiteX4" fmla="*/ 632460 w 632460"/>
+                <a:gd name="connsiteY4" fmla="*/ 0 h 172640"/>
+                <a:gd name="connsiteX0" fmla="*/ 0 w 632460"/>
+                <a:gd name="connsiteY0" fmla="*/ 142875 h 172640"/>
+                <a:gd name="connsiteX1" fmla="*/ 163830 w 632460"/>
+                <a:gd name="connsiteY1" fmla="*/ 169545 h 172640"/>
+                <a:gd name="connsiteX2" fmla="*/ 386334 w 632460"/>
+                <a:gd name="connsiteY2" fmla="*/ 80005 h 172640"/>
+                <a:gd name="connsiteX3" fmla="*/ 520599 w 632460"/>
+                <a:gd name="connsiteY3" fmla="*/ 19050 h 172640"/>
+                <a:gd name="connsiteX4" fmla="*/ 632460 w 632460"/>
+                <a:gd name="connsiteY4" fmla="*/ 0 h 172640"/>
+                <a:gd name="connsiteX0" fmla="*/ 0 w 626825"/>
+                <a:gd name="connsiteY0" fmla="*/ 140971 h 170736"/>
+                <a:gd name="connsiteX1" fmla="*/ 163830 w 626825"/>
+                <a:gd name="connsiteY1" fmla="*/ 167641 h 170736"/>
+                <a:gd name="connsiteX2" fmla="*/ 386334 w 626825"/>
+                <a:gd name="connsiteY2" fmla="*/ 78101 h 170736"/>
+                <a:gd name="connsiteX3" fmla="*/ 520599 w 626825"/>
+                <a:gd name="connsiteY3" fmla="*/ 17146 h 170736"/>
+                <a:gd name="connsiteX4" fmla="*/ 626825 w 626825"/>
+                <a:gd name="connsiteY4" fmla="*/ 0 h 170736"/>
+                <a:gd name="connsiteX0" fmla="*/ 0 w 626825"/>
+                <a:gd name="connsiteY0" fmla="*/ 137163 h 166928"/>
+                <a:gd name="connsiteX1" fmla="*/ 163830 w 626825"/>
+                <a:gd name="connsiteY1" fmla="*/ 163833 h 166928"/>
+                <a:gd name="connsiteX2" fmla="*/ 386334 w 626825"/>
+                <a:gd name="connsiteY2" fmla="*/ 74293 h 166928"/>
+                <a:gd name="connsiteX3" fmla="*/ 520599 w 626825"/>
+                <a:gd name="connsiteY3" fmla="*/ 13338 h 166928"/>
+                <a:gd name="connsiteX4" fmla="*/ 626825 w 626825"/>
+                <a:gd name="connsiteY4" fmla="*/ 0 h 166928"/>
+                <a:gd name="connsiteX0" fmla="*/ 0 w 617434"/>
+                <a:gd name="connsiteY0" fmla="*/ 158104 h 187869"/>
+                <a:gd name="connsiteX1" fmla="*/ 163830 w 617434"/>
+                <a:gd name="connsiteY1" fmla="*/ 184774 h 187869"/>
+                <a:gd name="connsiteX2" fmla="*/ 386334 w 617434"/>
+                <a:gd name="connsiteY2" fmla="*/ 95234 h 187869"/>
+                <a:gd name="connsiteX3" fmla="*/ 520599 w 617434"/>
+                <a:gd name="connsiteY3" fmla="*/ 34279 h 187869"/>
+                <a:gd name="connsiteX4" fmla="*/ 617434 w 617434"/>
+                <a:gd name="connsiteY4" fmla="*/ 0 h 187869"/>
+                <a:gd name="connsiteX0" fmla="*/ 0 w 621191"/>
+                <a:gd name="connsiteY0" fmla="*/ 142874 h 172639"/>
+                <a:gd name="connsiteX1" fmla="*/ 163830 w 621191"/>
+                <a:gd name="connsiteY1" fmla="*/ 169544 h 172639"/>
+                <a:gd name="connsiteX2" fmla="*/ 386334 w 621191"/>
+                <a:gd name="connsiteY2" fmla="*/ 80004 h 172639"/>
+                <a:gd name="connsiteX3" fmla="*/ 520599 w 621191"/>
+                <a:gd name="connsiteY3" fmla="*/ 19049 h 172639"/>
+                <a:gd name="connsiteX4" fmla="*/ 621191 w 621191"/>
+                <a:gd name="connsiteY4" fmla="*/ 0 h 172639"/>
+              </a:gdLst>
+              <a:ahLst/>
+              <a:cxnLst>
+                <a:cxn ang="0">
+                  <a:pos x="connsiteX0" y="connsiteY0"/>
+                </a:cxn>
+                <a:cxn ang="0">
+                  <a:pos x="connsiteX1" y="connsiteY1"/>
+                </a:cxn>
+                <a:cxn ang="0">
+                  <a:pos x="connsiteX2" y="connsiteY2"/>
+                </a:cxn>
+                <a:cxn ang="0">
+                  <a:pos x="connsiteX3" y="connsiteY3"/>
+                </a:cxn>
+                <a:cxn ang="0">
+                  <a:pos x="connsiteX4" y="connsiteY4"/>
+                </a:cxn>
+              </a:cxnLst>
+              <a:rect l="l" t="t" r="r" b="b"/>
+              <a:pathLst>
+                <a:path w="621191" h="172639">
+                  <a:moveTo>
+                    <a:pt x="0" y="142874"/>
+                  </a:moveTo>
+                  <a:cubicBezTo>
+                    <a:pt x="40798" y="162083"/>
+                    <a:pt x="99441" y="180022"/>
+                    <a:pt x="163830" y="169544"/>
+                  </a:cubicBezTo>
+                  <a:cubicBezTo>
+                    <a:pt x="228219" y="159066"/>
+                    <a:pt x="326873" y="105086"/>
+                    <a:pt x="386334" y="80004"/>
+                  </a:cubicBezTo>
+                  <a:cubicBezTo>
+                    <a:pt x="445795" y="54922"/>
+                    <a:pt x="481456" y="32383"/>
+                    <a:pt x="520599" y="19049"/>
+                  </a:cubicBezTo>
+                  <a:cubicBezTo>
+                    <a:pt x="559742" y="5715"/>
+                    <a:pt x="595632" y="3492"/>
+                    <a:pt x="621191" y="0"/>
+                  </a:cubicBezTo>
+                </a:path>
+              </a:pathLst>
+            </a:custGeom>
+            <a:noFill/>
+          </p:spPr>
+          <p:style>
+            <a:lnRef idx="2">
+              <a:schemeClr val="accent1">
+                <a:shade val="50000"/>
+              </a:schemeClr>
+            </a:lnRef>
+            <a:fillRef idx="1">
+              <a:schemeClr val="accent1"/>
+            </a:fillRef>
+            <a:effectRef idx="0">
+              <a:schemeClr val="accent1"/>
+            </a:effectRef>
+            <a:fontRef idx="minor">
+              <a:schemeClr val="lt1"/>
+            </a:fontRef>
+          </p:style>
+          <p:txBody>
+            <a:bodyPr rtlCol="0" anchor="ctr"/>
+            <a:lstStyle/>
+            <a:p>
+              <a:pPr algn="ctr"/>
+              <a:endParaRPr lang="en-GB"/>
+            </a:p>
+          </p:txBody>
+        </p:sp>
+      </p:grpSp>
     </p:spTree>
     <p:extLst>
       <p:ext uri="{BB962C8B-B14F-4D97-AF65-F5344CB8AC3E}">
-        <p14:creationId xmlns:p14="http://schemas.microsoft.com/office/powerpoint/2010/main" val="3716581961"/>
+        <p14:creationId xmlns:p14="http://schemas.microsoft.com/office/powerpoint/2010/main" val="3327966382"/>
       </p:ext>
     </p:extLst>
   </p:cSld>
